--- a/materiais/Projeto-Lab-Senai-ESQUELETO.pptx
+++ b/materiais/Projeto-Lab-Senai-ESQUELETO.pptx
@@ -7,6 +7,11 @@
   <p:sldIdLst>
     <p:sldId id="256" r:id="rId2"/>
     <p:sldId id="257" r:id="rId3"/>
+    <p:sldId id="258" r:id="rId4"/>
+    <p:sldId id="259" r:id="rId5"/>
+    <p:sldId id="260" r:id="rId6"/>
+    <p:sldId id="261" r:id="rId7"/>
+    <p:sldId id="262" r:id="rId8"/>
   </p:sldIdLst>
   <p:sldSz cx="6858000" cy="12192000"/>
   <p:notesSz cx="6858000" cy="9144000"/>
@@ -105,6 +110,11 @@
       </a:defRPr>
     </a:lvl9pPr>
   </p:defaultTextStyle>
+  <p:extLst>
+    <p:ext uri="{EFAFB233-063F-42B5-8137-9DF3F51BA10A}">
+      <p15:sldGuideLst xmlns:p15="http://schemas.microsoft.com/office/powerpoint/2012/main"/>
+    </p:ext>
+  </p:extLst>
 </p:presentation>
 </file>
 
@@ -4543,6 +4553,96 @@
           </a:p>
         </p:txBody>
       </p:sp>
+      <p:cxnSp>
+        <p:nvCxnSpPr>
+          <p:cNvPr id="3" name="Conector reto 2"/>
+          <p:cNvCxnSpPr/>
+          <p:nvPr/>
+        </p:nvCxnSpPr>
+        <p:spPr>
+          <a:xfrm flipH="1">
+            <a:off x="885372" y="2191657"/>
+            <a:ext cx="471480" cy="0"/>
+          </a:xfrm>
+          <a:prstGeom prst="line">
+            <a:avLst/>
+          </a:prstGeom>
+        </p:spPr>
+        <p:style>
+          <a:lnRef idx="1">
+            <a:schemeClr val="accent2"/>
+          </a:lnRef>
+          <a:fillRef idx="0">
+            <a:schemeClr val="accent2"/>
+          </a:fillRef>
+          <a:effectRef idx="0">
+            <a:schemeClr val="accent2"/>
+          </a:effectRef>
+          <a:fontRef idx="minor">
+            <a:schemeClr val="tx1"/>
+          </a:fontRef>
+        </p:style>
+      </p:cxnSp>
+      <p:cxnSp>
+        <p:nvCxnSpPr>
+          <p:cNvPr id="15" name="Conector reto 14"/>
+          <p:cNvCxnSpPr/>
+          <p:nvPr/>
+        </p:nvCxnSpPr>
+        <p:spPr>
+          <a:xfrm flipH="1">
+            <a:off x="464458" y="5065486"/>
+            <a:ext cx="1015764" cy="29028"/>
+          </a:xfrm>
+          <a:prstGeom prst="line">
+            <a:avLst/>
+          </a:prstGeom>
+        </p:spPr>
+        <p:style>
+          <a:lnRef idx="3">
+            <a:schemeClr val="accent6"/>
+          </a:lnRef>
+          <a:fillRef idx="0">
+            <a:schemeClr val="accent6"/>
+          </a:fillRef>
+          <a:effectRef idx="2">
+            <a:schemeClr val="accent6"/>
+          </a:effectRef>
+          <a:fontRef idx="minor">
+            <a:schemeClr val="tx1"/>
+          </a:fontRef>
+        </p:style>
+      </p:cxnSp>
+      <p:cxnSp>
+        <p:nvCxnSpPr>
+          <p:cNvPr id="19" name="Conector reto 18"/>
+          <p:cNvCxnSpPr/>
+          <p:nvPr/>
+        </p:nvCxnSpPr>
+        <p:spPr>
+          <a:xfrm flipH="1">
+            <a:off x="464458" y="7949089"/>
+            <a:ext cx="1015764" cy="0"/>
+          </a:xfrm>
+          <a:prstGeom prst="line">
+            <a:avLst/>
+          </a:prstGeom>
+        </p:spPr>
+        <p:style>
+          <a:lnRef idx="3">
+            <a:schemeClr val="accent5"/>
+          </a:lnRef>
+          <a:fillRef idx="0">
+            <a:schemeClr val="accent5"/>
+          </a:fillRef>
+          <a:effectRef idx="2">
+            <a:schemeClr val="accent5"/>
+          </a:effectRef>
+          <a:fontRef idx="minor">
+            <a:schemeClr val="tx1"/>
+          </a:fontRef>
+        </p:style>
+      </p:cxnSp>
     </p:spTree>
     <p:extLst>
       <p:ext uri="{BB962C8B-B14F-4D97-AF65-F5344CB8AC3E}">
@@ -5185,8 +5285,13 @@
                       </a:br>
                       <a:r>
                         <a:rPr lang="pt-BR" dirty="0" smtClean="0"/>
-                        <a:t>{ &lt;H3&gt; &lt;P&gt; &lt;P&gt; }</a:t>
+                        <a:t>{ &lt;H3&gt; </a:t>
                       </a:r>
+                      <a:r>
+                        <a:rPr lang="pt-BR" dirty="0" smtClean="0"/>
+                        <a:t>&lt;P&gt; &lt;P&gt; }</a:t>
+                      </a:r>
+                      <a:endParaRPr lang="pt-BR" dirty="0" smtClean="0"/>
                     </a:p>
                     <a:p>
                       <a:pPr algn="ctr"/>
@@ -5506,7 +5611,6 @@
                         <a:rPr lang="pt-BR" dirty="0" smtClean="0"/>
                         <a:t>{ &lt;H3&gt; &lt;P&gt; &lt;P&gt; }</a:t>
                       </a:r>
-                      <a:endParaRPr lang="pt-BR" dirty="0" smtClean="0"/>
                     </a:p>
                   </a:txBody>
                   <a:tcPr anchor="ctr">
@@ -5581,7 +5685,6 @@
                         <a:rPr lang="pt-BR" dirty="0" smtClean="0"/>
                         <a:t>{ &lt;H3&gt; &lt;P&gt; &lt;P&gt; }</a:t>
                       </a:r>
-                      <a:endParaRPr lang="pt-BR" dirty="0" smtClean="0"/>
                     </a:p>
                   </a:txBody>
                   <a:tcPr anchor="ctr">
@@ -5741,7 +5844,6 @@
                         <a:rPr lang="pt-BR" dirty="0" smtClean="0"/>
                         <a:t>{ &lt;H3&gt; &lt;P&gt; &lt;P&gt; }</a:t>
                       </a:r>
-                      <a:endParaRPr lang="pt-BR" dirty="0" smtClean="0"/>
                     </a:p>
                   </a:txBody>
                   <a:tcPr anchor="ctr">
@@ -6034,8 +6136,8 @@
         </p:nvSpPr>
         <p:spPr>
           <a:xfrm>
-            <a:off x="2999482" y="55687"/>
-            <a:ext cx="2823157" cy="1015663"/>
+            <a:off x="2527300" y="55687"/>
+            <a:ext cx="3295339" cy="1015663"/>
           </a:xfrm>
           <a:prstGeom prst="rect">
             <a:avLst/>
@@ -6050,7 +6152,7 @@
           <a:p>
             <a:r>
               <a:rPr lang="pt-BR" sz="6000" dirty="0" smtClean="0"/>
-              <a:t>HOME</a:t>
+              <a:t>NOTICIAS</a:t>
             </a:r>
             <a:endParaRPr lang="pt-BR" sz="6000" dirty="0"/>
           </a:p>
@@ -6107,7 +6209,15 @@
                   <a:srgbClr val="FF0000"/>
                 </a:solidFill>
               </a:rPr>
-              <a:t>4 LINHAS</a:t>
+              <a:t>3 </a:t>
+            </a:r>
+            <a:r>
+              <a:rPr lang="pt-BR" sz="1400" dirty="0" smtClean="0">
+                <a:solidFill>
+                  <a:srgbClr val="FF0000"/>
+                </a:solidFill>
+              </a:rPr>
+              <a:t>LINHAS</a:t>
             </a:r>
             <a:br>
               <a:rPr lang="pt-BR" sz="1400" dirty="0" smtClean="0">
@@ -6157,7 +6267,7 @@
             <a:r>
               <a:rPr lang="pt-BR" sz="1400" b="1" dirty="0" smtClean="0">
                 <a:solidFill>
-                  <a:schemeClr val="accent6"/>
+                  <a:schemeClr val="accent1"/>
                 </a:solidFill>
               </a:rPr>
               <a:t>GRID</a:t>
@@ -6165,7 +6275,7 @@
             <a:r>
               <a:rPr lang="pt-BR" sz="1400" dirty="0" smtClean="0">
                 <a:solidFill>
-                  <a:schemeClr val="accent6"/>
+                  <a:schemeClr val="accent1"/>
                 </a:solidFill>
               </a:rPr>
               <a:t/>
@@ -6173,70 +6283,40 @@
             <a:br>
               <a:rPr lang="pt-BR" sz="1400" dirty="0" smtClean="0">
                 <a:solidFill>
-                  <a:schemeClr val="accent6"/>
+                  <a:schemeClr val="accent1"/>
                 </a:solidFill>
               </a:rPr>
             </a:br>
             <a:r>
               <a:rPr lang="pt-BR" sz="1400" dirty="0" smtClean="0">
                 <a:solidFill>
-                  <a:schemeClr val="accent6"/>
-                </a:solidFill>
-              </a:rPr>
-              <a:t>2LINHAS</a:t>
+                  <a:schemeClr val="accent1"/>
+                </a:solidFill>
+              </a:rPr>
+              <a:t>6 LINHAS</a:t>
+            </a:r>
+            <a:r>
+              <a:rPr lang="pt-BR" sz="1400" dirty="0" smtClean="0">
+                <a:solidFill>
+                  <a:schemeClr val="accent1"/>
+                </a:solidFill>
+              </a:rPr>
+              <a:t/>
             </a:r>
             <a:br>
               <a:rPr lang="pt-BR" sz="1400" dirty="0" smtClean="0">
                 <a:solidFill>
-                  <a:schemeClr val="accent6"/>
+                  <a:schemeClr val="accent1"/>
                 </a:solidFill>
               </a:rPr>
             </a:br>
             <a:r>
               <a:rPr lang="pt-BR" sz="1400" dirty="0" smtClean="0">
                 <a:solidFill>
-                  <a:schemeClr val="accent6"/>
-                </a:solidFill>
-              </a:rPr>
-              <a:t>2 COLUNAS </a:t>
-            </a:r>
-            <a:endParaRPr lang="pt-BR" sz="1400" dirty="0">
-              <a:solidFill>
-                <a:schemeClr val="accent6"/>
-              </a:solidFill>
-            </a:endParaRPr>
-          </a:p>
-        </p:txBody>
-      </p:sp>
-      <p:sp>
-        <p:nvSpPr>
-          <p:cNvPr id="11" name="CaixaDeTexto 10"/>
-          <p:cNvSpPr txBox="1"/>
-          <p:nvPr/>
-        </p:nvSpPr>
-        <p:spPr>
-          <a:xfrm>
-            <a:off x="-19913" y="7812645"/>
-            <a:ext cx="1229530" cy="738664"/>
-          </a:xfrm>
-          <a:prstGeom prst="rect">
-            <a:avLst/>
-          </a:prstGeom>
-          <a:noFill/>
-        </p:spPr>
-        <p:txBody>
-          <a:bodyPr wrap="square" rtlCol="0">
-            <a:spAutoFit/>
-          </a:bodyPr>
-          <a:lstStyle/>
-          <a:p>
-            <a:r>
-              <a:rPr lang="pt-BR" sz="1400" b="1" dirty="0" smtClean="0">
-                <a:solidFill>
                   <a:schemeClr val="accent1"/>
                 </a:solidFill>
               </a:rPr>
-              <a:t>GRID</a:t>
+              <a:t>3 </a:t>
             </a:r>
             <a:r>
               <a:rPr lang="pt-BR" sz="1400" dirty="0" smtClean="0">
@@ -6244,81 +6324,13 @@
                   <a:schemeClr val="accent1"/>
                 </a:solidFill>
               </a:rPr>
-              <a:t/>
-            </a:r>
-            <a:br>
-              <a:rPr lang="pt-BR" sz="1400" dirty="0" smtClean="0">
-                <a:solidFill>
-                  <a:schemeClr val="accent1"/>
-                </a:solidFill>
-              </a:rPr>
-            </a:br>
-            <a:r>
-              <a:rPr lang="pt-BR" sz="1400" dirty="0" smtClean="0">
-                <a:solidFill>
-                  <a:schemeClr val="accent1"/>
-                </a:solidFill>
-              </a:rPr>
-              <a:t>3LINHAS</a:t>
-            </a:r>
-            <a:br>
-              <a:rPr lang="pt-BR" sz="1400" dirty="0" smtClean="0">
-                <a:solidFill>
-                  <a:schemeClr val="accent1"/>
-                </a:solidFill>
-              </a:rPr>
-            </a:br>
-            <a:r>
-              <a:rPr lang="pt-BR" sz="1400" dirty="0" smtClean="0">
-                <a:solidFill>
-                  <a:schemeClr val="accent1"/>
-                </a:solidFill>
-              </a:rPr>
-              <a:t>3 COLUNAS </a:t>
+              <a:t>COLUNAS </a:t>
             </a:r>
             <a:endParaRPr lang="pt-BR" sz="1400" dirty="0">
               <a:solidFill>
                 <a:schemeClr val="accent1"/>
               </a:solidFill>
             </a:endParaRPr>
-          </a:p>
-        </p:txBody>
-      </p:sp>
-      <p:sp>
-        <p:nvSpPr>
-          <p:cNvPr id="13" name="CaixaDeTexto 12"/>
-          <p:cNvSpPr txBox="1"/>
-          <p:nvPr/>
-        </p:nvSpPr>
-        <p:spPr>
-          <a:xfrm>
-            <a:off x="1356852" y="1640218"/>
-            <a:ext cx="5433267" cy="1754326"/>
-          </a:xfrm>
-          <a:prstGeom prst="rect">
-            <a:avLst/>
-          </a:prstGeom>
-          <a:noFill/>
-        </p:spPr>
-        <p:txBody>
-          <a:bodyPr wrap="square" rtlCol="0">
-            <a:spAutoFit/>
-          </a:bodyPr>
-          <a:lstStyle/>
-          <a:p>
-            <a:pPr algn="ctr"/>
-            <a:r>
-              <a:rPr lang="pt-BR" sz="6000" dirty="0" smtClean="0"/>
-              <a:t>NOTÍCIAS</a:t>
-            </a:r>
-          </a:p>
-          <a:p>
-            <a:pPr algn="ctr"/>
-            <a:r>
-              <a:rPr lang="pt-BR" sz="4800" dirty="0" smtClean="0"/>
-              <a:t>&lt;header&gt;</a:t>
-            </a:r>
-            <a:endParaRPr lang="pt-BR" sz="4800" dirty="0"/>
           </a:p>
         </p:txBody>
       </p:sp>
@@ -6352,10 +6364,6899 @@
           </a:p>
         </p:txBody>
       </p:sp>
+      <p:cxnSp>
+        <p:nvCxnSpPr>
+          <p:cNvPr id="3" name="Conector reto 2"/>
+          <p:cNvCxnSpPr/>
+          <p:nvPr/>
+        </p:nvCxnSpPr>
+        <p:spPr>
+          <a:xfrm flipH="1">
+            <a:off x="856343" y="2045439"/>
+            <a:ext cx="500509" cy="131704"/>
+          </a:xfrm>
+          <a:prstGeom prst="line">
+            <a:avLst/>
+          </a:prstGeom>
+        </p:spPr>
+        <p:style>
+          <a:lnRef idx="1">
+            <a:schemeClr val="accent2"/>
+          </a:lnRef>
+          <a:fillRef idx="0">
+            <a:schemeClr val="accent2"/>
+          </a:fillRef>
+          <a:effectRef idx="0">
+            <a:schemeClr val="accent2"/>
+          </a:effectRef>
+          <a:fontRef idx="minor">
+            <a:schemeClr val="tx1"/>
+          </a:fontRef>
+        </p:style>
+      </p:cxnSp>
+      <p:cxnSp>
+        <p:nvCxnSpPr>
+          <p:cNvPr id="12" name="Conector reto 11"/>
+          <p:cNvCxnSpPr/>
+          <p:nvPr/>
+        </p:nvCxnSpPr>
+        <p:spPr>
+          <a:xfrm flipH="1">
+            <a:off x="594852" y="4929042"/>
+            <a:ext cx="1023373" cy="121929"/>
+          </a:xfrm>
+          <a:prstGeom prst="line">
+            <a:avLst/>
+          </a:prstGeom>
+        </p:spPr>
+        <p:style>
+          <a:lnRef idx="1">
+            <a:schemeClr val="accent1"/>
+          </a:lnRef>
+          <a:fillRef idx="0">
+            <a:schemeClr val="accent1"/>
+          </a:fillRef>
+          <a:effectRef idx="0">
+            <a:schemeClr val="accent1"/>
+          </a:effectRef>
+          <a:fontRef idx="minor">
+            <a:schemeClr val="tx1"/>
+          </a:fontRef>
+        </p:style>
+      </p:cxnSp>
     </p:spTree>
     <p:extLst>
       <p:ext uri="{BB962C8B-B14F-4D97-AF65-F5344CB8AC3E}">
         <p14:creationId xmlns:p14="http://schemas.microsoft.com/office/powerpoint/2010/main" val="3572691792"/>
+      </p:ext>
+    </p:extLst>
+  </p:cSld>
+  <p:clrMapOvr>
+    <a:masterClrMapping/>
+  </p:clrMapOvr>
+</p:sld>
+</file>
+
+<file path=ppt/slides/slide3.xml><?xml version="1.0" encoding="utf-8"?>
+<p:sld xmlns:a="http://schemas.openxmlformats.org/drawingml/2006/main" xmlns:r="http://schemas.openxmlformats.org/officeDocument/2006/relationships" xmlns:p="http://schemas.openxmlformats.org/presentationml/2006/main">
+  <p:cSld>
+    <p:spTree>
+      <p:nvGrpSpPr>
+        <p:cNvPr id="1" name=""/>
+        <p:cNvGrpSpPr/>
+        <p:nvPr/>
+      </p:nvGrpSpPr>
+      <p:grpSpPr>
+        <a:xfrm>
+          <a:off x="0" y="0"/>
+          <a:ext cx="0" cy="0"/>
+          <a:chOff x="0" y="0"/>
+          <a:chExt cx="0" cy="0"/>
+        </a:xfrm>
+      </p:grpSpPr>
+      <p:graphicFrame>
+        <p:nvGraphicFramePr>
+          <p:cNvPr id="4" name="Tabela 3"/>
+          <p:cNvGraphicFramePr>
+            <a:graphicFrameLocks noGrp="1"/>
+          </p:cNvGraphicFramePr>
+          <p:nvPr>
+            <p:extLst>
+              <p:ext uri="{D42A27DB-BD31-4B8C-83A1-F6EECF244321}">
+                <p14:modId xmlns:p14="http://schemas.microsoft.com/office/powerpoint/2010/main" val="3428840842"/>
+              </p:ext>
+            </p:extLst>
+          </p:nvPr>
+        </p:nvGraphicFramePr>
+        <p:xfrm>
+          <a:off x="1335081" y="1071350"/>
+          <a:ext cx="5501148" cy="11120650"/>
+        </p:xfrm>
+        <a:graphic>
+          <a:graphicData uri="http://schemas.openxmlformats.org/drawingml/2006/table">
+            <a:tbl>
+              <a:tblPr>
+                <a:tableStyleId>{5C22544A-7EE6-4342-B048-85BDC9FD1C3A}</a:tableStyleId>
+              </a:tblPr>
+              <a:tblGrid>
+                <a:gridCol w="5501148">
+                  <a:extLst>
+                    <a:ext uri="{9D8B030D-6E8A-4147-A177-3AD203B41FA5}">
+                      <a16:colId xmlns:a16="http://schemas.microsoft.com/office/drawing/2014/main" val="1185017373"/>
+                    </a:ext>
+                  </a:extLst>
+                </a:gridCol>
+              </a:tblGrid>
+              <a:tr h="1440512">
+                <a:tc>
+                  <a:txBody>
+                    <a:bodyPr/>
+                    <a:lstStyle/>
+                    <a:p>
+                      <a:pPr algn="ctr"/>
+                      <a:endParaRPr lang="pt-BR" sz="1800" b="1" dirty="0">
+                        <a:solidFill>
+                          <a:schemeClr val="tx1"/>
+                        </a:solidFill>
+                      </a:endParaRPr>
+                    </a:p>
+                  </a:txBody>
+                  <a:tcPr anchor="ctr">
+                    <a:lnL w="12700" cap="flat" cmpd="sng" algn="ctr">
+                      <a:solidFill>
+                        <a:srgbClr val="FF0000"/>
+                      </a:solidFill>
+                      <a:prstDash val="solid"/>
+                      <a:round/>
+                      <a:headEnd type="none" w="med" len="med"/>
+                      <a:tailEnd type="none" w="med" len="med"/>
+                    </a:lnL>
+                    <a:lnR w="12700" cap="flat" cmpd="sng" algn="ctr">
+                      <a:solidFill>
+                        <a:srgbClr val="FF0000"/>
+                      </a:solidFill>
+                      <a:prstDash val="solid"/>
+                      <a:round/>
+                      <a:headEnd type="none" w="med" len="med"/>
+                      <a:tailEnd type="none" w="med" len="med"/>
+                    </a:lnR>
+                    <a:lnT w="12700" cap="flat" cmpd="sng" algn="ctr">
+                      <a:solidFill>
+                        <a:srgbClr val="FF0000"/>
+                      </a:solidFill>
+                      <a:prstDash val="solid"/>
+                      <a:round/>
+                      <a:headEnd type="none" w="med" len="med"/>
+                      <a:tailEnd type="none" w="med" len="med"/>
+                    </a:lnT>
+                    <a:lnB w="12700" cap="flat" cmpd="sng" algn="ctr">
+                      <a:solidFill>
+                        <a:srgbClr val="FF0000"/>
+                      </a:solidFill>
+                      <a:prstDash val="solid"/>
+                      <a:round/>
+                      <a:headEnd type="none" w="med" len="med"/>
+                      <a:tailEnd type="none" w="med" len="med"/>
+                    </a:lnB>
+                  </a:tcPr>
+                </a:tc>
+                <a:extLst>
+                  <a:ext uri="{0D108BD9-81ED-4DB2-BD59-A6C34878D82A}">
+                    <a16:rowId xmlns:a16="http://schemas.microsoft.com/office/drawing/2014/main" val="3738730398"/>
+                  </a:ext>
+                </a:extLst>
+              </a:tr>
+              <a:tr h="1359925">
+                <a:tc>
+                  <a:txBody>
+                    <a:bodyPr/>
+                    <a:lstStyle/>
+                    <a:p>
+                      <a:pPr algn="ctr"/>
+                      <a:r>
+                        <a:rPr lang="pt-BR" sz="1800" b="1" dirty="0" err="1" smtClean="0">
+                          <a:solidFill>
+                            <a:schemeClr val="tx1"/>
+                          </a:solidFill>
+                        </a:rPr>
+                        <a:t>Div</a:t>
+                      </a:r>
+                      <a:r>
+                        <a:rPr lang="pt-BR" sz="1800" b="1" dirty="0" smtClean="0">
+                          <a:solidFill>
+                            <a:schemeClr val="tx1"/>
+                          </a:solidFill>
+                        </a:rPr>
+                        <a:t> </a:t>
+                      </a:r>
+                      <a:r>
+                        <a:rPr lang="pt-BR" sz="1800" b="1" dirty="0" err="1" smtClean="0">
+                          <a:solidFill>
+                            <a:schemeClr val="tx1"/>
+                          </a:solidFill>
+                        </a:rPr>
+                        <a:t>dislay</a:t>
+                      </a:r>
+                      <a:r>
+                        <a:rPr lang="pt-BR" sz="1800" b="1" dirty="0" smtClean="0">
+                          <a:solidFill>
+                            <a:schemeClr val="tx1"/>
+                          </a:solidFill>
+                        </a:rPr>
+                        <a:t> </a:t>
+                      </a:r>
+                      <a:r>
+                        <a:rPr lang="pt-BR" sz="1800" b="1" dirty="0" err="1" smtClean="0">
+                          <a:solidFill>
+                            <a:schemeClr val="tx1"/>
+                          </a:solidFill>
+                        </a:rPr>
+                        <a:t>block</a:t>
+                      </a:r>
+                      <a:r>
+                        <a:rPr lang="pt-BR" sz="1800" b="1" dirty="0" smtClean="0">
+                          <a:solidFill>
+                            <a:schemeClr val="tx1"/>
+                          </a:solidFill>
+                        </a:rPr>
+                        <a:t> </a:t>
+                      </a:r>
+                      <a:r>
+                        <a:rPr lang="pt-BR" sz="1800" b="0" dirty="0" smtClean="0">
+                          <a:solidFill>
+                            <a:schemeClr val="tx1"/>
+                          </a:solidFill>
+                        </a:rPr>
+                        <a:t>{</a:t>
+                      </a:r>
+                    </a:p>
+                    <a:p>
+                      <a:pPr algn="ctr"/>
+                      <a:r>
+                        <a:rPr lang="pt-BR" sz="1800" b="0" dirty="0" smtClean="0">
+                          <a:solidFill>
+                            <a:schemeClr val="tx1"/>
+                          </a:solidFill>
+                        </a:rPr>
+                        <a:t>&lt;p&gt;</a:t>
+                      </a:r>
+                      <a:br>
+                        <a:rPr lang="pt-BR" sz="1800" b="0" dirty="0" smtClean="0">
+                          <a:solidFill>
+                            <a:schemeClr val="tx1"/>
+                          </a:solidFill>
+                        </a:rPr>
+                      </a:br>
+                      <a:r>
+                        <a:rPr lang="pt-BR" sz="1800" b="0" dirty="0" smtClean="0">
+                          <a:solidFill>
+                            <a:schemeClr val="tx1"/>
+                          </a:solidFill>
+                        </a:rPr>
+                        <a:t>&lt;</a:t>
+                      </a:r>
+                      <a:r>
+                        <a:rPr lang="pt-BR" sz="1800" b="0" dirty="0" err="1" smtClean="0">
+                          <a:solidFill>
+                            <a:schemeClr val="tx1"/>
+                          </a:solidFill>
+                        </a:rPr>
+                        <a:t>div</a:t>
+                      </a:r>
+                      <a:r>
+                        <a:rPr lang="pt-BR" sz="1800" b="0" dirty="0" smtClean="0">
+                          <a:solidFill>
+                            <a:schemeClr val="tx1"/>
+                          </a:solidFill>
+                        </a:rPr>
+                        <a:t>&gt; {&lt;link&gt;</a:t>
+                      </a:r>
+                      <a:r>
+                        <a:rPr lang="pt-BR" sz="1800" b="0" baseline="0" dirty="0" smtClean="0">
+                          <a:solidFill>
+                            <a:schemeClr val="tx1"/>
+                          </a:solidFill>
+                        </a:rPr>
+                        <a:t> &lt;link&gt;}</a:t>
+                      </a:r>
+                      <a:br>
+                        <a:rPr lang="pt-BR" sz="1800" b="0" baseline="0" dirty="0" smtClean="0">
+                          <a:solidFill>
+                            <a:schemeClr val="tx1"/>
+                          </a:solidFill>
+                        </a:rPr>
+                      </a:br>
+                      <a:r>
+                        <a:rPr lang="pt-BR" sz="1800" b="0" baseline="0" dirty="0" smtClean="0">
+                          <a:solidFill>
+                            <a:schemeClr val="tx1"/>
+                          </a:solidFill>
+                        </a:rPr>
+                        <a:t>}</a:t>
+                      </a:r>
+                      <a:endParaRPr lang="pt-BR" sz="1800" b="0" dirty="0">
+                        <a:solidFill>
+                          <a:schemeClr val="tx1"/>
+                        </a:solidFill>
+                      </a:endParaRPr>
+                    </a:p>
+                  </a:txBody>
+                  <a:tcPr anchor="ctr">
+                    <a:lnL w="12700" cap="flat" cmpd="sng" algn="ctr">
+                      <a:solidFill>
+                        <a:srgbClr val="FF0000"/>
+                      </a:solidFill>
+                      <a:prstDash val="solid"/>
+                      <a:round/>
+                      <a:headEnd type="none" w="med" len="med"/>
+                      <a:tailEnd type="none" w="med" len="med"/>
+                    </a:lnL>
+                    <a:lnR w="12700" cap="flat" cmpd="sng" algn="ctr">
+                      <a:solidFill>
+                        <a:srgbClr val="FF0000"/>
+                      </a:solidFill>
+                      <a:prstDash val="solid"/>
+                      <a:round/>
+                      <a:headEnd type="none" w="med" len="med"/>
+                      <a:tailEnd type="none" w="med" len="med"/>
+                    </a:lnR>
+                    <a:lnT w="12700" cap="flat" cmpd="sng" algn="ctr">
+                      <a:solidFill>
+                        <a:srgbClr val="FF0000"/>
+                      </a:solidFill>
+                      <a:prstDash val="solid"/>
+                      <a:round/>
+                      <a:headEnd type="none" w="med" len="med"/>
+                      <a:tailEnd type="none" w="med" len="med"/>
+                    </a:lnT>
+                    <a:lnB w="12700" cap="flat" cmpd="sng" algn="ctr">
+                      <a:solidFill>
+                        <a:srgbClr val="FF0000"/>
+                      </a:solidFill>
+                      <a:prstDash val="solid"/>
+                      <a:round/>
+                      <a:headEnd type="none" w="med" len="med"/>
+                      <a:tailEnd type="none" w="med" len="med"/>
+                    </a:lnB>
+                  </a:tcPr>
+                </a:tc>
+                <a:extLst>
+                  <a:ext uri="{0D108BD9-81ED-4DB2-BD59-A6C34878D82A}">
+                    <a16:rowId xmlns:a16="http://schemas.microsoft.com/office/drawing/2014/main" val="3139792909"/>
+                  </a:ext>
+                </a:extLst>
+              </a:tr>
+              <a:tr h="3998677">
+                <a:tc>
+                  <a:txBody>
+                    <a:bodyPr/>
+                    <a:lstStyle/>
+                    <a:p>
+                      <a:pPr algn="ctr"/>
+                      <a:endParaRPr lang="pt-BR" sz="1800" b="1" dirty="0">
+                        <a:solidFill>
+                          <a:schemeClr val="tx1"/>
+                        </a:solidFill>
+                      </a:endParaRPr>
+                    </a:p>
+                  </a:txBody>
+                  <a:tcPr anchor="ctr">
+                    <a:lnL w="12700" cap="flat" cmpd="sng" algn="ctr">
+                      <a:solidFill>
+                        <a:srgbClr val="FF0000"/>
+                      </a:solidFill>
+                      <a:prstDash val="solid"/>
+                      <a:round/>
+                      <a:headEnd type="none" w="med" len="med"/>
+                      <a:tailEnd type="none" w="med" len="med"/>
+                    </a:lnL>
+                    <a:lnR w="12700" cap="flat" cmpd="sng" algn="ctr">
+                      <a:solidFill>
+                        <a:srgbClr val="FF0000"/>
+                      </a:solidFill>
+                      <a:prstDash val="solid"/>
+                      <a:round/>
+                      <a:headEnd type="none" w="med" len="med"/>
+                      <a:tailEnd type="none" w="med" len="med"/>
+                    </a:lnR>
+                    <a:lnT w="12700" cap="flat" cmpd="sng" algn="ctr">
+                      <a:solidFill>
+                        <a:srgbClr val="FF0000"/>
+                      </a:solidFill>
+                      <a:prstDash val="solid"/>
+                      <a:round/>
+                      <a:headEnd type="none" w="med" len="med"/>
+                      <a:tailEnd type="none" w="med" len="med"/>
+                    </a:lnT>
+                    <a:lnB w="12700" cap="flat" cmpd="sng" algn="ctr">
+                      <a:solidFill>
+                        <a:srgbClr val="FF0000"/>
+                      </a:solidFill>
+                      <a:prstDash val="solid"/>
+                      <a:round/>
+                      <a:headEnd type="none" w="med" len="med"/>
+                      <a:tailEnd type="none" w="med" len="med"/>
+                    </a:lnB>
+                  </a:tcPr>
+                </a:tc>
+                <a:extLst>
+                  <a:ext uri="{0D108BD9-81ED-4DB2-BD59-A6C34878D82A}">
+                    <a16:rowId xmlns:a16="http://schemas.microsoft.com/office/drawing/2014/main" val="902013628"/>
+                  </a:ext>
+                </a:extLst>
+              </a:tr>
+              <a:tr h="2881024">
+                <a:tc>
+                  <a:txBody>
+                    <a:bodyPr/>
+                    <a:lstStyle/>
+                    <a:p>
+                      <a:pPr algn="ctr"/>
+                      <a:r>
+                        <a:rPr lang="pt-BR" sz="1800" b="1" dirty="0" smtClean="0">
+                          <a:solidFill>
+                            <a:schemeClr val="tx1"/>
+                          </a:solidFill>
+                        </a:rPr>
+                        <a:t>DIV -&gt; PLUGIN FACEBOOK</a:t>
+                      </a:r>
+                      <a:r>
+                        <a:rPr lang="pt-BR" sz="1800" b="1" baseline="0" dirty="0" smtClean="0">
+                          <a:solidFill>
+                            <a:schemeClr val="tx1"/>
+                          </a:solidFill>
+                        </a:rPr>
+                        <a:t> COMENTÁRIOS</a:t>
+                      </a:r>
+                      <a:endParaRPr lang="pt-BR" sz="1800" b="1" dirty="0">
+                        <a:solidFill>
+                          <a:schemeClr val="tx1"/>
+                        </a:solidFill>
+                      </a:endParaRPr>
+                    </a:p>
+                  </a:txBody>
+                  <a:tcPr anchor="ctr">
+                    <a:lnL w="12700" cap="flat" cmpd="sng" algn="ctr">
+                      <a:solidFill>
+                        <a:srgbClr val="FF0000"/>
+                      </a:solidFill>
+                      <a:prstDash val="solid"/>
+                      <a:round/>
+                      <a:headEnd type="none" w="med" len="med"/>
+                      <a:tailEnd type="none" w="med" len="med"/>
+                    </a:lnL>
+                    <a:lnR w="12700" cap="flat" cmpd="sng" algn="ctr">
+                      <a:solidFill>
+                        <a:srgbClr val="FF0000"/>
+                      </a:solidFill>
+                      <a:prstDash val="solid"/>
+                      <a:round/>
+                      <a:headEnd type="none" w="med" len="med"/>
+                      <a:tailEnd type="none" w="med" len="med"/>
+                    </a:lnR>
+                    <a:lnT w="12700" cap="flat" cmpd="sng" algn="ctr">
+                      <a:solidFill>
+                        <a:srgbClr val="FF0000"/>
+                      </a:solidFill>
+                      <a:prstDash val="solid"/>
+                      <a:round/>
+                      <a:headEnd type="none" w="med" len="med"/>
+                      <a:tailEnd type="none" w="med" len="med"/>
+                    </a:lnT>
+                    <a:lnB w="12700" cap="flat" cmpd="sng" algn="ctr">
+                      <a:solidFill>
+                        <a:srgbClr val="FF0000"/>
+                      </a:solidFill>
+                      <a:prstDash val="solid"/>
+                      <a:round/>
+                      <a:headEnd type="none" w="med" len="med"/>
+                      <a:tailEnd type="none" w="med" len="med"/>
+                    </a:lnB>
+                  </a:tcPr>
+                </a:tc>
+                <a:extLst>
+                  <a:ext uri="{0D108BD9-81ED-4DB2-BD59-A6C34878D82A}">
+                    <a16:rowId xmlns:a16="http://schemas.microsoft.com/office/drawing/2014/main" val="662347348"/>
+                  </a:ext>
+                </a:extLst>
+              </a:tr>
+              <a:tr h="1440512">
+                <a:tc>
+                  <a:txBody>
+                    <a:bodyPr/>
+                    <a:lstStyle/>
+                    <a:p>
+                      <a:pPr algn="ctr"/>
+                      <a:endParaRPr lang="pt-BR" sz="1800" b="1" dirty="0">
+                        <a:solidFill>
+                          <a:schemeClr val="tx1"/>
+                        </a:solidFill>
+                      </a:endParaRPr>
+                    </a:p>
+                  </a:txBody>
+                  <a:tcPr anchor="ctr">
+                    <a:lnL w="12700" cap="flat" cmpd="sng" algn="ctr">
+                      <a:solidFill>
+                        <a:srgbClr val="FF0000"/>
+                      </a:solidFill>
+                      <a:prstDash val="solid"/>
+                      <a:round/>
+                      <a:headEnd type="none" w="med" len="med"/>
+                      <a:tailEnd type="none" w="med" len="med"/>
+                    </a:lnL>
+                    <a:lnR w="12700" cap="flat" cmpd="sng" algn="ctr">
+                      <a:solidFill>
+                        <a:srgbClr val="FF0000"/>
+                      </a:solidFill>
+                      <a:prstDash val="solid"/>
+                      <a:round/>
+                      <a:headEnd type="none" w="med" len="med"/>
+                      <a:tailEnd type="none" w="med" len="med"/>
+                    </a:lnR>
+                    <a:lnT w="12700" cap="flat" cmpd="sng" algn="ctr">
+                      <a:solidFill>
+                        <a:srgbClr val="FF0000"/>
+                      </a:solidFill>
+                      <a:prstDash val="solid"/>
+                      <a:round/>
+                      <a:headEnd type="none" w="med" len="med"/>
+                      <a:tailEnd type="none" w="med" len="med"/>
+                    </a:lnT>
+                    <a:lnB w="12700" cap="flat" cmpd="sng" algn="ctr">
+                      <a:solidFill>
+                        <a:srgbClr val="FF0000"/>
+                      </a:solidFill>
+                      <a:prstDash val="solid"/>
+                      <a:round/>
+                      <a:headEnd type="none" w="med" len="med"/>
+                      <a:tailEnd type="none" w="med" len="med"/>
+                    </a:lnB>
+                  </a:tcPr>
+                </a:tc>
+                <a:extLst>
+                  <a:ext uri="{0D108BD9-81ED-4DB2-BD59-A6C34878D82A}">
+                    <a16:rowId xmlns:a16="http://schemas.microsoft.com/office/drawing/2014/main" val="1345892478"/>
+                  </a:ext>
+                </a:extLst>
+              </a:tr>
+            </a:tbl>
+          </a:graphicData>
+        </a:graphic>
+      </p:graphicFrame>
+      <p:graphicFrame>
+        <p:nvGraphicFramePr>
+          <p:cNvPr id="6" name="Tabela 5"/>
+          <p:cNvGraphicFramePr>
+            <a:graphicFrameLocks noGrp="1"/>
+          </p:cNvGraphicFramePr>
+          <p:nvPr>
+            <p:extLst>
+              <p:ext uri="{D42A27DB-BD31-4B8C-83A1-F6EECF244321}">
+                <p14:modId xmlns:p14="http://schemas.microsoft.com/office/powerpoint/2010/main" val="1207092093"/>
+              </p:ext>
+            </p:extLst>
+          </p:nvPr>
+        </p:nvGraphicFramePr>
+        <p:xfrm>
+          <a:off x="1618224" y="4238173"/>
+          <a:ext cx="4978398" cy="3352798"/>
+        </p:xfrm>
+        <a:graphic>
+          <a:graphicData uri="http://schemas.openxmlformats.org/drawingml/2006/table">
+            <a:tbl>
+              <a:tblPr>
+                <a:tableStyleId>{775DCB02-9BB8-47FD-8907-85C794F793BA}</a:tableStyleId>
+              </a:tblPr>
+              <a:tblGrid>
+                <a:gridCol w="4978398">
+                  <a:extLst>
+                    <a:ext uri="{9D8B030D-6E8A-4147-A177-3AD203B41FA5}">
+                      <a16:colId xmlns:a16="http://schemas.microsoft.com/office/drawing/2014/main" val="638915778"/>
+                    </a:ext>
+                  </a:extLst>
+                </a:gridCol>
+              </a:tblGrid>
+              <a:tr h="1135863">
+                <a:tc>
+                  <a:txBody>
+                    <a:bodyPr/>
+                    <a:lstStyle/>
+                    <a:p>
+                      <a:pPr algn="ctr"/>
+                      <a:r>
+                        <a:rPr lang="pt-BR" b="1" dirty="0" smtClean="0"/>
+                        <a:t>DIV</a:t>
+                      </a:r>
+                    </a:p>
+                    <a:p>
+                      <a:pPr algn="ctr"/>
+                      <a:r>
+                        <a:rPr lang="pt-BR" b="1" dirty="0" smtClean="0"/>
+                        <a:t>{</a:t>
+                      </a:r>
+                    </a:p>
+                    <a:p>
+                      <a:pPr algn="ctr"/>
+                      <a:r>
+                        <a:rPr lang="pt-BR" dirty="0" smtClean="0"/>
+                        <a:t>IMG + DIV</a:t>
+                      </a:r>
+                      <a:br>
+                        <a:rPr lang="pt-BR" dirty="0" smtClean="0"/>
+                      </a:br>
+                      <a:r>
+                        <a:rPr lang="pt-BR" dirty="0" smtClean="0"/>
+                        <a:t>{</a:t>
+                      </a:r>
+                      <a:r>
+                        <a:rPr lang="pt-BR" baseline="0" dirty="0" smtClean="0"/>
+                        <a:t> 3 &lt;P&gt; DISPLAY INLINEBLOCK}</a:t>
+                      </a:r>
+                      <a:endParaRPr lang="pt-BR" dirty="0" smtClean="0"/>
+                    </a:p>
+                    <a:p>
+                      <a:pPr algn="ctr"/>
+                      <a:r>
+                        <a:rPr lang="pt-BR" b="1" dirty="0" smtClean="0"/>
+                        <a:t>}</a:t>
+                      </a:r>
+                    </a:p>
+                  </a:txBody>
+                  <a:tcPr anchor="ctr">
+                    <a:lnL w="12700" cap="flat" cmpd="sng" algn="ctr">
+                      <a:solidFill>
+                        <a:schemeClr val="accent1"/>
+                      </a:solidFill>
+                      <a:prstDash val="solid"/>
+                      <a:round/>
+                      <a:headEnd type="none" w="med" len="med"/>
+                      <a:tailEnd type="none" w="med" len="med"/>
+                    </a:lnL>
+                    <a:lnR w="12700" cap="flat" cmpd="sng" algn="ctr">
+                      <a:solidFill>
+                        <a:schemeClr val="accent1"/>
+                      </a:solidFill>
+                      <a:prstDash val="solid"/>
+                      <a:round/>
+                      <a:headEnd type="none" w="med" len="med"/>
+                      <a:tailEnd type="none" w="med" len="med"/>
+                    </a:lnR>
+                    <a:lnT w="12700" cap="flat" cmpd="sng" algn="ctr">
+                      <a:solidFill>
+                        <a:schemeClr val="accent1"/>
+                      </a:solidFill>
+                      <a:prstDash val="solid"/>
+                      <a:round/>
+                      <a:headEnd type="none" w="med" len="med"/>
+                      <a:tailEnd type="none" w="med" len="med"/>
+                    </a:lnT>
+                    <a:lnB w="12700" cap="flat" cmpd="sng" algn="ctr">
+                      <a:solidFill>
+                        <a:schemeClr val="accent1"/>
+                      </a:solidFill>
+                      <a:prstDash val="solid"/>
+                      <a:round/>
+                      <a:headEnd type="none" w="med" len="med"/>
+                      <a:tailEnd type="none" w="med" len="med"/>
+                    </a:lnB>
+                  </a:tcPr>
+                </a:tc>
+                <a:extLst>
+                  <a:ext uri="{0D108BD9-81ED-4DB2-BD59-A6C34878D82A}">
+                    <a16:rowId xmlns:a16="http://schemas.microsoft.com/office/drawing/2014/main" val="102631529"/>
+                  </a:ext>
+                </a:extLst>
+              </a:tr>
+              <a:tr h="301352">
+                <a:tc>
+                  <a:txBody>
+                    <a:bodyPr/>
+                    <a:lstStyle/>
+                    <a:p>
+                      <a:pPr algn="ctr"/>
+                      <a:r>
+                        <a:rPr lang="pt-BR" dirty="0" smtClean="0"/>
+                        <a:t>&lt;P&gt;</a:t>
+                      </a:r>
+                      <a:endParaRPr lang="pt-BR" dirty="0"/>
+                    </a:p>
+                  </a:txBody>
+                  <a:tcPr anchor="ctr">
+                    <a:lnL w="12700" cap="flat" cmpd="sng" algn="ctr">
+                      <a:solidFill>
+                        <a:schemeClr val="accent1"/>
+                      </a:solidFill>
+                      <a:prstDash val="solid"/>
+                      <a:round/>
+                      <a:headEnd type="none" w="med" len="med"/>
+                      <a:tailEnd type="none" w="med" len="med"/>
+                    </a:lnL>
+                    <a:lnR w="12700" cap="flat" cmpd="sng" algn="ctr">
+                      <a:solidFill>
+                        <a:schemeClr val="accent1"/>
+                      </a:solidFill>
+                      <a:prstDash val="solid"/>
+                      <a:round/>
+                      <a:headEnd type="none" w="med" len="med"/>
+                      <a:tailEnd type="none" w="med" len="med"/>
+                    </a:lnR>
+                    <a:lnT w="12700" cap="flat" cmpd="sng" algn="ctr">
+                      <a:solidFill>
+                        <a:schemeClr val="accent1"/>
+                      </a:solidFill>
+                      <a:prstDash val="solid"/>
+                      <a:round/>
+                      <a:headEnd type="none" w="med" len="med"/>
+                      <a:tailEnd type="none" w="med" len="med"/>
+                    </a:lnT>
+                    <a:lnB w="12700" cap="flat" cmpd="sng" algn="ctr">
+                      <a:solidFill>
+                        <a:schemeClr val="accent1"/>
+                      </a:solidFill>
+                      <a:prstDash val="solid"/>
+                      <a:round/>
+                      <a:headEnd type="none" w="med" len="med"/>
+                      <a:tailEnd type="none" w="med" len="med"/>
+                    </a:lnB>
+                  </a:tcPr>
+                </a:tc>
+                <a:extLst>
+                  <a:ext uri="{0D108BD9-81ED-4DB2-BD59-A6C34878D82A}">
+                    <a16:rowId xmlns:a16="http://schemas.microsoft.com/office/drawing/2014/main" val="2325463834"/>
+                  </a:ext>
+                </a:extLst>
+              </a:tr>
+              <a:tr h="1915583">
+                <a:tc>
+                  <a:txBody>
+                    <a:bodyPr/>
+                    <a:lstStyle/>
+                    <a:p>
+                      <a:pPr marL="0" marR="0" indent="0" algn="ctr" defTabSz="685800" rtl="0" eaLnBrk="1" fontAlgn="auto" latinLnBrk="0" hangingPunct="1">
+                        <a:lnSpc>
+                          <a:spcPct val="100000"/>
+                        </a:lnSpc>
+                        <a:spcBef>
+                          <a:spcPts val="0"/>
+                        </a:spcBef>
+                        <a:spcAft>
+                          <a:spcPts val="0"/>
+                        </a:spcAft>
+                        <a:buClrTx/>
+                        <a:buSzTx/>
+                        <a:buFontTx/>
+                        <a:buNone/>
+                        <a:tabLst/>
+                        <a:defRPr/>
+                      </a:pPr>
+                      <a:r>
+                        <a:rPr lang="pt-BR" dirty="0" smtClean="0"/>
+                        <a:t>&lt;P&gt;</a:t>
+                      </a:r>
+                      <a:endParaRPr lang="pt-BR" dirty="0"/>
+                    </a:p>
+                  </a:txBody>
+                  <a:tcPr anchor="ctr">
+                    <a:lnL w="12700" cap="flat" cmpd="sng" algn="ctr">
+                      <a:solidFill>
+                        <a:schemeClr val="accent1"/>
+                      </a:solidFill>
+                      <a:prstDash val="solid"/>
+                      <a:round/>
+                      <a:headEnd type="none" w="med" len="med"/>
+                      <a:tailEnd type="none" w="med" len="med"/>
+                    </a:lnL>
+                    <a:lnR w="12700" cap="flat" cmpd="sng" algn="ctr">
+                      <a:solidFill>
+                        <a:schemeClr val="accent1"/>
+                      </a:solidFill>
+                      <a:prstDash val="solid"/>
+                      <a:round/>
+                      <a:headEnd type="none" w="med" len="med"/>
+                      <a:tailEnd type="none" w="med" len="med"/>
+                    </a:lnR>
+                    <a:lnT w="12700" cap="flat" cmpd="sng" algn="ctr">
+                      <a:solidFill>
+                        <a:schemeClr val="accent1"/>
+                      </a:solidFill>
+                      <a:prstDash val="solid"/>
+                      <a:round/>
+                      <a:headEnd type="none" w="med" len="med"/>
+                      <a:tailEnd type="none" w="med" len="med"/>
+                    </a:lnT>
+                    <a:lnB w="12700" cap="flat" cmpd="sng" algn="ctr">
+                      <a:solidFill>
+                        <a:schemeClr val="accent1"/>
+                      </a:solidFill>
+                      <a:prstDash val="solid"/>
+                      <a:round/>
+                      <a:headEnd type="none" w="med" len="med"/>
+                      <a:tailEnd type="none" w="med" len="med"/>
+                    </a:lnB>
+                  </a:tcPr>
+                </a:tc>
+                <a:extLst>
+                  <a:ext uri="{0D108BD9-81ED-4DB2-BD59-A6C34878D82A}">
+                    <a16:rowId xmlns:a16="http://schemas.microsoft.com/office/drawing/2014/main" val="148759921"/>
+                  </a:ext>
+                </a:extLst>
+              </a:tr>
+            </a:tbl>
+          </a:graphicData>
+        </a:graphic>
+      </p:graphicFrame>
+      <p:sp>
+        <p:nvSpPr>
+          <p:cNvPr id="7" name="CaixaDeTexto 6"/>
+          <p:cNvSpPr txBox="1"/>
+          <p:nvPr/>
+        </p:nvSpPr>
+        <p:spPr>
+          <a:xfrm>
+            <a:off x="1356852" y="119344"/>
+            <a:ext cx="5411496" cy="830997"/>
+          </a:xfrm>
+          <a:prstGeom prst="rect">
+            <a:avLst/>
+          </a:prstGeom>
+          <a:noFill/>
+        </p:spPr>
+        <p:txBody>
+          <a:bodyPr wrap="square" rtlCol="0">
+            <a:spAutoFit/>
+          </a:bodyPr>
+          <a:lstStyle/>
+          <a:p>
+            <a:r>
+              <a:rPr lang="pt-BR" sz="4800" dirty="0" smtClean="0"/>
+              <a:t>NOTÍCIAS ABERTAS</a:t>
+            </a:r>
+            <a:endParaRPr lang="pt-BR" sz="4800" dirty="0"/>
+          </a:p>
+        </p:txBody>
+      </p:sp>
+      <p:sp>
+        <p:nvSpPr>
+          <p:cNvPr id="9" name="CaixaDeTexto 8"/>
+          <p:cNvSpPr txBox="1"/>
+          <p:nvPr/>
+        </p:nvSpPr>
+        <p:spPr>
+          <a:xfrm>
+            <a:off x="127322" y="2045439"/>
+            <a:ext cx="1229530" cy="738664"/>
+          </a:xfrm>
+          <a:prstGeom prst="rect">
+            <a:avLst/>
+          </a:prstGeom>
+          <a:noFill/>
+        </p:spPr>
+        <p:txBody>
+          <a:bodyPr wrap="square" rtlCol="0">
+            <a:spAutoFit/>
+          </a:bodyPr>
+          <a:lstStyle/>
+          <a:p>
+            <a:r>
+              <a:rPr lang="pt-BR" sz="1400" b="1" dirty="0" smtClean="0">
+                <a:solidFill>
+                  <a:srgbClr val="FF0000"/>
+                </a:solidFill>
+              </a:rPr>
+              <a:t>GRID PAI</a:t>
+            </a:r>
+            <a:r>
+              <a:rPr lang="pt-BR" sz="1400" dirty="0" smtClean="0">
+                <a:solidFill>
+                  <a:srgbClr val="FF0000"/>
+                </a:solidFill>
+              </a:rPr>
+              <a:t/>
+            </a:r>
+            <a:br>
+              <a:rPr lang="pt-BR" sz="1400" dirty="0" smtClean="0">
+                <a:solidFill>
+                  <a:srgbClr val="FF0000"/>
+                </a:solidFill>
+              </a:rPr>
+            </a:br>
+            <a:r>
+              <a:rPr lang="pt-BR" sz="1400" dirty="0" smtClean="0">
+                <a:solidFill>
+                  <a:srgbClr val="FF0000"/>
+                </a:solidFill>
+              </a:rPr>
+              <a:t>5 </a:t>
+            </a:r>
+            <a:r>
+              <a:rPr lang="pt-BR" sz="1400" dirty="0" smtClean="0">
+                <a:solidFill>
+                  <a:srgbClr val="FF0000"/>
+                </a:solidFill>
+              </a:rPr>
+              <a:t>LINHAS</a:t>
+            </a:r>
+            <a:br>
+              <a:rPr lang="pt-BR" sz="1400" dirty="0" smtClean="0">
+                <a:solidFill>
+                  <a:srgbClr val="FF0000"/>
+                </a:solidFill>
+              </a:rPr>
+            </a:br>
+            <a:r>
+              <a:rPr lang="pt-BR" sz="1400" dirty="0" smtClean="0">
+                <a:solidFill>
+                  <a:srgbClr val="FF0000"/>
+                </a:solidFill>
+              </a:rPr>
+              <a:t>0 COLUNAS </a:t>
+            </a:r>
+            <a:endParaRPr lang="pt-BR" sz="1400" dirty="0">
+              <a:solidFill>
+                <a:srgbClr val="FF0000"/>
+              </a:solidFill>
+            </a:endParaRPr>
+          </a:p>
+        </p:txBody>
+      </p:sp>
+      <p:sp>
+        <p:nvSpPr>
+          <p:cNvPr id="11" name="CaixaDeTexto 10"/>
+          <p:cNvSpPr txBox="1"/>
+          <p:nvPr/>
+        </p:nvSpPr>
+        <p:spPr>
+          <a:xfrm>
+            <a:off x="32979" y="5059794"/>
+            <a:ext cx="1229530" cy="738664"/>
+          </a:xfrm>
+          <a:prstGeom prst="rect">
+            <a:avLst/>
+          </a:prstGeom>
+          <a:noFill/>
+        </p:spPr>
+        <p:txBody>
+          <a:bodyPr wrap="square" rtlCol="0">
+            <a:spAutoFit/>
+          </a:bodyPr>
+          <a:lstStyle/>
+          <a:p>
+            <a:r>
+              <a:rPr lang="pt-BR" sz="1400" b="1" dirty="0" smtClean="0">
+                <a:solidFill>
+                  <a:schemeClr val="accent1"/>
+                </a:solidFill>
+              </a:rPr>
+              <a:t>GRID</a:t>
+            </a:r>
+            <a:r>
+              <a:rPr lang="pt-BR" sz="1400" dirty="0" smtClean="0">
+                <a:solidFill>
+                  <a:schemeClr val="accent1"/>
+                </a:solidFill>
+              </a:rPr>
+              <a:t/>
+            </a:r>
+            <a:br>
+              <a:rPr lang="pt-BR" sz="1400" dirty="0" smtClean="0">
+                <a:solidFill>
+                  <a:schemeClr val="accent1"/>
+                </a:solidFill>
+              </a:rPr>
+            </a:br>
+            <a:r>
+              <a:rPr lang="pt-BR" sz="1400" dirty="0" smtClean="0">
+                <a:solidFill>
+                  <a:schemeClr val="accent1"/>
+                </a:solidFill>
+              </a:rPr>
+              <a:t>3LINHAS</a:t>
+            </a:r>
+            <a:br>
+              <a:rPr lang="pt-BR" sz="1400" dirty="0" smtClean="0">
+                <a:solidFill>
+                  <a:schemeClr val="accent1"/>
+                </a:solidFill>
+              </a:rPr>
+            </a:br>
+            <a:r>
+              <a:rPr lang="pt-BR" sz="1400" dirty="0" smtClean="0">
+                <a:solidFill>
+                  <a:schemeClr val="accent1"/>
+                </a:solidFill>
+              </a:rPr>
+              <a:t>0 </a:t>
+            </a:r>
+            <a:r>
+              <a:rPr lang="pt-BR" sz="1400" dirty="0" smtClean="0">
+                <a:solidFill>
+                  <a:schemeClr val="accent1"/>
+                </a:solidFill>
+              </a:rPr>
+              <a:t>COLUNAS </a:t>
+            </a:r>
+            <a:endParaRPr lang="pt-BR" sz="1400" dirty="0">
+              <a:solidFill>
+                <a:schemeClr val="accent1"/>
+              </a:solidFill>
+            </a:endParaRPr>
+          </a:p>
+        </p:txBody>
+      </p:sp>
+      <p:sp>
+        <p:nvSpPr>
+          <p:cNvPr id="13" name="CaixaDeTexto 12"/>
+          <p:cNvSpPr txBox="1"/>
+          <p:nvPr/>
+        </p:nvSpPr>
+        <p:spPr>
+          <a:xfrm>
+            <a:off x="1335081" y="1085101"/>
+            <a:ext cx="5433267" cy="830997"/>
+          </a:xfrm>
+          <a:prstGeom prst="rect">
+            <a:avLst/>
+          </a:prstGeom>
+          <a:noFill/>
+        </p:spPr>
+        <p:txBody>
+          <a:bodyPr wrap="square" rtlCol="0">
+            <a:spAutoFit/>
+          </a:bodyPr>
+          <a:lstStyle/>
+          <a:p>
+            <a:pPr algn="ctr"/>
+            <a:r>
+              <a:rPr lang="pt-BR" sz="4800" dirty="0" smtClean="0"/>
+              <a:t>&lt;</a:t>
+            </a:r>
+            <a:r>
+              <a:rPr lang="pt-BR" sz="4800" dirty="0" smtClean="0"/>
+              <a:t>header&gt;</a:t>
+            </a:r>
+            <a:endParaRPr lang="pt-BR" sz="4800" dirty="0"/>
+          </a:p>
+        </p:txBody>
+      </p:sp>
+      <p:sp>
+        <p:nvSpPr>
+          <p:cNvPr id="14" name="CaixaDeTexto 13"/>
+          <p:cNvSpPr txBox="1"/>
+          <p:nvPr/>
+        </p:nvSpPr>
+        <p:spPr>
+          <a:xfrm>
+            <a:off x="2695843" y="10921041"/>
+            <a:ext cx="2823157" cy="1015663"/>
+          </a:xfrm>
+          <a:prstGeom prst="rect">
+            <a:avLst/>
+          </a:prstGeom>
+          <a:noFill/>
+        </p:spPr>
+        <p:txBody>
+          <a:bodyPr wrap="square" rtlCol="0">
+            <a:spAutoFit/>
+          </a:bodyPr>
+          <a:lstStyle/>
+          <a:p>
+            <a:r>
+              <a:rPr lang="pt-BR" sz="6000" dirty="0" smtClean="0"/>
+              <a:t>RODAPE</a:t>
+            </a:r>
+            <a:endParaRPr lang="pt-BR" sz="6000" dirty="0"/>
+          </a:p>
+        </p:txBody>
+      </p:sp>
+      <p:sp>
+        <p:nvSpPr>
+          <p:cNvPr id="12" name="CaixaDeTexto 11"/>
+          <p:cNvSpPr txBox="1"/>
+          <p:nvPr/>
+        </p:nvSpPr>
+        <p:spPr>
+          <a:xfrm>
+            <a:off x="3691123" y="3930396"/>
+            <a:ext cx="832599" cy="307777"/>
+          </a:xfrm>
+          <a:prstGeom prst="rect">
+            <a:avLst/>
+          </a:prstGeom>
+          <a:noFill/>
+        </p:spPr>
+        <p:txBody>
+          <a:bodyPr wrap="square" rtlCol="0">
+            <a:spAutoFit/>
+          </a:bodyPr>
+          <a:lstStyle/>
+          <a:p>
+            <a:r>
+              <a:rPr lang="pt-BR" sz="1400" b="1" dirty="0" smtClean="0">
+                <a:solidFill>
+                  <a:schemeClr val="accent1"/>
+                </a:solidFill>
+              </a:rPr>
+              <a:t>ARTICLE</a:t>
+            </a:r>
+            <a:endParaRPr lang="pt-BR" sz="1400" b="1" dirty="0">
+              <a:solidFill>
+                <a:schemeClr val="accent1"/>
+              </a:solidFill>
+            </a:endParaRPr>
+          </a:p>
+        </p:txBody>
+      </p:sp>
+      <p:cxnSp>
+        <p:nvCxnSpPr>
+          <p:cNvPr id="3" name="Conector reto 2"/>
+          <p:cNvCxnSpPr/>
+          <p:nvPr/>
+        </p:nvCxnSpPr>
+        <p:spPr>
+          <a:xfrm flipH="1">
+            <a:off x="870857" y="1886857"/>
+            <a:ext cx="464224" cy="261257"/>
+          </a:xfrm>
+          <a:prstGeom prst="line">
+            <a:avLst/>
+          </a:prstGeom>
+        </p:spPr>
+        <p:style>
+          <a:lnRef idx="1">
+            <a:schemeClr val="accent2"/>
+          </a:lnRef>
+          <a:fillRef idx="0">
+            <a:schemeClr val="accent2"/>
+          </a:fillRef>
+          <a:effectRef idx="0">
+            <a:schemeClr val="accent2"/>
+          </a:effectRef>
+          <a:fontRef idx="minor">
+            <a:schemeClr val="tx1"/>
+          </a:fontRef>
+        </p:style>
+      </p:cxnSp>
+      <p:cxnSp>
+        <p:nvCxnSpPr>
+          <p:cNvPr id="8" name="Conector reto 7"/>
+          <p:cNvCxnSpPr/>
+          <p:nvPr/>
+        </p:nvCxnSpPr>
+        <p:spPr>
+          <a:xfrm flipH="1">
+            <a:off x="537029" y="5167086"/>
+            <a:ext cx="1081195" cy="43543"/>
+          </a:xfrm>
+          <a:prstGeom prst="line">
+            <a:avLst/>
+          </a:prstGeom>
+        </p:spPr>
+        <p:style>
+          <a:lnRef idx="1">
+            <a:schemeClr val="accent1"/>
+          </a:lnRef>
+          <a:fillRef idx="0">
+            <a:schemeClr val="accent1"/>
+          </a:fillRef>
+          <a:effectRef idx="0">
+            <a:schemeClr val="accent1"/>
+          </a:effectRef>
+          <a:fontRef idx="minor">
+            <a:schemeClr val="tx1"/>
+          </a:fontRef>
+        </p:style>
+      </p:cxnSp>
+      <p:cxnSp>
+        <p:nvCxnSpPr>
+          <p:cNvPr id="15" name="Conector reto 14"/>
+          <p:cNvCxnSpPr>
+            <a:stCxn id="12" idx="1"/>
+          </p:cNvCxnSpPr>
+          <p:nvPr/>
+        </p:nvCxnSpPr>
+        <p:spPr>
+          <a:xfrm flipH="1">
+            <a:off x="2844800" y="4084285"/>
+            <a:ext cx="846323" cy="153888"/>
+          </a:xfrm>
+          <a:prstGeom prst="line">
+            <a:avLst/>
+          </a:prstGeom>
+        </p:spPr>
+        <p:style>
+          <a:lnRef idx="1">
+            <a:schemeClr val="accent1"/>
+          </a:lnRef>
+          <a:fillRef idx="0">
+            <a:schemeClr val="accent1"/>
+          </a:fillRef>
+          <a:effectRef idx="0">
+            <a:schemeClr val="accent1"/>
+          </a:effectRef>
+          <a:fontRef idx="minor">
+            <a:schemeClr val="tx1"/>
+          </a:fontRef>
+        </p:style>
+      </p:cxnSp>
+      <p:cxnSp>
+        <p:nvCxnSpPr>
+          <p:cNvPr id="19" name="Conector reto 18"/>
+          <p:cNvCxnSpPr>
+            <a:stCxn id="12" idx="3"/>
+          </p:cNvCxnSpPr>
+          <p:nvPr/>
+        </p:nvCxnSpPr>
+        <p:spPr>
+          <a:xfrm>
+            <a:off x="4523722" y="4084285"/>
+            <a:ext cx="677120" cy="153888"/>
+          </a:xfrm>
+          <a:prstGeom prst="line">
+            <a:avLst/>
+          </a:prstGeom>
+        </p:spPr>
+        <p:style>
+          <a:lnRef idx="1">
+            <a:schemeClr val="accent1"/>
+          </a:lnRef>
+          <a:fillRef idx="0">
+            <a:schemeClr val="accent1"/>
+          </a:fillRef>
+          <a:effectRef idx="0">
+            <a:schemeClr val="accent1"/>
+          </a:effectRef>
+          <a:fontRef idx="minor">
+            <a:schemeClr val="tx1"/>
+          </a:fontRef>
+        </p:style>
+      </p:cxnSp>
+    </p:spTree>
+    <p:extLst>
+      <p:ext uri="{BB962C8B-B14F-4D97-AF65-F5344CB8AC3E}">
+        <p14:creationId xmlns:p14="http://schemas.microsoft.com/office/powerpoint/2010/main" val="3279742143"/>
+      </p:ext>
+    </p:extLst>
+  </p:cSld>
+  <p:clrMapOvr>
+    <a:masterClrMapping/>
+  </p:clrMapOvr>
+</p:sld>
+</file>
+
+<file path=ppt/slides/slide4.xml><?xml version="1.0" encoding="utf-8"?>
+<p:sld xmlns:a="http://schemas.openxmlformats.org/drawingml/2006/main" xmlns:r="http://schemas.openxmlformats.org/officeDocument/2006/relationships" xmlns:p="http://schemas.openxmlformats.org/presentationml/2006/main">
+  <p:cSld>
+    <p:spTree>
+      <p:nvGrpSpPr>
+        <p:cNvPr id="1" name=""/>
+        <p:cNvGrpSpPr/>
+        <p:nvPr/>
+      </p:nvGrpSpPr>
+      <p:grpSpPr>
+        <a:xfrm>
+          <a:off x="0" y="0"/>
+          <a:ext cx="0" cy="0"/>
+          <a:chOff x="0" y="0"/>
+          <a:chExt cx="0" cy="0"/>
+        </a:xfrm>
+      </p:grpSpPr>
+      <p:graphicFrame>
+        <p:nvGraphicFramePr>
+          <p:cNvPr id="4" name="Tabela 3"/>
+          <p:cNvGraphicFramePr>
+            <a:graphicFrameLocks noGrp="1"/>
+          </p:cNvGraphicFramePr>
+          <p:nvPr>
+            <p:extLst>
+              <p:ext uri="{D42A27DB-BD31-4B8C-83A1-F6EECF244321}">
+                <p14:modId xmlns:p14="http://schemas.microsoft.com/office/powerpoint/2010/main" val="2168961057"/>
+              </p:ext>
+            </p:extLst>
+          </p:nvPr>
+        </p:nvGraphicFramePr>
+        <p:xfrm>
+          <a:off x="1335081" y="888999"/>
+          <a:ext cx="5501148" cy="11214098"/>
+        </p:xfrm>
+        <a:graphic>
+          <a:graphicData uri="http://schemas.openxmlformats.org/drawingml/2006/table">
+            <a:tbl>
+              <a:tblPr>
+                <a:tableStyleId>{5C22544A-7EE6-4342-B048-85BDC9FD1C3A}</a:tableStyleId>
+              </a:tblPr>
+              <a:tblGrid>
+                <a:gridCol w="5501148">
+                  <a:extLst>
+                    <a:ext uri="{9D8B030D-6E8A-4147-A177-3AD203B41FA5}">
+                      <a16:colId xmlns:a16="http://schemas.microsoft.com/office/drawing/2014/main" val="1185017373"/>
+                    </a:ext>
+                  </a:extLst>
+                </a:gridCol>
+              </a:tblGrid>
+              <a:tr h="2212757">
+                <a:tc>
+                  <a:txBody>
+                    <a:bodyPr/>
+                    <a:lstStyle/>
+                    <a:p>
+                      <a:pPr algn="ctr"/>
+                      <a:endParaRPr lang="pt-BR" sz="1800" b="1" dirty="0">
+                        <a:solidFill>
+                          <a:schemeClr val="tx1"/>
+                        </a:solidFill>
+                      </a:endParaRPr>
+                    </a:p>
+                  </a:txBody>
+                  <a:tcPr anchor="ctr">
+                    <a:lnL w="12700" cap="flat" cmpd="sng" algn="ctr">
+                      <a:solidFill>
+                        <a:srgbClr val="FF0000"/>
+                      </a:solidFill>
+                      <a:prstDash val="solid"/>
+                      <a:round/>
+                      <a:headEnd type="none" w="med" len="med"/>
+                      <a:tailEnd type="none" w="med" len="med"/>
+                    </a:lnL>
+                    <a:lnR w="12700" cap="flat" cmpd="sng" algn="ctr">
+                      <a:solidFill>
+                        <a:srgbClr val="FF0000"/>
+                      </a:solidFill>
+                      <a:prstDash val="solid"/>
+                      <a:round/>
+                      <a:headEnd type="none" w="med" len="med"/>
+                      <a:tailEnd type="none" w="med" len="med"/>
+                    </a:lnR>
+                    <a:lnT w="12700" cap="flat" cmpd="sng" algn="ctr">
+                      <a:solidFill>
+                        <a:srgbClr val="FF0000"/>
+                      </a:solidFill>
+                      <a:prstDash val="solid"/>
+                      <a:round/>
+                      <a:headEnd type="none" w="med" len="med"/>
+                      <a:tailEnd type="none" w="med" len="med"/>
+                    </a:lnT>
+                    <a:lnB w="12700" cap="flat" cmpd="sng" algn="ctr">
+                      <a:solidFill>
+                        <a:srgbClr val="FF0000"/>
+                      </a:solidFill>
+                      <a:prstDash val="solid"/>
+                      <a:round/>
+                      <a:headEnd type="none" w="med" len="med"/>
+                      <a:tailEnd type="none" w="med" len="med"/>
+                    </a:lnB>
+                  </a:tcPr>
+                </a:tc>
+                <a:extLst>
+                  <a:ext uri="{0D108BD9-81ED-4DB2-BD59-A6C34878D82A}">
+                    <a16:rowId xmlns:a16="http://schemas.microsoft.com/office/drawing/2014/main" val="3738730398"/>
+                  </a:ext>
+                </a:extLst>
+              </a:tr>
+              <a:tr h="4248809">
+                <a:tc>
+                  <a:txBody>
+                    <a:bodyPr/>
+                    <a:lstStyle/>
+                    <a:p>
+                      <a:pPr algn="ctr"/>
+                      <a:endParaRPr lang="pt-BR" sz="1800" b="0" dirty="0">
+                        <a:solidFill>
+                          <a:schemeClr val="tx1"/>
+                        </a:solidFill>
+                      </a:endParaRPr>
+                    </a:p>
+                  </a:txBody>
+                  <a:tcPr anchor="ctr">
+                    <a:lnL w="12700" cap="flat" cmpd="sng" algn="ctr">
+                      <a:solidFill>
+                        <a:srgbClr val="FF0000"/>
+                      </a:solidFill>
+                      <a:prstDash val="solid"/>
+                      <a:round/>
+                      <a:headEnd type="none" w="med" len="med"/>
+                      <a:tailEnd type="none" w="med" len="med"/>
+                    </a:lnL>
+                    <a:lnR w="12700" cap="flat" cmpd="sng" algn="ctr">
+                      <a:solidFill>
+                        <a:srgbClr val="FF0000"/>
+                      </a:solidFill>
+                      <a:prstDash val="solid"/>
+                      <a:round/>
+                      <a:headEnd type="none" w="med" len="med"/>
+                      <a:tailEnd type="none" w="med" len="med"/>
+                    </a:lnR>
+                    <a:lnT w="12700" cap="flat" cmpd="sng" algn="ctr">
+                      <a:solidFill>
+                        <a:srgbClr val="FF0000"/>
+                      </a:solidFill>
+                      <a:prstDash val="solid"/>
+                      <a:round/>
+                      <a:headEnd type="none" w="med" len="med"/>
+                      <a:tailEnd type="none" w="med" len="med"/>
+                    </a:lnT>
+                    <a:lnB w="12700" cap="flat" cmpd="sng" algn="ctr">
+                      <a:solidFill>
+                        <a:srgbClr val="FF0000"/>
+                      </a:solidFill>
+                      <a:prstDash val="solid"/>
+                      <a:round/>
+                      <a:headEnd type="none" w="med" len="med"/>
+                      <a:tailEnd type="none" w="med" len="med"/>
+                    </a:lnB>
+                  </a:tcPr>
+                </a:tc>
+                <a:extLst>
+                  <a:ext uri="{0D108BD9-81ED-4DB2-BD59-A6C34878D82A}">
+                    <a16:rowId xmlns:a16="http://schemas.microsoft.com/office/drawing/2014/main" val="3139792909"/>
+                  </a:ext>
+                </a:extLst>
+              </a:tr>
+              <a:tr h="3321948">
+                <a:tc>
+                  <a:txBody>
+                    <a:bodyPr/>
+                    <a:lstStyle/>
+                    <a:p>
+                      <a:pPr algn="ctr"/>
+                      <a:endParaRPr lang="pt-BR" sz="1800" b="1" dirty="0">
+                        <a:solidFill>
+                          <a:schemeClr val="tx1"/>
+                        </a:solidFill>
+                      </a:endParaRPr>
+                    </a:p>
+                  </a:txBody>
+                  <a:tcPr anchor="ctr">
+                    <a:lnL w="12700" cap="flat" cmpd="sng" algn="ctr">
+                      <a:solidFill>
+                        <a:srgbClr val="FF0000"/>
+                      </a:solidFill>
+                      <a:prstDash val="solid"/>
+                      <a:round/>
+                      <a:headEnd type="none" w="med" len="med"/>
+                      <a:tailEnd type="none" w="med" len="med"/>
+                    </a:lnL>
+                    <a:lnR w="12700" cap="flat" cmpd="sng" algn="ctr">
+                      <a:solidFill>
+                        <a:srgbClr val="FF0000"/>
+                      </a:solidFill>
+                      <a:prstDash val="solid"/>
+                      <a:round/>
+                      <a:headEnd type="none" w="med" len="med"/>
+                      <a:tailEnd type="none" w="med" len="med"/>
+                    </a:lnR>
+                    <a:lnT w="12700" cap="flat" cmpd="sng" algn="ctr">
+                      <a:solidFill>
+                        <a:srgbClr val="FF0000"/>
+                      </a:solidFill>
+                      <a:prstDash val="solid"/>
+                      <a:round/>
+                      <a:headEnd type="none" w="med" len="med"/>
+                      <a:tailEnd type="none" w="med" len="med"/>
+                    </a:lnT>
+                    <a:lnB w="12700" cap="flat" cmpd="sng" algn="ctr">
+                      <a:solidFill>
+                        <a:srgbClr val="FF0000"/>
+                      </a:solidFill>
+                      <a:prstDash val="solid"/>
+                      <a:round/>
+                      <a:headEnd type="none" w="med" len="med"/>
+                      <a:tailEnd type="none" w="med" len="med"/>
+                    </a:lnB>
+                  </a:tcPr>
+                </a:tc>
+                <a:extLst>
+                  <a:ext uri="{0D108BD9-81ED-4DB2-BD59-A6C34878D82A}">
+                    <a16:rowId xmlns:a16="http://schemas.microsoft.com/office/drawing/2014/main" val="902013628"/>
+                  </a:ext>
+                </a:extLst>
+              </a:tr>
+              <a:tr h="1430584">
+                <a:tc>
+                  <a:txBody>
+                    <a:bodyPr/>
+                    <a:lstStyle/>
+                    <a:p>
+                      <a:pPr algn="ctr"/>
+                      <a:endParaRPr lang="pt-BR" sz="1800" b="1" dirty="0">
+                        <a:solidFill>
+                          <a:schemeClr val="tx1"/>
+                        </a:solidFill>
+                      </a:endParaRPr>
+                    </a:p>
+                  </a:txBody>
+                  <a:tcPr anchor="ctr">
+                    <a:lnL w="12700" cap="flat" cmpd="sng" algn="ctr">
+                      <a:solidFill>
+                        <a:srgbClr val="FF0000"/>
+                      </a:solidFill>
+                      <a:prstDash val="solid"/>
+                      <a:round/>
+                      <a:headEnd type="none" w="med" len="med"/>
+                      <a:tailEnd type="none" w="med" len="med"/>
+                    </a:lnL>
+                    <a:lnR w="12700" cap="flat" cmpd="sng" algn="ctr">
+                      <a:solidFill>
+                        <a:srgbClr val="FF0000"/>
+                      </a:solidFill>
+                      <a:prstDash val="solid"/>
+                      <a:round/>
+                      <a:headEnd type="none" w="med" len="med"/>
+                      <a:tailEnd type="none" w="med" len="med"/>
+                    </a:lnR>
+                    <a:lnT w="12700" cap="flat" cmpd="sng" algn="ctr">
+                      <a:solidFill>
+                        <a:srgbClr val="FF0000"/>
+                      </a:solidFill>
+                      <a:prstDash val="solid"/>
+                      <a:round/>
+                      <a:headEnd type="none" w="med" len="med"/>
+                      <a:tailEnd type="none" w="med" len="med"/>
+                    </a:lnT>
+                    <a:lnB w="12700" cap="flat" cmpd="sng" algn="ctr">
+                      <a:solidFill>
+                        <a:srgbClr val="FF0000"/>
+                      </a:solidFill>
+                      <a:prstDash val="solid"/>
+                      <a:round/>
+                      <a:headEnd type="none" w="med" len="med"/>
+                      <a:tailEnd type="none" w="med" len="med"/>
+                    </a:lnB>
+                  </a:tcPr>
+                </a:tc>
+                <a:extLst>
+                  <a:ext uri="{0D108BD9-81ED-4DB2-BD59-A6C34878D82A}">
+                    <a16:rowId xmlns:a16="http://schemas.microsoft.com/office/drawing/2014/main" val="1345892478"/>
+                  </a:ext>
+                </a:extLst>
+              </a:tr>
+            </a:tbl>
+          </a:graphicData>
+        </a:graphic>
+      </p:graphicFrame>
+      <p:sp>
+        <p:nvSpPr>
+          <p:cNvPr id="13" name="CaixaDeTexto 12"/>
+          <p:cNvSpPr txBox="1"/>
+          <p:nvPr/>
+        </p:nvSpPr>
+        <p:spPr>
+          <a:xfrm>
+            <a:off x="1335081" y="1394499"/>
+            <a:ext cx="5433267" cy="769441"/>
+          </a:xfrm>
+          <a:prstGeom prst="rect">
+            <a:avLst/>
+          </a:prstGeom>
+          <a:noFill/>
+        </p:spPr>
+        <p:txBody>
+          <a:bodyPr wrap="square" rtlCol="0">
+            <a:spAutoFit/>
+          </a:bodyPr>
+          <a:lstStyle/>
+          <a:p>
+            <a:pPr algn="ctr"/>
+            <a:r>
+              <a:rPr lang="pt-BR" sz="4400" dirty="0" smtClean="0"/>
+              <a:t>&lt;</a:t>
+            </a:r>
+            <a:r>
+              <a:rPr lang="pt-BR" sz="4400" dirty="0" smtClean="0"/>
+              <a:t>header&gt;</a:t>
+            </a:r>
+            <a:endParaRPr lang="pt-BR" sz="4400" dirty="0"/>
+          </a:p>
+        </p:txBody>
+      </p:sp>
+      <p:graphicFrame>
+        <p:nvGraphicFramePr>
+          <p:cNvPr id="6" name="Tabela 5"/>
+          <p:cNvGraphicFramePr>
+            <a:graphicFrameLocks noGrp="1"/>
+          </p:cNvGraphicFramePr>
+          <p:nvPr>
+            <p:extLst>
+              <p:ext uri="{D42A27DB-BD31-4B8C-83A1-F6EECF244321}">
+                <p14:modId xmlns:p14="http://schemas.microsoft.com/office/powerpoint/2010/main" val="1929767115"/>
+              </p:ext>
+            </p:extLst>
+          </p:nvPr>
+        </p:nvGraphicFramePr>
+        <p:xfrm>
+          <a:off x="1618224" y="3511058"/>
+          <a:ext cx="4978398" cy="3352798"/>
+        </p:xfrm>
+        <a:graphic>
+          <a:graphicData uri="http://schemas.openxmlformats.org/drawingml/2006/table">
+            <a:tbl>
+              <a:tblPr>
+                <a:tableStyleId>{775DCB02-9BB8-47FD-8907-85C794F793BA}</a:tableStyleId>
+              </a:tblPr>
+              <a:tblGrid>
+                <a:gridCol w="2489199">
+                  <a:extLst>
+                    <a:ext uri="{9D8B030D-6E8A-4147-A177-3AD203B41FA5}">
+                      <a16:colId xmlns:a16="http://schemas.microsoft.com/office/drawing/2014/main" val="638915778"/>
+                    </a:ext>
+                  </a:extLst>
+                </a:gridCol>
+                <a:gridCol w="2489199">
+                  <a:extLst>
+                    <a:ext uri="{9D8B030D-6E8A-4147-A177-3AD203B41FA5}">
+                      <a16:colId xmlns:a16="http://schemas.microsoft.com/office/drawing/2014/main" val="3068389032"/>
+                    </a:ext>
+                  </a:extLst>
+                </a:gridCol>
+              </a:tblGrid>
+              <a:tr h="1135863">
+                <a:tc gridSpan="2">
+                  <a:txBody>
+                    <a:bodyPr/>
+                    <a:lstStyle/>
+                    <a:p>
+                      <a:pPr algn="ctr"/>
+                      <a:r>
+                        <a:rPr lang="pt-BR" b="1" dirty="0" smtClean="0"/>
+                        <a:t>&lt;P&gt;</a:t>
+                      </a:r>
+                    </a:p>
+                  </a:txBody>
+                  <a:tcPr anchor="ctr">
+                    <a:lnL w="12700" cap="flat" cmpd="sng" algn="ctr">
+                      <a:solidFill>
+                        <a:schemeClr val="accent1"/>
+                      </a:solidFill>
+                      <a:prstDash val="solid"/>
+                      <a:round/>
+                      <a:headEnd type="none" w="med" len="med"/>
+                      <a:tailEnd type="none" w="med" len="med"/>
+                    </a:lnL>
+                    <a:lnR w="12700" cap="flat" cmpd="sng" algn="ctr">
+                      <a:solidFill>
+                        <a:schemeClr val="accent1"/>
+                      </a:solidFill>
+                      <a:prstDash val="solid"/>
+                      <a:round/>
+                      <a:headEnd type="none" w="med" len="med"/>
+                      <a:tailEnd type="none" w="med" len="med"/>
+                    </a:lnR>
+                    <a:lnT w="12700" cap="flat" cmpd="sng" algn="ctr">
+                      <a:solidFill>
+                        <a:schemeClr val="accent1"/>
+                      </a:solidFill>
+                      <a:prstDash val="solid"/>
+                      <a:round/>
+                      <a:headEnd type="none" w="med" len="med"/>
+                      <a:tailEnd type="none" w="med" len="med"/>
+                    </a:lnT>
+                    <a:lnB w="12700" cap="flat" cmpd="sng" algn="ctr">
+                      <a:solidFill>
+                        <a:schemeClr val="accent1"/>
+                      </a:solidFill>
+                      <a:prstDash val="solid"/>
+                      <a:round/>
+                      <a:headEnd type="none" w="med" len="med"/>
+                      <a:tailEnd type="none" w="med" len="med"/>
+                    </a:lnB>
+                  </a:tcPr>
+                </a:tc>
+                <a:tc hMerge="1">
+                  <a:txBody>
+                    <a:bodyPr/>
+                    <a:lstStyle/>
+                    <a:p>
+                      <a:pPr algn="ctr"/>
+                      <a:endParaRPr lang="pt-BR" b="1" dirty="0" smtClean="0"/>
+                    </a:p>
+                  </a:txBody>
+                  <a:tcPr anchor="ctr">
+                    <a:lnL w="12700" cap="flat" cmpd="sng" algn="ctr">
+                      <a:solidFill>
+                        <a:schemeClr val="accent1"/>
+                      </a:solidFill>
+                      <a:prstDash val="solid"/>
+                      <a:round/>
+                      <a:headEnd type="none" w="med" len="med"/>
+                      <a:tailEnd type="none" w="med" len="med"/>
+                    </a:lnL>
+                    <a:lnR w="12700" cap="flat" cmpd="sng" algn="ctr">
+                      <a:solidFill>
+                        <a:schemeClr val="accent1"/>
+                      </a:solidFill>
+                      <a:prstDash val="solid"/>
+                      <a:round/>
+                      <a:headEnd type="none" w="med" len="med"/>
+                      <a:tailEnd type="none" w="med" len="med"/>
+                    </a:lnR>
+                    <a:lnT w="12700" cap="flat" cmpd="sng" algn="ctr">
+                      <a:solidFill>
+                        <a:schemeClr val="accent1"/>
+                      </a:solidFill>
+                      <a:prstDash val="solid"/>
+                      <a:round/>
+                      <a:headEnd type="none" w="med" len="med"/>
+                      <a:tailEnd type="none" w="med" len="med"/>
+                    </a:lnT>
+                    <a:lnB w="12700" cap="flat" cmpd="sng" algn="ctr">
+                      <a:solidFill>
+                        <a:schemeClr val="accent1"/>
+                      </a:solidFill>
+                      <a:prstDash val="solid"/>
+                      <a:round/>
+                      <a:headEnd type="none" w="med" len="med"/>
+                      <a:tailEnd type="none" w="med" len="med"/>
+                    </a:lnB>
+                  </a:tcPr>
+                </a:tc>
+                <a:extLst>
+                  <a:ext uri="{0D108BD9-81ED-4DB2-BD59-A6C34878D82A}">
+                    <a16:rowId xmlns:a16="http://schemas.microsoft.com/office/drawing/2014/main" val="102631529"/>
+                  </a:ext>
+                </a:extLst>
+              </a:tr>
+              <a:tr h="2216935">
+                <a:tc>
+                  <a:txBody>
+                    <a:bodyPr/>
+                    <a:lstStyle/>
+                    <a:p>
+                      <a:pPr algn="ctr"/>
+                      <a:r>
+                        <a:rPr lang="pt-BR" dirty="0" smtClean="0"/>
+                        <a:t>&lt;P&gt;</a:t>
+                      </a:r>
+                      <a:endParaRPr lang="pt-BR" dirty="0"/>
+                    </a:p>
+                  </a:txBody>
+                  <a:tcPr anchor="ctr">
+                    <a:lnL w="12700" cap="flat" cmpd="sng" algn="ctr">
+                      <a:solidFill>
+                        <a:schemeClr val="accent1"/>
+                      </a:solidFill>
+                      <a:prstDash val="solid"/>
+                      <a:round/>
+                      <a:headEnd type="none" w="med" len="med"/>
+                      <a:tailEnd type="none" w="med" len="med"/>
+                    </a:lnL>
+                    <a:lnR w="12700" cap="flat" cmpd="sng" algn="ctr">
+                      <a:solidFill>
+                        <a:schemeClr val="accent1"/>
+                      </a:solidFill>
+                      <a:prstDash val="solid"/>
+                      <a:round/>
+                      <a:headEnd type="none" w="med" len="med"/>
+                      <a:tailEnd type="none" w="med" len="med"/>
+                    </a:lnR>
+                    <a:lnT w="12700" cap="flat" cmpd="sng" algn="ctr">
+                      <a:solidFill>
+                        <a:schemeClr val="accent1"/>
+                      </a:solidFill>
+                      <a:prstDash val="solid"/>
+                      <a:round/>
+                      <a:headEnd type="none" w="med" len="med"/>
+                      <a:tailEnd type="none" w="med" len="med"/>
+                    </a:lnT>
+                    <a:lnB w="12700" cap="flat" cmpd="sng" algn="ctr">
+                      <a:solidFill>
+                        <a:schemeClr val="accent1"/>
+                      </a:solidFill>
+                      <a:prstDash val="solid"/>
+                      <a:round/>
+                      <a:headEnd type="none" w="med" len="med"/>
+                      <a:tailEnd type="none" w="med" len="med"/>
+                    </a:lnB>
+                  </a:tcPr>
+                </a:tc>
+                <a:tc>
+                  <a:txBody>
+                    <a:bodyPr/>
+                    <a:lstStyle/>
+                    <a:p>
+                      <a:pPr algn="ctr"/>
+                      <a:r>
+                        <a:rPr lang="pt-BR" dirty="0" smtClean="0"/>
+                        <a:t>&lt;IMG&gt;</a:t>
+                      </a:r>
+                      <a:endParaRPr lang="pt-BR" dirty="0"/>
+                    </a:p>
+                  </a:txBody>
+                  <a:tcPr anchor="ctr">
+                    <a:lnL w="12700" cap="flat" cmpd="sng" algn="ctr">
+                      <a:solidFill>
+                        <a:schemeClr val="accent1"/>
+                      </a:solidFill>
+                      <a:prstDash val="solid"/>
+                      <a:round/>
+                      <a:headEnd type="none" w="med" len="med"/>
+                      <a:tailEnd type="none" w="med" len="med"/>
+                    </a:lnL>
+                    <a:lnR w="12700" cap="flat" cmpd="sng" algn="ctr">
+                      <a:solidFill>
+                        <a:schemeClr val="accent1"/>
+                      </a:solidFill>
+                      <a:prstDash val="solid"/>
+                      <a:round/>
+                      <a:headEnd type="none" w="med" len="med"/>
+                      <a:tailEnd type="none" w="med" len="med"/>
+                    </a:lnR>
+                    <a:lnT w="12700" cap="flat" cmpd="sng" algn="ctr">
+                      <a:solidFill>
+                        <a:schemeClr val="accent1"/>
+                      </a:solidFill>
+                      <a:prstDash val="solid"/>
+                      <a:round/>
+                      <a:headEnd type="none" w="med" len="med"/>
+                      <a:tailEnd type="none" w="med" len="med"/>
+                    </a:lnT>
+                    <a:lnB w="12700" cap="flat" cmpd="sng" algn="ctr">
+                      <a:solidFill>
+                        <a:schemeClr val="accent1"/>
+                      </a:solidFill>
+                      <a:prstDash val="solid"/>
+                      <a:round/>
+                      <a:headEnd type="none" w="med" len="med"/>
+                      <a:tailEnd type="none" w="med" len="med"/>
+                    </a:lnB>
+                  </a:tcPr>
+                </a:tc>
+                <a:extLst>
+                  <a:ext uri="{0D108BD9-81ED-4DB2-BD59-A6C34878D82A}">
+                    <a16:rowId xmlns:a16="http://schemas.microsoft.com/office/drawing/2014/main" val="2325463834"/>
+                  </a:ext>
+                </a:extLst>
+              </a:tr>
+            </a:tbl>
+          </a:graphicData>
+        </a:graphic>
+      </p:graphicFrame>
+      <p:sp>
+        <p:nvSpPr>
+          <p:cNvPr id="7" name="CaixaDeTexto 6"/>
+          <p:cNvSpPr txBox="1"/>
+          <p:nvPr/>
+        </p:nvSpPr>
+        <p:spPr>
+          <a:xfrm>
+            <a:off x="2640135" y="-28819"/>
+            <a:ext cx="2823157" cy="923330"/>
+          </a:xfrm>
+          <a:prstGeom prst="rect">
+            <a:avLst/>
+          </a:prstGeom>
+          <a:noFill/>
+        </p:spPr>
+        <p:txBody>
+          <a:bodyPr wrap="square" rtlCol="0">
+            <a:spAutoFit/>
+          </a:bodyPr>
+          <a:lstStyle/>
+          <a:p>
+            <a:pPr algn="ctr"/>
+            <a:r>
+              <a:rPr lang="pt-BR" b="1" dirty="0"/>
+              <a:t>CORTE A LASER</a:t>
+            </a:r>
+            <a:br>
+              <a:rPr lang="pt-BR" b="1" dirty="0"/>
+            </a:br>
+            <a:r>
+              <a:rPr lang="pt-BR" b="1" dirty="0"/>
+              <a:t>E</a:t>
+            </a:r>
+            <a:br>
+              <a:rPr lang="pt-BR" b="1" dirty="0"/>
+            </a:br>
+            <a:r>
+              <a:rPr lang="pt-BR" b="1" dirty="0"/>
+              <a:t>IMPRESSORA 3D</a:t>
+            </a:r>
+          </a:p>
+        </p:txBody>
+      </p:sp>
+      <p:sp>
+        <p:nvSpPr>
+          <p:cNvPr id="9" name="CaixaDeTexto 8"/>
+          <p:cNvSpPr txBox="1"/>
+          <p:nvPr/>
+        </p:nvSpPr>
+        <p:spPr>
+          <a:xfrm>
+            <a:off x="127322" y="2045439"/>
+            <a:ext cx="1229530" cy="738664"/>
+          </a:xfrm>
+          <a:prstGeom prst="rect">
+            <a:avLst/>
+          </a:prstGeom>
+          <a:noFill/>
+        </p:spPr>
+        <p:txBody>
+          <a:bodyPr wrap="square" rtlCol="0">
+            <a:spAutoFit/>
+          </a:bodyPr>
+          <a:lstStyle/>
+          <a:p>
+            <a:r>
+              <a:rPr lang="pt-BR" sz="1400" b="1" dirty="0" smtClean="0">
+                <a:solidFill>
+                  <a:srgbClr val="FF0000"/>
+                </a:solidFill>
+              </a:rPr>
+              <a:t>GRID PAI</a:t>
+            </a:r>
+            <a:r>
+              <a:rPr lang="pt-BR" sz="1400" dirty="0" smtClean="0">
+                <a:solidFill>
+                  <a:srgbClr val="FF0000"/>
+                </a:solidFill>
+              </a:rPr>
+              <a:t/>
+            </a:r>
+            <a:br>
+              <a:rPr lang="pt-BR" sz="1400" dirty="0" smtClean="0">
+                <a:solidFill>
+                  <a:srgbClr val="FF0000"/>
+                </a:solidFill>
+              </a:rPr>
+            </a:br>
+            <a:r>
+              <a:rPr lang="pt-BR" sz="1400" dirty="0">
+                <a:solidFill>
+                  <a:srgbClr val="FF0000"/>
+                </a:solidFill>
+              </a:rPr>
+              <a:t>4</a:t>
+            </a:r>
+            <a:r>
+              <a:rPr lang="pt-BR" sz="1400" dirty="0" smtClean="0">
+                <a:solidFill>
+                  <a:srgbClr val="FF0000"/>
+                </a:solidFill>
+              </a:rPr>
+              <a:t> </a:t>
+            </a:r>
+            <a:r>
+              <a:rPr lang="pt-BR" sz="1400" dirty="0" smtClean="0">
+                <a:solidFill>
+                  <a:srgbClr val="FF0000"/>
+                </a:solidFill>
+              </a:rPr>
+              <a:t>LINHAS</a:t>
+            </a:r>
+            <a:br>
+              <a:rPr lang="pt-BR" sz="1400" dirty="0" smtClean="0">
+                <a:solidFill>
+                  <a:srgbClr val="FF0000"/>
+                </a:solidFill>
+              </a:rPr>
+            </a:br>
+            <a:r>
+              <a:rPr lang="pt-BR" sz="1400" dirty="0" smtClean="0">
+                <a:solidFill>
+                  <a:srgbClr val="FF0000"/>
+                </a:solidFill>
+              </a:rPr>
+              <a:t>0 COLUNAS </a:t>
+            </a:r>
+            <a:endParaRPr lang="pt-BR" sz="1400" dirty="0">
+              <a:solidFill>
+                <a:srgbClr val="FF0000"/>
+              </a:solidFill>
+            </a:endParaRPr>
+          </a:p>
+        </p:txBody>
+      </p:sp>
+      <p:sp>
+        <p:nvSpPr>
+          <p:cNvPr id="11" name="CaixaDeTexto 10"/>
+          <p:cNvSpPr txBox="1"/>
+          <p:nvPr/>
+        </p:nvSpPr>
+        <p:spPr>
+          <a:xfrm>
+            <a:off x="32979" y="5059794"/>
+            <a:ext cx="1229530" cy="738664"/>
+          </a:xfrm>
+          <a:prstGeom prst="rect">
+            <a:avLst/>
+          </a:prstGeom>
+          <a:noFill/>
+        </p:spPr>
+        <p:txBody>
+          <a:bodyPr wrap="square" rtlCol="0">
+            <a:spAutoFit/>
+          </a:bodyPr>
+          <a:lstStyle/>
+          <a:p>
+            <a:r>
+              <a:rPr lang="pt-BR" sz="1400" b="1" dirty="0" smtClean="0">
+                <a:solidFill>
+                  <a:schemeClr val="accent1"/>
+                </a:solidFill>
+              </a:rPr>
+              <a:t>GRID</a:t>
+            </a:r>
+            <a:r>
+              <a:rPr lang="pt-BR" sz="1400" dirty="0" smtClean="0">
+                <a:solidFill>
+                  <a:schemeClr val="accent1"/>
+                </a:solidFill>
+              </a:rPr>
+              <a:t/>
+            </a:r>
+            <a:br>
+              <a:rPr lang="pt-BR" sz="1400" dirty="0" smtClean="0">
+                <a:solidFill>
+                  <a:schemeClr val="accent1"/>
+                </a:solidFill>
+              </a:rPr>
+            </a:br>
+            <a:r>
+              <a:rPr lang="pt-BR" sz="1400" dirty="0" smtClean="0">
+                <a:solidFill>
+                  <a:schemeClr val="accent1"/>
+                </a:solidFill>
+              </a:rPr>
+              <a:t>2LINHAS</a:t>
+            </a:r>
+            <a:r>
+              <a:rPr lang="pt-BR" sz="1400" dirty="0" smtClean="0">
+                <a:solidFill>
+                  <a:schemeClr val="accent1"/>
+                </a:solidFill>
+              </a:rPr>
+              <a:t/>
+            </a:r>
+            <a:br>
+              <a:rPr lang="pt-BR" sz="1400" dirty="0" smtClean="0">
+                <a:solidFill>
+                  <a:schemeClr val="accent1"/>
+                </a:solidFill>
+              </a:rPr>
+            </a:br>
+            <a:r>
+              <a:rPr lang="pt-BR" sz="1400" dirty="0">
+                <a:solidFill>
+                  <a:schemeClr val="accent1"/>
+                </a:solidFill>
+              </a:rPr>
+              <a:t>2</a:t>
+            </a:r>
+            <a:r>
+              <a:rPr lang="pt-BR" sz="1400" dirty="0" smtClean="0">
+                <a:solidFill>
+                  <a:schemeClr val="accent1"/>
+                </a:solidFill>
+              </a:rPr>
+              <a:t> </a:t>
+            </a:r>
+            <a:r>
+              <a:rPr lang="pt-BR" sz="1400" dirty="0" smtClean="0">
+                <a:solidFill>
+                  <a:schemeClr val="accent1"/>
+                </a:solidFill>
+              </a:rPr>
+              <a:t>COLUNAS </a:t>
+            </a:r>
+            <a:endParaRPr lang="pt-BR" sz="1400" dirty="0">
+              <a:solidFill>
+                <a:schemeClr val="accent1"/>
+              </a:solidFill>
+            </a:endParaRPr>
+          </a:p>
+        </p:txBody>
+      </p:sp>
+      <p:sp>
+        <p:nvSpPr>
+          <p:cNvPr id="14" name="CaixaDeTexto 13"/>
+          <p:cNvSpPr txBox="1"/>
+          <p:nvPr/>
+        </p:nvSpPr>
+        <p:spPr>
+          <a:xfrm>
+            <a:off x="2695843" y="10921041"/>
+            <a:ext cx="2823157" cy="1015663"/>
+          </a:xfrm>
+          <a:prstGeom prst="rect">
+            <a:avLst/>
+          </a:prstGeom>
+          <a:noFill/>
+        </p:spPr>
+        <p:txBody>
+          <a:bodyPr wrap="square" rtlCol="0">
+            <a:spAutoFit/>
+          </a:bodyPr>
+          <a:lstStyle/>
+          <a:p>
+            <a:r>
+              <a:rPr lang="pt-BR" sz="6000" dirty="0" smtClean="0"/>
+              <a:t>RODAPE</a:t>
+            </a:r>
+            <a:endParaRPr lang="pt-BR" sz="6000" dirty="0"/>
+          </a:p>
+        </p:txBody>
+      </p:sp>
+      <p:cxnSp>
+        <p:nvCxnSpPr>
+          <p:cNvPr id="3" name="Conector reto 2"/>
+          <p:cNvCxnSpPr/>
+          <p:nvPr/>
+        </p:nvCxnSpPr>
+        <p:spPr>
+          <a:xfrm flipH="1">
+            <a:off x="870857" y="1886857"/>
+            <a:ext cx="464224" cy="261257"/>
+          </a:xfrm>
+          <a:prstGeom prst="line">
+            <a:avLst/>
+          </a:prstGeom>
+        </p:spPr>
+        <p:style>
+          <a:lnRef idx="1">
+            <a:schemeClr val="accent2"/>
+          </a:lnRef>
+          <a:fillRef idx="0">
+            <a:schemeClr val="accent2"/>
+          </a:fillRef>
+          <a:effectRef idx="0">
+            <a:schemeClr val="accent2"/>
+          </a:effectRef>
+          <a:fontRef idx="minor">
+            <a:schemeClr val="tx1"/>
+          </a:fontRef>
+        </p:style>
+      </p:cxnSp>
+      <p:cxnSp>
+        <p:nvCxnSpPr>
+          <p:cNvPr id="8" name="Conector reto 7"/>
+          <p:cNvCxnSpPr/>
+          <p:nvPr/>
+        </p:nvCxnSpPr>
+        <p:spPr>
+          <a:xfrm flipH="1">
+            <a:off x="537029" y="5167086"/>
+            <a:ext cx="1081195" cy="43543"/>
+          </a:xfrm>
+          <a:prstGeom prst="line">
+            <a:avLst/>
+          </a:prstGeom>
+        </p:spPr>
+        <p:style>
+          <a:lnRef idx="1">
+            <a:schemeClr val="accent1"/>
+          </a:lnRef>
+          <a:fillRef idx="0">
+            <a:schemeClr val="accent1"/>
+          </a:fillRef>
+          <a:effectRef idx="0">
+            <a:schemeClr val="accent1"/>
+          </a:effectRef>
+          <a:fontRef idx="minor">
+            <a:schemeClr val="tx1"/>
+          </a:fontRef>
+        </p:style>
+      </p:cxnSp>
+      <p:graphicFrame>
+        <p:nvGraphicFramePr>
+          <p:cNvPr id="16" name="Tabela 15"/>
+          <p:cNvGraphicFramePr>
+            <a:graphicFrameLocks noGrp="1"/>
+          </p:cNvGraphicFramePr>
+          <p:nvPr>
+            <p:extLst>
+              <p:ext uri="{D42A27DB-BD31-4B8C-83A1-F6EECF244321}">
+                <p14:modId xmlns:p14="http://schemas.microsoft.com/office/powerpoint/2010/main" val="1806111353"/>
+              </p:ext>
+            </p:extLst>
+          </p:nvPr>
+        </p:nvGraphicFramePr>
+        <p:xfrm>
+          <a:off x="1618224" y="7399545"/>
+          <a:ext cx="4978398" cy="3086102"/>
+        </p:xfrm>
+        <a:graphic>
+          <a:graphicData uri="http://schemas.openxmlformats.org/drawingml/2006/table">
+            <a:tbl>
+              <a:tblPr>
+                <a:tableStyleId>{775DCB02-9BB8-47FD-8907-85C794F793BA}</a:tableStyleId>
+              </a:tblPr>
+              <a:tblGrid>
+                <a:gridCol w="1659466">
+                  <a:extLst>
+                    <a:ext uri="{9D8B030D-6E8A-4147-A177-3AD203B41FA5}">
+                      <a16:colId xmlns:a16="http://schemas.microsoft.com/office/drawing/2014/main" val="2163443491"/>
+                    </a:ext>
+                  </a:extLst>
+                </a:gridCol>
+                <a:gridCol w="1659466">
+                  <a:extLst>
+                    <a:ext uri="{9D8B030D-6E8A-4147-A177-3AD203B41FA5}">
+                      <a16:colId xmlns:a16="http://schemas.microsoft.com/office/drawing/2014/main" val="638915778"/>
+                    </a:ext>
+                  </a:extLst>
+                </a:gridCol>
+                <a:gridCol w="1659466">
+                  <a:extLst>
+                    <a:ext uri="{9D8B030D-6E8A-4147-A177-3AD203B41FA5}">
+                      <a16:colId xmlns:a16="http://schemas.microsoft.com/office/drawing/2014/main" val="3068389032"/>
+                    </a:ext>
+                  </a:extLst>
+                </a:gridCol>
+              </a:tblGrid>
+              <a:tr h="367846">
+                <a:tc gridSpan="3">
+                  <a:txBody>
+                    <a:bodyPr/>
+                    <a:lstStyle/>
+                    <a:p>
+                      <a:pPr algn="ctr"/>
+                      <a:r>
+                        <a:rPr lang="pt-BR" b="1" dirty="0" smtClean="0"/>
+                        <a:t>&lt;P&gt;</a:t>
+                      </a:r>
+                    </a:p>
+                  </a:txBody>
+                  <a:tcPr anchor="ctr">
+                    <a:lnL w="12700" cap="flat" cmpd="sng" algn="ctr">
+                      <a:solidFill>
+                        <a:schemeClr val="accent6"/>
+                      </a:solidFill>
+                      <a:prstDash val="solid"/>
+                      <a:round/>
+                      <a:headEnd type="none" w="med" len="med"/>
+                      <a:tailEnd type="none" w="med" len="med"/>
+                    </a:lnL>
+                    <a:lnR w="12700" cap="flat" cmpd="sng" algn="ctr">
+                      <a:solidFill>
+                        <a:schemeClr val="accent6"/>
+                      </a:solidFill>
+                      <a:prstDash val="solid"/>
+                      <a:round/>
+                      <a:headEnd type="none" w="med" len="med"/>
+                      <a:tailEnd type="none" w="med" len="med"/>
+                    </a:lnR>
+                    <a:lnT w="12700" cap="flat" cmpd="sng" algn="ctr">
+                      <a:solidFill>
+                        <a:schemeClr val="accent6"/>
+                      </a:solidFill>
+                      <a:prstDash val="solid"/>
+                      <a:round/>
+                      <a:headEnd type="none" w="med" len="med"/>
+                      <a:tailEnd type="none" w="med" len="med"/>
+                    </a:lnT>
+                    <a:lnB w="12700" cap="flat" cmpd="sng" algn="ctr">
+                      <a:solidFill>
+                        <a:schemeClr val="accent6"/>
+                      </a:solidFill>
+                      <a:prstDash val="solid"/>
+                      <a:round/>
+                      <a:headEnd type="none" w="med" len="med"/>
+                      <a:tailEnd type="none" w="med" len="med"/>
+                    </a:lnB>
+                    <a:lnTlToBr w="12700" cmpd="sng">
+                      <a:noFill/>
+                      <a:prstDash val="solid"/>
+                    </a:lnTlToBr>
+                    <a:lnBlToTr w="12700" cmpd="sng">
+                      <a:noFill/>
+                      <a:prstDash val="solid"/>
+                    </a:lnBlToTr>
+                  </a:tcPr>
+                </a:tc>
+                <a:tc hMerge="1">
+                  <a:txBody>
+                    <a:bodyPr/>
+                    <a:lstStyle/>
+                    <a:p>
+                      <a:pPr algn="ctr"/>
+                      <a:endParaRPr lang="pt-BR" b="1" dirty="0" smtClean="0"/>
+                    </a:p>
+                  </a:txBody>
+                  <a:tcPr anchor="ctr">
+                    <a:lnL w="12700" cap="flat" cmpd="sng" algn="ctr">
+                      <a:solidFill>
+                        <a:schemeClr val="accent1"/>
+                      </a:solidFill>
+                      <a:prstDash val="solid"/>
+                      <a:round/>
+                      <a:headEnd type="none" w="med" len="med"/>
+                      <a:tailEnd type="none" w="med" len="med"/>
+                    </a:lnL>
+                    <a:lnR w="12700" cap="flat" cmpd="sng" algn="ctr">
+                      <a:solidFill>
+                        <a:schemeClr val="accent1"/>
+                      </a:solidFill>
+                      <a:prstDash val="solid"/>
+                      <a:round/>
+                      <a:headEnd type="none" w="med" len="med"/>
+                      <a:tailEnd type="none" w="med" len="med"/>
+                    </a:lnR>
+                    <a:lnT w="12700" cap="flat" cmpd="sng" algn="ctr">
+                      <a:solidFill>
+                        <a:schemeClr val="accent1"/>
+                      </a:solidFill>
+                      <a:prstDash val="solid"/>
+                      <a:round/>
+                      <a:headEnd type="none" w="med" len="med"/>
+                      <a:tailEnd type="none" w="med" len="med"/>
+                    </a:lnT>
+                    <a:lnB w="12700" cap="flat" cmpd="sng" algn="ctr">
+                      <a:solidFill>
+                        <a:schemeClr val="accent1"/>
+                      </a:solidFill>
+                      <a:prstDash val="solid"/>
+                      <a:round/>
+                      <a:headEnd type="none" w="med" len="med"/>
+                      <a:tailEnd type="none" w="med" len="med"/>
+                    </a:lnB>
+                  </a:tcPr>
+                </a:tc>
+                <a:tc hMerge="1">
+                  <a:txBody>
+                    <a:bodyPr/>
+                    <a:lstStyle/>
+                    <a:p>
+                      <a:pPr algn="ctr"/>
+                      <a:endParaRPr lang="pt-BR" b="1" dirty="0" smtClean="0"/>
+                    </a:p>
+                  </a:txBody>
+                  <a:tcPr anchor="ctr">
+                    <a:lnL w="12700" cap="flat" cmpd="sng" algn="ctr">
+                      <a:solidFill>
+                        <a:schemeClr val="accent1"/>
+                      </a:solidFill>
+                      <a:prstDash val="solid"/>
+                      <a:round/>
+                      <a:headEnd type="none" w="med" len="med"/>
+                      <a:tailEnd type="none" w="med" len="med"/>
+                    </a:lnL>
+                    <a:lnR w="12700" cap="flat" cmpd="sng" algn="ctr">
+                      <a:solidFill>
+                        <a:schemeClr val="accent1"/>
+                      </a:solidFill>
+                      <a:prstDash val="solid"/>
+                      <a:round/>
+                      <a:headEnd type="none" w="med" len="med"/>
+                      <a:tailEnd type="none" w="med" len="med"/>
+                    </a:lnR>
+                    <a:lnT w="12700" cap="flat" cmpd="sng" algn="ctr">
+                      <a:solidFill>
+                        <a:schemeClr val="accent1"/>
+                      </a:solidFill>
+                      <a:prstDash val="solid"/>
+                      <a:round/>
+                      <a:headEnd type="none" w="med" len="med"/>
+                      <a:tailEnd type="none" w="med" len="med"/>
+                    </a:lnT>
+                    <a:lnB w="12700" cap="flat" cmpd="sng" algn="ctr">
+                      <a:solidFill>
+                        <a:schemeClr val="accent1"/>
+                      </a:solidFill>
+                      <a:prstDash val="solid"/>
+                      <a:round/>
+                      <a:headEnd type="none" w="med" len="med"/>
+                      <a:tailEnd type="none" w="med" len="med"/>
+                    </a:lnB>
+                  </a:tcPr>
+                </a:tc>
+                <a:extLst>
+                  <a:ext uri="{0D108BD9-81ED-4DB2-BD59-A6C34878D82A}">
+                    <a16:rowId xmlns:a16="http://schemas.microsoft.com/office/drawing/2014/main" val="102631529"/>
+                  </a:ext>
+                </a:extLst>
+              </a:tr>
+              <a:tr h="1359128">
+                <a:tc>
+                  <a:txBody>
+                    <a:bodyPr/>
+                    <a:lstStyle/>
+                    <a:p>
+                      <a:pPr marL="0" marR="0" indent="0" algn="ctr" defTabSz="685800" rtl="0" eaLnBrk="1" fontAlgn="auto" latinLnBrk="0" hangingPunct="1">
+                        <a:lnSpc>
+                          <a:spcPct val="100000"/>
+                        </a:lnSpc>
+                        <a:spcBef>
+                          <a:spcPts val="0"/>
+                        </a:spcBef>
+                        <a:spcAft>
+                          <a:spcPts val="0"/>
+                        </a:spcAft>
+                        <a:buClrTx/>
+                        <a:buSzTx/>
+                        <a:buFontTx/>
+                        <a:buNone/>
+                        <a:tabLst/>
+                        <a:defRPr/>
+                      </a:pPr>
+                      <a:r>
+                        <a:rPr lang="pt-BR" b="1" dirty="0" smtClean="0"/>
+                        <a:t>DIV fundo IMG</a:t>
+                      </a:r>
+                      <a:br>
+                        <a:rPr lang="pt-BR" b="1" dirty="0" smtClean="0"/>
+                      </a:br>
+                      <a:r>
+                        <a:rPr lang="pt-BR" dirty="0" smtClean="0"/>
+                        <a:t>{ &lt;H3&gt; &lt;LINK&gt;}</a:t>
+                      </a:r>
+                    </a:p>
+                    <a:p>
+                      <a:pPr algn="ctr"/>
+                      <a:endParaRPr lang="pt-BR" dirty="0"/>
+                    </a:p>
+                  </a:txBody>
+                  <a:tcPr anchor="ctr">
+                    <a:lnL w="12700" cap="flat" cmpd="sng" algn="ctr">
+                      <a:solidFill>
+                        <a:schemeClr val="accent6"/>
+                      </a:solidFill>
+                      <a:prstDash val="solid"/>
+                      <a:round/>
+                      <a:headEnd type="none" w="med" len="med"/>
+                      <a:tailEnd type="none" w="med" len="med"/>
+                    </a:lnL>
+                    <a:lnR w="12700" cap="flat" cmpd="sng" algn="ctr">
+                      <a:solidFill>
+                        <a:schemeClr val="accent6"/>
+                      </a:solidFill>
+                      <a:prstDash val="solid"/>
+                      <a:round/>
+                      <a:headEnd type="none" w="med" len="med"/>
+                      <a:tailEnd type="none" w="med" len="med"/>
+                    </a:lnR>
+                    <a:lnT w="12700" cap="flat" cmpd="sng" algn="ctr">
+                      <a:solidFill>
+                        <a:schemeClr val="accent6"/>
+                      </a:solidFill>
+                      <a:prstDash val="solid"/>
+                      <a:round/>
+                      <a:headEnd type="none" w="med" len="med"/>
+                      <a:tailEnd type="none" w="med" len="med"/>
+                    </a:lnT>
+                    <a:lnB w="12700" cap="flat" cmpd="sng" algn="ctr">
+                      <a:solidFill>
+                        <a:schemeClr val="accent6"/>
+                      </a:solidFill>
+                      <a:prstDash val="solid"/>
+                      <a:round/>
+                      <a:headEnd type="none" w="med" len="med"/>
+                      <a:tailEnd type="none" w="med" len="med"/>
+                    </a:lnB>
+                    <a:lnTlToBr w="12700" cmpd="sng">
+                      <a:noFill/>
+                      <a:prstDash val="solid"/>
+                    </a:lnTlToBr>
+                    <a:lnBlToTr w="12700" cmpd="sng">
+                      <a:noFill/>
+                      <a:prstDash val="solid"/>
+                    </a:lnBlToTr>
+                  </a:tcPr>
+                </a:tc>
+                <a:tc>
+                  <a:txBody>
+                    <a:bodyPr/>
+                    <a:lstStyle/>
+                    <a:p>
+                      <a:pPr marL="0" marR="0" indent="0" algn="ctr" defTabSz="685800" rtl="0" eaLnBrk="1" fontAlgn="auto" latinLnBrk="0" hangingPunct="1">
+                        <a:lnSpc>
+                          <a:spcPct val="100000"/>
+                        </a:lnSpc>
+                        <a:spcBef>
+                          <a:spcPts val="0"/>
+                        </a:spcBef>
+                        <a:spcAft>
+                          <a:spcPts val="0"/>
+                        </a:spcAft>
+                        <a:buClrTx/>
+                        <a:buSzTx/>
+                        <a:buFontTx/>
+                        <a:buNone/>
+                        <a:tabLst/>
+                        <a:defRPr/>
+                      </a:pPr>
+                      <a:r>
+                        <a:rPr lang="pt-BR" b="1" dirty="0" smtClean="0"/>
+                        <a:t>DIV fundo IMG</a:t>
+                      </a:r>
+                      <a:br>
+                        <a:rPr lang="pt-BR" b="1" dirty="0" smtClean="0"/>
+                      </a:br>
+                      <a:r>
+                        <a:rPr lang="pt-BR" dirty="0" smtClean="0"/>
+                        <a:t>{ &lt;H3&gt; &lt;LINK&gt;}</a:t>
+                      </a:r>
+                    </a:p>
+                    <a:p>
+                      <a:pPr algn="ctr"/>
+                      <a:endParaRPr lang="pt-BR" dirty="0"/>
+                    </a:p>
+                  </a:txBody>
+                  <a:tcPr anchor="ctr">
+                    <a:lnL w="12700" cap="flat" cmpd="sng" algn="ctr">
+                      <a:solidFill>
+                        <a:schemeClr val="accent6"/>
+                      </a:solidFill>
+                      <a:prstDash val="solid"/>
+                      <a:round/>
+                      <a:headEnd type="none" w="med" len="med"/>
+                      <a:tailEnd type="none" w="med" len="med"/>
+                    </a:lnL>
+                    <a:lnR w="12700" cap="flat" cmpd="sng" algn="ctr">
+                      <a:solidFill>
+                        <a:schemeClr val="accent6"/>
+                      </a:solidFill>
+                      <a:prstDash val="solid"/>
+                      <a:round/>
+                      <a:headEnd type="none" w="med" len="med"/>
+                      <a:tailEnd type="none" w="med" len="med"/>
+                    </a:lnR>
+                    <a:lnT w="12700" cap="flat" cmpd="sng" algn="ctr">
+                      <a:solidFill>
+                        <a:schemeClr val="accent6"/>
+                      </a:solidFill>
+                      <a:prstDash val="solid"/>
+                      <a:round/>
+                      <a:headEnd type="none" w="med" len="med"/>
+                      <a:tailEnd type="none" w="med" len="med"/>
+                    </a:lnT>
+                    <a:lnB w="12700" cap="flat" cmpd="sng" algn="ctr">
+                      <a:solidFill>
+                        <a:schemeClr val="accent6"/>
+                      </a:solidFill>
+                      <a:prstDash val="solid"/>
+                      <a:round/>
+                      <a:headEnd type="none" w="med" len="med"/>
+                      <a:tailEnd type="none" w="med" len="med"/>
+                    </a:lnB>
+                    <a:lnTlToBr w="12700" cmpd="sng">
+                      <a:noFill/>
+                      <a:prstDash val="solid"/>
+                    </a:lnTlToBr>
+                    <a:lnBlToTr w="12700" cmpd="sng">
+                      <a:noFill/>
+                      <a:prstDash val="solid"/>
+                    </a:lnBlToTr>
+                  </a:tcPr>
+                </a:tc>
+                <a:tc>
+                  <a:txBody>
+                    <a:bodyPr/>
+                    <a:lstStyle/>
+                    <a:p>
+                      <a:pPr marL="0" marR="0" indent="0" algn="ctr" defTabSz="685800" rtl="0" eaLnBrk="1" fontAlgn="auto" latinLnBrk="0" hangingPunct="1">
+                        <a:lnSpc>
+                          <a:spcPct val="100000"/>
+                        </a:lnSpc>
+                        <a:spcBef>
+                          <a:spcPts val="0"/>
+                        </a:spcBef>
+                        <a:spcAft>
+                          <a:spcPts val="0"/>
+                        </a:spcAft>
+                        <a:buClrTx/>
+                        <a:buSzTx/>
+                        <a:buFontTx/>
+                        <a:buNone/>
+                        <a:tabLst/>
+                        <a:defRPr/>
+                      </a:pPr>
+                      <a:r>
+                        <a:rPr lang="pt-BR" b="1" dirty="0" smtClean="0"/>
+                        <a:t>DIV fundo IMG</a:t>
+                      </a:r>
+                      <a:br>
+                        <a:rPr lang="pt-BR" b="1" dirty="0" smtClean="0"/>
+                      </a:br>
+                      <a:r>
+                        <a:rPr lang="pt-BR" dirty="0" smtClean="0"/>
+                        <a:t>{ &lt;H3&gt; &lt;LINK&gt;}</a:t>
+                      </a:r>
+                    </a:p>
+                    <a:p>
+                      <a:pPr algn="ctr"/>
+                      <a:endParaRPr lang="pt-BR" dirty="0"/>
+                    </a:p>
+                  </a:txBody>
+                  <a:tcPr anchor="ctr">
+                    <a:lnL w="12700" cap="flat" cmpd="sng" algn="ctr">
+                      <a:solidFill>
+                        <a:schemeClr val="accent6"/>
+                      </a:solidFill>
+                      <a:prstDash val="solid"/>
+                      <a:round/>
+                      <a:headEnd type="none" w="med" len="med"/>
+                      <a:tailEnd type="none" w="med" len="med"/>
+                    </a:lnL>
+                    <a:lnR w="12700" cap="flat" cmpd="sng" algn="ctr">
+                      <a:solidFill>
+                        <a:schemeClr val="accent6"/>
+                      </a:solidFill>
+                      <a:prstDash val="solid"/>
+                      <a:round/>
+                      <a:headEnd type="none" w="med" len="med"/>
+                      <a:tailEnd type="none" w="med" len="med"/>
+                    </a:lnR>
+                    <a:lnT w="12700" cap="flat" cmpd="sng" algn="ctr">
+                      <a:solidFill>
+                        <a:schemeClr val="accent6"/>
+                      </a:solidFill>
+                      <a:prstDash val="solid"/>
+                      <a:round/>
+                      <a:headEnd type="none" w="med" len="med"/>
+                      <a:tailEnd type="none" w="med" len="med"/>
+                    </a:lnT>
+                    <a:lnB w="12700" cap="flat" cmpd="sng" algn="ctr">
+                      <a:solidFill>
+                        <a:schemeClr val="accent6"/>
+                      </a:solidFill>
+                      <a:prstDash val="solid"/>
+                      <a:round/>
+                      <a:headEnd type="none" w="med" len="med"/>
+                      <a:tailEnd type="none" w="med" len="med"/>
+                    </a:lnB>
+                    <a:lnTlToBr w="12700" cmpd="sng">
+                      <a:noFill/>
+                      <a:prstDash val="solid"/>
+                    </a:lnTlToBr>
+                    <a:lnBlToTr w="12700" cmpd="sng">
+                      <a:noFill/>
+                      <a:prstDash val="solid"/>
+                    </a:lnBlToTr>
+                  </a:tcPr>
+                </a:tc>
+                <a:extLst>
+                  <a:ext uri="{0D108BD9-81ED-4DB2-BD59-A6C34878D82A}">
+                    <a16:rowId xmlns:a16="http://schemas.microsoft.com/office/drawing/2014/main" val="1373343013"/>
+                  </a:ext>
+                </a:extLst>
+              </a:tr>
+              <a:tr h="1359128">
+                <a:tc>
+                  <a:txBody>
+                    <a:bodyPr/>
+                    <a:lstStyle/>
+                    <a:p>
+                      <a:pPr marL="0" marR="0" indent="0" algn="ctr" defTabSz="685800" rtl="0" eaLnBrk="1" fontAlgn="auto" latinLnBrk="0" hangingPunct="1">
+                        <a:lnSpc>
+                          <a:spcPct val="100000"/>
+                        </a:lnSpc>
+                        <a:spcBef>
+                          <a:spcPts val="0"/>
+                        </a:spcBef>
+                        <a:spcAft>
+                          <a:spcPts val="0"/>
+                        </a:spcAft>
+                        <a:buClrTx/>
+                        <a:buSzTx/>
+                        <a:buFontTx/>
+                        <a:buNone/>
+                        <a:tabLst/>
+                        <a:defRPr/>
+                      </a:pPr>
+                      <a:r>
+                        <a:rPr lang="pt-BR" b="1" dirty="0" smtClean="0"/>
+                        <a:t>DIV fundo IMG</a:t>
+                      </a:r>
+                      <a:br>
+                        <a:rPr lang="pt-BR" b="1" dirty="0" smtClean="0"/>
+                      </a:br>
+                      <a:r>
+                        <a:rPr lang="pt-BR" dirty="0" smtClean="0"/>
+                        <a:t>{ &lt;H3&gt; &lt;LINK&gt;}</a:t>
+                      </a:r>
+                    </a:p>
+                    <a:p>
+                      <a:pPr algn="ctr"/>
+                      <a:endParaRPr lang="pt-BR" dirty="0"/>
+                    </a:p>
+                  </a:txBody>
+                  <a:tcPr anchor="ctr">
+                    <a:lnL w="12700" cap="flat" cmpd="sng" algn="ctr">
+                      <a:solidFill>
+                        <a:schemeClr val="accent6"/>
+                      </a:solidFill>
+                      <a:prstDash val="solid"/>
+                      <a:round/>
+                      <a:headEnd type="none" w="med" len="med"/>
+                      <a:tailEnd type="none" w="med" len="med"/>
+                    </a:lnL>
+                    <a:lnR w="12700" cap="flat" cmpd="sng" algn="ctr">
+                      <a:solidFill>
+                        <a:schemeClr val="accent6"/>
+                      </a:solidFill>
+                      <a:prstDash val="solid"/>
+                      <a:round/>
+                      <a:headEnd type="none" w="med" len="med"/>
+                      <a:tailEnd type="none" w="med" len="med"/>
+                    </a:lnR>
+                    <a:lnT w="12700" cap="flat" cmpd="sng" algn="ctr">
+                      <a:solidFill>
+                        <a:schemeClr val="accent6"/>
+                      </a:solidFill>
+                      <a:prstDash val="solid"/>
+                      <a:round/>
+                      <a:headEnd type="none" w="med" len="med"/>
+                      <a:tailEnd type="none" w="med" len="med"/>
+                    </a:lnT>
+                    <a:lnB w="12700" cap="flat" cmpd="sng" algn="ctr">
+                      <a:solidFill>
+                        <a:schemeClr val="accent6"/>
+                      </a:solidFill>
+                      <a:prstDash val="solid"/>
+                      <a:round/>
+                      <a:headEnd type="none" w="med" len="med"/>
+                      <a:tailEnd type="none" w="med" len="med"/>
+                    </a:lnB>
+                    <a:lnTlToBr w="12700" cmpd="sng">
+                      <a:noFill/>
+                      <a:prstDash val="solid"/>
+                    </a:lnTlToBr>
+                    <a:lnBlToTr w="12700" cmpd="sng">
+                      <a:noFill/>
+                      <a:prstDash val="solid"/>
+                    </a:lnBlToTr>
+                  </a:tcPr>
+                </a:tc>
+                <a:tc>
+                  <a:txBody>
+                    <a:bodyPr/>
+                    <a:lstStyle/>
+                    <a:p>
+                      <a:pPr marL="0" marR="0" indent="0" algn="ctr" defTabSz="685800" rtl="0" eaLnBrk="1" fontAlgn="auto" latinLnBrk="0" hangingPunct="1">
+                        <a:lnSpc>
+                          <a:spcPct val="100000"/>
+                        </a:lnSpc>
+                        <a:spcBef>
+                          <a:spcPts val="0"/>
+                        </a:spcBef>
+                        <a:spcAft>
+                          <a:spcPts val="0"/>
+                        </a:spcAft>
+                        <a:buClrTx/>
+                        <a:buSzTx/>
+                        <a:buFontTx/>
+                        <a:buNone/>
+                        <a:tabLst/>
+                        <a:defRPr/>
+                      </a:pPr>
+                      <a:r>
+                        <a:rPr lang="pt-BR" b="1" dirty="0" smtClean="0"/>
+                        <a:t>DIV fundo IMG</a:t>
+                      </a:r>
+                      <a:br>
+                        <a:rPr lang="pt-BR" b="1" dirty="0" smtClean="0"/>
+                      </a:br>
+                      <a:r>
+                        <a:rPr lang="pt-BR" dirty="0" smtClean="0"/>
+                        <a:t>{ &lt;H3&gt; &lt;LINK&gt;}</a:t>
+                      </a:r>
+                      <a:endParaRPr lang="pt-BR" dirty="0" smtClean="0"/>
+                    </a:p>
+                  </a:txBody>
+                  <a:tcPr anchor="ctr">
+                    <a:lnL w="12700" cap="flat" cmpd="sng" algn="ctr">
+                      <a:solidFill>
+                        <a:schemeClr val="accent6"/>
+                      </a:solidFill>
+                      <a:prstDash val="solid"/>
+                      <a:round/>
+                      <a:headEnd type="none" w="med" len="med"/>
+                      <a:tailEnd type="none" w="med" len="med"/>
+                    </a:lnL>
+                    <a:lnR w="12700" cap="flat" cmpd="sng" algn="ctr">
+                      <a:solidFill>
+                        <a:schemeClr val="accent6"/>
+                      </a:solidFill>
+                      <a:prstDash val="solid"/>
+                      <a:round/>
+                      <a:headEnd type="none" w="med" len="med"/>
+                      <a:tailEnd type="none" w="med" len="med"/>
+                    </a:lnR>
+                    <a:lnT w="12700" cap="flat" cmpd="sng" algn="ctr">
+                      <a:solidFill>
+                        <a:schemeClr val="accent6"/>
+                      </a:solidFill>
+                      <a:prstDash val="solid"/>
+                      <a:round/>
+                      <a:headEnd type="none" w="med" len="med"/>
+                      <a:tailEnd type="none" w="med" len="med"/>
+                    </a:lnT>
+                    <a:lnB w="12700" cap="flat" cmpd="sng" algn="ctr">
+                      <a:solidFill>
+                        <a:schemeClr val="accent6"/>
+                      </a:solidFill>
+                      <a:prstDash val="solid"/>
+                      <a:round/>
+                      <a:headEnd type="none" w="med" len="med"/>
+                      <a:tailEnd type="none" w="med" len="med"/>
+                    </a:lnB>
+                    <a:lnTlToBr w="12700" cmpd="sng">
+                      <a:noFill/>
+                      <a:prstDash val="solid"/>
+                    </a:lnTlToBr>
+                    <a:lnBlToTr w="12700" cmpd="sng">
+                      <a:noFill/>
+                      <a:prstDash val="solid"/>
+                    </a:lnBlToTr>
+                  </a:tcPr>
+                </a:tc>
+                <a:tc>
+                  <a:txBody>
+                    <a:bodyPr/>
+                    <a:lstStyle/>
+                    <a:p>
+                      <a:pPr marL="0" marR="0" indent="0" algn="ctr" defTabSz="685800" rtl="0" eaLnBrk="1" fontAlgn="auto" latinLnBrk="0" hangingPunct="1">
+                        <a:lnSpc>
+                          <a:spcPct val="100000"/>
+                        </a:lnSpc>
+                        <a:spcBef>
+                          <a:spcPts val="0"/>
+                        </a:spcBef>
+                        <a:spcAft>
+                          <a:spcPts val="0"/>
+                        </a:spcAft>
+                        <a:buClrTx/>
+                        <a:buSzTx/>
+                        <a:buFontTx/>
+                        <a:buNone/>
+                        <a:tabLst/>
+                        <a:defRPr/>
+                      </a:pPr>
+                      <a:r>
+                        <a:rPr lang="pt-BR" b="1" dirty="0" smtClean="0"/>
+                        <a:t>DIV fundo IMG</a:t>
+                      </a:r>
+                      <a:br>
+                        <a:rPr lang="pt-BR" b="1" dirty="0" smtClean="0"/>
+                      </a:br>
+                      <a:r>
+                        <a:rPr lang="pt-BR" dirty="0" smtClean="0"/>
+                        <a:t>{ &lt;H3&gt; &lt;LINK&gt;}</a:t>
+                      </a:r>
+                      <a:endParaRPr lang="pt-BR" dirty="0" smtClean="0"/>
+                    </a:p>
+                  </a:txBody>
+                  <a:tcPr anchor="ctr">
+                    <a:lnL w="12700" cap="flat" cmpd="sng" algn="ctr">
+                      <a:solidFill>
+                        <a:schemeClr val="accent6"/>
+                      </a:solidFill>
+                      <a:prstDash val="solid"/>
+                      <a:round/>
+                      <a:headEnd type="none" w="med" len="med"/>
+                      <a:tailEnd type="none" w="med" len="med"/>
+                    </a:lnL>
+                    <a:lnR w="12700" cap="flat" cmpd="sng" algn="ctr">
+                      <a:solidFill>
+                        <a:schemeClr val="accent6"/>
+                      </a:solidFill>
+                      <a:prstDash val="solid"/>
+                      <a:round/>
+                      <a:headEnd type="none" w="med" len="med"/>
+                      <a:tailEnd type="none" w="med" len="med"/>
+                    </a:lnR>
+                    <a:lnT w="12700" cap="flat" cmpd="sng" algn="ctr">
+                      <a:solidFill>
+                        <a:schemeClr val="accent6"/>
+                      </a:solidFill>
+                      <a:prstDash val="solid"/>
+                      <a:round/>
+                      <a:headEnd type="none" w="med" len="med"/>
+                      <a:tailEnd type="none" w="med" len="med"/>
+                    </a:lnT>
+                    <a:lnB w="12700" cap="flat" cmpd="sng" algn="ctr">
+                      <a:solidFill>
+                        <a:schemeClr val="accent6"/>
+                      </a:solidFill>
+                      <a:prstDash val="solid"/>
+                      <a:round/>
+                      <a:headEnd type="none" w="med" len="med"/>
+                      <a:tailEnd type="none" w="med" len="med"/>
+                    </a:lnB>
+                    <a:lnTlToBr w="12700" cmpd="sng">
+                      <a:noFill/>
+                      <a:prstDash val="solid"/>
+                    </a:lnTlToBr>
+                    <a:lnBlToTr w="12700" cmpd="sng">
+                      <a:noFill/>
+                      <a:prstDash val="solid"/>
+                    </a:lnBlToTr>
+                  </a:tcPr>
+                </a:tc>
+                <a:extLst>
+                  <a:ext uri="{0D108BD9-81ED-4DB2-BD59-A6C34878D82A}">
+                    <a16:rowId xmlns:a16="http://schemas.microsoft.com/office/drawing/2014/main" val="2325463834"/>
+                  </a:ext>
+                </a:extLst>
+              </a:tr>
+            </a:tbl>
+          </a:graphicData>
+        </a:graphic>
+      </p:graphicFrame>
+      <p:sp>
+        <p:nvSpPr>
+          <p:cNvPr id="17" name="CaixaDeTexto 16"/>
+          <p:cNvSpPr txBox="1"/>
+          <p:nvPr/>
+        </p:nvSpPr>
+        <p:spPr>
+          <a:xfrm>
+            <a:off x="56552" y="8525200"/>
+            <a:ext cx="1229530" cy="738664"/>
+          </a:xfrm>
+          <a:prstGeom prst="rect">
+            <a:avLst/>
+          </a:prstGeom>
+          <a:noFill/>
+        </p:spPr>
+        <p:txBody>
+          <a:bodyPr wrap="square" rtlCol="0">
+            <a:spAutoFit/>
+          </a:bodyPr>
+          <a:lstStyle/>
+          <a:p>
+            <a:r>
+              <a:rPr lang="pt-BR" sz="1400" b="1" dirty="0" smtClean="0">
+                <a:solidFill>
+                  <a:schemeClr val="accent6"/>
+                </a:solidFill>
+              </a:rPr>
+              <a:t>GRID</a:t>
+            </a:r>
+            <a:r>
+              <a:rPr lang="pt-BR" sz="1400" dirty="0" smtClean="0">
+                <a:solidFill>
+                  <a:schemeClr val="accent6"/>
+                </a:solidFill>
+              </a:rPr>
+              <a:t/>
+            </a:r>
+            <a:br>
+              <a:rPr lang="pt-BR" sz="1400" dirty="0" smtClean="0">
+                <a:solidFill>
+                  <a:schemeClr val="accent6"/>
+                </a:solidFill>
+              </a:rPr>
+            </a:br>
+            <a:r>
+              <a:rPr lang="pt-BR" sz="1400" dirty="0" smtClean="0">
+                <a:solidFill>
+                  <a:schemeClr val="accent6"/>
+                </a:solidFill>
+              </a:rPr>
+              <a:t>3LINHAS</a:t>
+            </a:r>
+            <a:r>
+              <a:rPr lang="pt-BR" sz="1400" dirty="0" smtClean="0">
+                <a:solidFill>
+                  <a:schemeClr val="accent6"/>
+                </a:solidFill>
+              </a:rPr>
+              <a:t/>
+            </a:r>
+            <a:br>
+              <a:rPr lang="pt-BR" sz="1400" dirty="0" smtClean="0">
+                <a:solidFill>
+                  <a:schemeClr val="accent6"/>
+                </a:solidFill>
+              </a:rPr>
+            </a:br>
+            <a:r>
+              <a:rPr lang="pt-BR" sz="1400" dirty="0" smtClean="0">
+                <a:solidFill>
+                  <a:schemeClr val="accent6"/>
+                </a:solidFill>
+              </a:rPr>
+              <a:t>3 </a:t>
+            </a:r>
+            <a:r>
+              <a:rPr lang="pt-BR" sz="1400" dirty="0" smtClean="0">
+                <a:solidFill>
+                  <a:schemeClr val="accent6"/>
+                </a:solidFill>
+              </a:rPr>
+              <a:t>COLUNAS </a:t>
+            </a:r>
+            <a:endParaRPr lang="pt-BR" sz="1400" dirty="0">
+              <a:solidFill>
+                <a:schemeClr val="accent6"/>
+              </a:solidFill>
+            </a:endParaRPr>
+          </a:p>
+        </p:txBody>
+      </p:sp>
+      <p:cxnSp>
+        <p:nvCxnSpPr>
+          <p:cNvPr id="18" name="Conector reto 17"/>
+          <p:cNvCxnSpPr/>
+          <p:nvPr/>
+        </p:nvCxnSpPr>
+        <p:spPr>
+          <a:xfrm flipH="1">
+            <a:off x="560602" y="8632492"/>
+            <a:ext cx="1081195" cy="43543"/>
+          </a:xfrm>
+          <a:prstGeom prst="line">
+            <a:avLst/>
+          </a:prstGeom>
+        </p:spPr>
+        <p:style>
+          <a:lnRef idx="3">
+            <a:schemeClr val="accent6"/>
+          </a:lnRef>
+          <a:fillRef idx="0">
+            <a:schemeClr val="accent6"/>
+          </a:fillRef>
+          <a:effectRef idx="2">
+            <a:schemeClr val="accent6"/>
+          </a:effectRef>
+          <a:fontRef idx="minor">
+            <a:schemeClr val="tx1"/>
+          </a:fontRef>
+        </p:style>
+      </p:cxnSp>
+    </p:spTree>
+    <p:extLst>
+      <p:ext uri="{BB962C8B-B14F-4D97-AF65-F5344CB8AC3E}">
+        <p14:creationId xmlns:p14="http://schemas.microsoft.com/office/powerpoint/2010/main" val="1055671314"/>
+      </p:ext>
+    </p:extLst>
+  </p:cSld>
+  <p:clrMapOvr>
+    <a:masterClrMapping/>
+  </p:clrMapOvr>
+</p:sld>
+</file>
+
+<file path=ppt/slides/slide5.xml><?xml version="1.0" encoding="utf-8"?>
+<p:sld xmlns:a="http://schemas.openxmlformats.org/drawingml/2006/main" xmlns:r="http://schemas.openxmlformats.org/officeDocument/2006/relationships" xmlns:p="http://schemas.openxmlformats.org/presentationml/2006/main">
+  <p:cSld>
+    <p:spTree>
+      <p:nvGrpSpPr>
+        <p:cNvPr id="1" name=""/>
+        <p:cNvGrpSpPr/>
+        <p:nvPr/>
+      </p:nvGrpSpPr>
+      <p:grpSpPr>
+        <a:xfrm>
+          <a:off x="0" y="0"/>
+          <a:ext cx="0" cy="0"/>
+          <a:chOff x="0" y="0"/>
+          <a:chExt cx="0" cy="0"/>
+        </a:xfrm>
+      </p:grpSpPr>
+      <p:graphicFrame>
+        <p:nvGraphicFramePr>
+          <p:cNvPr id="4" name="Tabela 3"/>
+          <p:cNvGraphicFramePr>
+            <a:graphicFrameLocks noGrp="1"/>
+          </p:cNvGraphicFramePr>
+          <p:nvPr>
+            <p:extLst>
+              <p:ext uri="{D42A27DB-BD31-4B8C-83A1-F6EECF244321}">
+                <p14:modId xmlns:p14="http://schemas.microsoft.com/office/powerpoint/2010/main" val="1617941392"/>
+              </p:ext>
+            </p:extLst>
+          </p:nvPr>
+        </p:nvGraphicFramePr>
+        <p:xfrm>
+          <a:off x="1335081" y="888997"/>
+          <a:ext cx="5501148" cy="11303004"/>
+        </p:xfrm>
+        <a:graphic>
+          <a:graphicData uri="http://schemas.openxmlformats.org/drawingml/2006/table">
+            <a:tbl>
+              <a:tblPr>
+                <a:tableStyleId>{5C22544A-7EE6-4342-B048-85BDC9FD1C3A}</a:tableStyleId>
+              </a:tblPr>
+              <a:tblGrid>
+                <a:gridCol w="5501148">
+                  <a:extLst>
+                    <a:ext uri="{9D8B030D-6E8A-4147-A177-3AD203B41FA5}">
+                      <a16:colId xmlns:a16="http://schemas.microsoft.com/office/drawing/2014/main" val="1185017373"/>
+                    </a:ext>
+                  </a:extLst>
+                </a:gridCol>
+              </a:tblGrid>
+              <a:tr h="1723743">
+                <a:tc>
+                  <a:txBody>
+                    <a:bodyPr/>
+                    <a:lstStyle/>
+                    <a:p>
+                      <a:pPr algn="ctr"/>
+                      <a:endParaRPr lang="pt-BR" sz="1800" b="1" dirty="0">
+                        <a:solidFill>
+                          <a:schemeClr val="tx1"/>
+                        </a:solidFill>
+                      </a:endParaRPr>
+                    </a:p>
+                  </a:txBody>
+                  <a:tcPr anchor="ctr">
+                    <a:lnL w="12700" cap="flat" cmpd="sng" algn="ctr">
+                      <a:solidFill>
+                        <a:srgbClr val="FF0000"/>
+                      </a:solidFill>
+                      <a:prstDash val="solid"/>
+                      <a:round/>
+                      <a:headEnd type="none" w="med" len="med"/>
+                      <a:tailEnd type="none" w="med" len="med"/>
+                    </a:lnL>
+                    <a:lnR w="12700" cap="flat" cmpd="sng" algn="ctr">
+                      <a:solidFill>
+                        <a:srgbClr val="FF0000"/>
+                      </a:solidFill>
+                      <a:prstDash val="solid"/>
+                      <a:round/>
+                      <a:headEnd type="none" w="med" len="med"/>
+                      <a:tailEnd type="none" w="med" len="med"/>
+                    </a:lnR>
+                    <a:lnT w="12700" cap="flat" cmpd="sng" algn="ctr">
+                      <a:solidFill>
+                        <a:srgbClr val="FF0000"/>
+                      </a:solidFill>
+                      <a:prstDash val="solid"/>
+                      <a:round/>
+                      <a:headEnd type="none" w="med" len="med"/>
+                      <a:tailEnd type="none" w="med" len="med"/>
+                    </a:lnT>
+                    <a:lnB w="12700" cap="flat" cmpd="sng" algn="ctr">
+                      <a:solidFill>
+                        <a:srgbClr val="FF0000"/>
+                      </a:solidFill>
+                      <a:prstDash val="solid"/>
+                      <a:round/>
+                      <a:headEnd type="none" w="med" len="med"/>
+                      <a:tailEnd type="none" w="med" len="med"/>
+                    </a:lnB>
+                  </a:tcPr>
+                </a:tc>
+                <a:extLst>
+                  <a:ext uri="{0D108BD9-81ED-4DB2-BD59-A6C34878D82A}">
+                    <a16:rowId xmlns:a16="http://schemas.microsoft.com/office/drawing/2014/main" val="3738730398"/>
+                  </a:ext>
+                </a:extLst>
+              </a:tr>
+              <a:tr h="3900554">
+                <a:tc>
+                  <a:txBody>
+                    <a:bodyPr/>
+                    <a:lstStyle/>
+                    <a:p>
+                      <a:pPr algn="ctr"/>
+                      <a:endParaRPr lang="pt-BR" sz="1800" b="0" dirty="0">
+                        <a:solidFill>
+                          <a:schemeClr val="tx1"/>
+                        </a:solidFill>
+                      </a:endParaRPr>
+                    </a:p>
+                  </a:txBody>
+                  <a:tcPr anchor="ctr">
+                    <a:lnL w="12700" cap="flat" cmpd="sng" algn="ctr">
+                      <a:solidFill>
+                        <a:srgbClr val="FF0000"/>
+                      </a:solidFill>
+                      <a:prstDash val="solid"/>
+                      <a:round/>
+                      <a:headEnd type="none" w="med" len="med"/>
+                      <a:tailEnd type="none" w="med" len="med"/>
+                    </a:lnL>
+                    <a:lnR w="12700" cap="flat" cmpd="sng" algn="ctr">
+                      <a:solidFill>
+                        <a:srgbClr val="FF0000"/>
+                      </a:solidFill>
+                      <a:prstDash val="solid"/>
+                      <a:round/>
+                      <a:headEnd type="none" w="med" len="med"/>
+                      <a:tailEnd type="none" w="med" len="med"/>
+                    </a:lnR>
+                    <a:lnT w="12700" cap="flat" cmpd="sng" algn="ctr">
+                      <a:solidFill>
+                        <a:srgbClr val="FF0000"/>
+                      </a:solidFill>
+                      <a:prstDash val="solid"/>
+                      <a:round/>
+                      <a:headEnd type="none" w="med" len="med"/>
+                      <a:tailEnd type="none" w="med" len="med"/>
+                    </a:lnT>
+                    <a:lnB w="12700" cap="flat" cmpd="sng" algn="ctr">
+                      <a:solidFill>
+                        <a:srgbClr val="FF0000"/>
+                      </a:solidFill>
+                      <a:prstDash val="solid"/>
+                      <a:round/>
+                      <a:headEnd type="none" w="med" len="med"/>
+                      <a:tailEnd type="none" w="med" len="med"/>
+                    </a:lnB>
+                  </a:tcPr>
+                </a:tc>
+                <a:extLst>
+                  <a:ext uri="{0D108BD9-81ED-4DB2-BD59-A6C34878D82A}">
+                    <a16:rowId xmlns:a16="http://schemas.microsoft.com/office/drawing/2014/main" val="3139792909"/>
+                  </a:ext>
+                </a:extLst>
+              </a:tr>
+              <a:tr h="4196493">
+                <a:tc>
+                  <a:txBody>
+                    <a:bodyPr/>
+                    <a:lstStyle/>
+                    <a:p>
+                      <a:pPr algn="ctr"/>
+                      <a:endParaRPr lang="pt-BR" sz="1800" b="1" dirty="0">
+                        <a:solidFill>
+                          <a:schemeClr val="tx1"/>
+                        </a:solidFill>
+                      </a:endParaRPr>
+                    </a:p>
+                  </a:txBody>
+                  <a:tcPr anchor="ctr">
+                    <a:lnL w="12700" cap="flat" cmpd="sng" algn="ctr">
+                      <a:solidFill>
+                        <a:srgbClr val="FF0000"/>
+                      </a:solidFill>
+                      <a:prstDash val="solid"/>
+                      <a:round/>
+                      <a:headEnd type="none" w="med" len="med"/>
+                      <a:tailEnd type="none" w="med" len="med"/>
+                    </a:lnL>
+                    <a:lnR w="12700" cap="flat" cmpd="sng" algn="ctr">
+                      <a:solidFill>
+                        <a:srgbClr val="FF0000"/>
+                      </a:solidFill>
+                      <a:prstDash val="solid"/>
+                      <a:round/>
+                      <a:headEnd type="none" w="med" len="med"/>
+                      <a:tailEnd type="none" w="med" len="med"/>
+                    </a:lnR>
+                    <a:lnT w="12700" cap="flat" cmpd="sng" algn="ctr">
+                      <a:solidFill>
+                        <a:srgbClr val="FF0000"/>
+                      </a:solidFill>
+                      <a:prstDash val="solid"/>
+                      <a:round/>
+                      <a:headEnd type="none" w="med" len="med"/>
+                      <a:tailEnd type="none" w="med" len="med"/>
+                    </a:lnT>
+                    <a:lnB w="12700" cap="flat" cmpd="sng" algn="ctr">
+                      <a:solidFill>
+                        <a:srgbClr val="FF0000"/>
+                      </a:solidFill>
+                      <a:prstDash val="solid"/>
+                      <a:round/>
+                      <a:headEnd type="none" w="med" len="med"/>
+                      <a:tailEnd type="none" w="med" len="med"/>
+                    </a:lnB>
+                  </a:tcPr>
+                </a:tc>
+                <a:extLst>
+                  <a:ext uri="{0D108BD9-81ED-4DB2-BD59-A6C34878D82A}">
+                    <a16:rowId xmlns:a16="http://schemas.microsoft.com/office/drawing/2014/main" val="902013628"/>
+                  </a:ext>
+                </a:extLst>
+              </a:tr>
+              <a:tr h="1482214">
+                <a:tc>
+                  <a:txBody>
+                    <a:bodyPr/>
+                    <a:lstStyle/>
+                    <a:p>
+                      <a:pPr algn="ctr"/>
+                      <a:endParaRPr lang="pt-BR" sz="1800" b="1" dirty="0">
+                        <a:solidFill>
+                          <a:schemeClr val="tx1"/>
+                        </a:solidFill>
+                      </a:endParaRPr>
+                    </a:p>
+                  </a:txBody>
+                  <a:tcPr anchor="ctr">
+                    <a:lnL w="12700" cap="flat" cmpd="sng" algn="ctr">
+                      <a:solidFill>
+                        <a:srgbClr val="FF0000"/>
+                      </a:solidFill>
+                      <a:prstDash val="solid"/>
+                      <a:round/>
+                      <a:headEnd type="none" w="med" len="med"/>
+                      <a:tailEnd type="none" w="med" len="med"/>
+                    </a:lnL>
+                    <a:lnR w="12700" cap="flat" cmpd="sng" algn="ctr">
+                      <a:solidFill>
+                        <a:srgbClr val="FF0000"/>
+                      </a:solidFill>
+                      <a:prstDash val="solid"/>
+                      <a:round/>
+                      <a:headEnd type="none" w="med" len="med"/>
+                      <a:tailEnd type="none" w="med" len="med"/>
+                    </a:lnR>
+                    <a:lnT w="12700" cap="flat" cmpd="sng" algn="ctr">
+                      <a:solidFill>
+                        <a:srgbClr val="FF0000"/>
+                      </a:solidFill>
+                      <a:prstDash val="solid"/>
+                      <a:round/>
+                      <a:headEnd type="none" w="med" len="med"/>
+                      <a:tailEnd type="none" w="med" len="med"/>
+                    </a:lnT>
+                    <a:lnB w="12700" cap="flat" cmpd="sng" algn="ctr">
+                      <a:solidFill>
+                        <a:srgbClr val="FF0000"/>
+                      </a:solidFill>
+                      <a:prstDash val="solid"/>
+                      <a:round/>
+                      <a:headEnd type="none" w="med" len="med"/>
+                      <a:tailEnd type="none" w="med" len="med"/>
+                    </a:lnB>
+                  </a:tcPr>
+                </a:tc>
+                <a:extLst>
+                  <a:ext uri="{0D108BD9-81ED-4DB2-BD59-A6C34878D82A}">
+                    <a16:rowId xmlns:a16="http://schemas.microsoft.com/office/drawing/2014/main" val="1345892478"/>
+                  </a:ext>
+                </a:extLst>
+              </a:tr>
+            </a:tbl>
+          </a:graphicData>
+        </a:graphic>
+      </p:graphicFrame>
+      <p:sp>
+        <p:nvSpPr>
+          <p:cNvPr id="13" name="CaixaDeTexto 12"/>
+          <p:cNvSpPr txBox="1"/>
+          <p:nvPr/>
+        </p:nvSpPr>
+        <p:spPr>
+          <a:xfrm>
+            <a:off x="1335081" y="1394499"/>
+            <a:ext cx="5433267" cy="769441"/>
+          </a:xfrm>
+          <a:prstGeom prst="rect">
+            <a:avLst/>
+          </a:prstGeom>
+          <a:noFill/>
+        </p:spPr>
+        <p:txBody>
+          <a:bodyPr wrap="square" rtlCol="0">
+            <a:spAutoFit/>
+          </a:bodyPr>
+          <a:lstStyle/>
+          <a:p>
+            <a:pPr algn="ctr"/>
+            <a:r>
+              <a:rPr lang="pt-BR" sz="4400" dirty="0" smtClean="0"/>
+              <a:t>&lt;</a:t>
+            </a:r>
+            <a:r>
+              <a:rPr lang="pt-BR" sz="4400" dirty="0" smtClean="0"/>
+              <a:t>header&gt;</a:t>
+            </a:r>
+            <a:endParaRPr lang="pt-BR" sz="4400" dirty="0"/>
+          </a:p>
+        </p:txBody>
+      </p:sp>
+      <p:graphicFrame>
+        <p:nvGraphicFramePr>
+          <p:cNvPr id="6" name="Tabela 5"/>
+          <p:cNvGraphicFramePr>
+            <a:graphicFrameLocks noGrp="1"/>
+          </p:cNvGraphicFramePr>
+          <p:nvPr>
+            <p:extLst>
+              <p:ext uri="{D42A27DB-BD31-4B8C-83A1-F6EECF244321}">
+                <p14:modId xmlns:p14="http://schemas.microsoft.com/office/powerpoint/2010/main" val="1681109310"/>
+              </p:ext>
+            </p:extLst>
+          </p:nvPr>
+        </p:nvGraphicFramePr>
+        <p:xfrm>
+          <a:off x="1665758" y="2978353"/>
+          <a:ext cx="4978398" cy="3352798"/>
+        </p:xfrm>
+        <a:graphic>
+          <a:graphicData uri="http://schemas.openxmlformats.org/drawingml/2006/table">
+            <a:tbl>
+              <a:tblPr>
+                <a:tableStyleId>{775DCB02-9BB8-47FD-8907-85C794F793BA}</a:tableStyleId>
+              </a:tblPr>
+              <a:tblGrid>
+                <a:gridCol w="2489199">
+                  <a:extLst>
+                    <a:ext uri="{9D8B030D-6E8A-4147-A177-3AD203B41FA5}">
+                      <a16:colId xmlns:a16="http://schemas.microsoft.com/office/drawing/2014/main" val="638915778"/>
+                    </a:ext>
+                  </a:extLst>
+                </a:gridCol>
+                <a:gridCol w="2489199">
+                  <a:extLst>
+                    <a:ext uri="{9D8B030D-6E8A-4147-A177-3AD203B41FA5}">
+                      <a16:colId xmlns:a16="http://schemas.microsoft.com/office/drawing/2014/main" val="3068389032"/>
+                    </a:ext>
+                  </a:extLst>
+                </a:gridCol>
+              </a:tblGrid>
+              <a:tr h="3352798">
+                <a:tc>
+                  <a:txBody>
+                    <a:bodyPr/>
+                    <a:lstStyle/>
+                    <a:p>
+                      <a:pPr algn="ctr"/>
+                      <a:r>
+                        <a:rPr lang="pt-BR" b="1" dirty="0" smtClean="0"/>
+                        <a:t>&lt;h3&gt;</a:t>
+                      </a:r>
+                    </a:p>
+                    <a:p>
+                      <a:pPr algn="ctr"/>
+                      <a:r>
+                        <a:rPr lang="pt-BR" dirty="0" err="1" smtClean="0"/>
+                        <a:t>Ul</a:t>
+                      </a:r>
+                      <a:r>
+                        <a:rPr lang="pt-BR" dirty="0" smtClean="0"/>
+                        <a:t> de links</a:t>
+                      </a:r>
+                      <a:endParaRPr lang="pt-BR" dirty="0"/>
+                    </a:p>
+                  </a:txBody>
+                  <a:tcPr anchor="ctr">
+                    <a:lnL w="12700" cap="flat" cmpd="sng" algn="ctr">
+                      <a:solidFill>
+                        <a:schemeClr val="accent1"/>
+                      </a:solidFill>
+                      <a:prstDash val="solid"/>
+                      <a:round/>
+                      <a:headEnd type="none" w="med" len="med"/>
+                      <a:tailEnd type="none" w="med" len="med"/>
+                    </a:lnL>
+                    <a:lnR w="12700" cap="flat" cmpd="sng" algn="ctr">
+                      <a:solidFill>
+                        <a:schemeClr val="accent1"/>
+                      </a:solidFill>
+                      <a:prstDash val="solid"/>
+                      <a:round/>
+                      <a:headEnd type="none" w="med" len="med"/>
+                      <a:tailEnd type="none" w="med" len="med"/>
+                    </a:lnR>
+                    <a:lnT w="12700" cap="flat" cmpd="sng" algn="ctr">
+                      <a:solidFill>
+                        <a:schemeClr val="accent1"/>
+                      </a:solidFill>
+                      <a:prstDash val="solid"/>
+                      <a:round/>
+                      <a:headEnd type="none" w="med" len="med"/>
+                      <a:tailEnd type="none" w="med" len="med"/>
+                    </a:lnT>
+                    <a:lnB w="12700" cap="flat" cmpd="sng" algn="ctr">
+                      <a:solidFill>
+                        <a:schemeClr val="accent1"/>
+                      </a:solidFill>
+                      <a:prstDash val="solid"/>
+                      <a:round/>
+                      <a:headEnd type="none" w="med" len="med"/>
+                      <a:tailEnd type="none" w="med" len="med"/>
+                    </a:lnB>
+                  </a:tcPr>
+                </a:tc>
+                <a:tc>
+                  <a:txBody>
+                    <a:bodyPr/>
+                    <a:lstStyle/>
+                    <a:p>
+                      <a:pPr algn="ctr"/>
+                      <a:r>
+                        <a:rPr lang="pt-BR" dirty="0" smtClean="0"/>
+                        <a:t>&lt;IMG&gt;</a:t>
+                      </a:r>
+                      <a:endParaRPr lang="pt-BR" dirty="0"/>
+                    </a:p>
+                  </a:txBody>
+                  <a:tcPr anchor="ctr">
+                    <a:lnL w="12700" cap="flat" cmpd="sng" algn="ctr">
+                      <a:solidFill>
+                        <a:schemeClr val="accent1"/>
+                      </a:solidFill>
+                      <a:prstDash val="solid"/>
+                      <a:round/>
+                      <a:headEnd type="none" w="med" len="med"/>
+                      <a:tailEnd type="none" w="med" len="med"/>
+                    </a:lnL>
+                    <a:lnR w="12700" cap="flat" cmpd="sng" algn="ctr">
+                      <a:solidFill>
+                        <a:schemeClr val="accent1"/>
+                      </a:solidFill>
+                      <a:prstDash val="solid"/>
+                      <a:round/>
+                      <a:headEnd type="none" w="med" len="med"/>
+                      <a:tailEnd type="none" w="med" len="med"/>
+                    </a:lnR>
+                    <a:lnT w="12700" cap="flat" cmpd="sng" algn="ctr">
+                      <a:solidFill>
+                        <a:schemeClr val="accent1"/>
+                      </a:solidFill>
+                      <a:prstDash val="solid"/>
+                      <a:round/>
+                      <a:headEnd type="none" w="med" len="med"/>
+                      <a:tailEnd type="none" w="med" len="med"/>
+                    </a:lnT>
+                    <a:lnB w="12700" cap="flat" cmpd="sng" algn="ctr">
+                      <a:solidFill>
+                        <a:schemeClr val="accent1"/>
+                      </a:solidFill>
+                      <a:prstDash val="solid"/>
+                      <a:round/>
+                      <a:headEnd type="none" w="med" len="med"/>
+                      <a:tailEnd type="none" w="med" len="med"/>
+                    </a:lnB>
+                  </a:tcPr>
+                </a:tc>
+                <a:extLst>
+                  <a:ext uri="{0D108BD9-81ED-4DB2-BD59-A6C34878D82A}">
+                    <a16:rowId xmlns:a16="http://schemas.microsoft.com/office/drawing/2014/main" val="102631529"/>
+                  </a:ext>
+                </a:extLst>
+              </a:tr>
+            </a:tbl>
+          </a:graphicData>
+        </a:graphic>
+      </p:graphicFrame>
+      <p:sp>
+        <p:nvSpPr>
+          <p:cNvPr id="7" name="CaixaDeTexto 6"/>
+          <p:cNvSpPr txBox="1"/>
+          <p:nvPr/>
+        </p:nvSpPr>
+        <p:spPr>
+          <a:xfrm>
+            <a:off x="2640135" y="79920"/>
+            <a:ext cx="2823157" cy="707886"/>
+          </a:xfrm>
+          <a:prstGeom prst="rect">
+            <a:avLst/>
+          </a:prstGeom>
+          <a:noFill/>
+        </p:spPr>
+        <p:txBody>
+          <a:bodyPr wrap="square" rtlCol="0">
+            <a:spAutoFit/>
+          </a:bodyPr>
+          <a:lstStyle/>
+          <a:p>
+            <a:pPr algn="ctr"/>
+            <a:r>
+              <a:rPr lang="pt-BR" sz="4000" b="1" dirty="0"/>
+              <a:t>D</a:t>
+            </a:r>
+            <a:r>
+              <a:rPr lang="pt-BR" sz="4000" b="1" dirty="0" smtClean="0"/>
+              <a:t>ownloads</a:t>
+            </a:r>
+            <a:endParaRPr lang="pt-BR" sz="4000" b="1" dirty="0"/>
+          </a:p>
+        </p:txBody>
+      </p:sp>
+      <p:sp>
+        <p:nvSpPr>
+          <p:cNvPr id="9" name="CaixaDeTexto 8"/>
+          <p:cNvSpPr txBox="1"/>
+          <p:nvPr/>
+        </p:nvSpPr>
+        <p:spPr>
+          <a:xfrm>
+            <a:off x="127322" y="2045439"/>
+            <a:ext cx="1229530" cy="738664"/>
+          </a:xfrm>
+          <a:prstGeom prst="rect">
+            <a:avLst/>
+          </a:prstGeom>
+          <a:noFill/>
+        </p:spPr>
+        <p:txBody>
+          <a:bodyPr wrap="square" rtlCol="0">
+            <a:spAutoFit/>
+          </a:bodyPr>
+          <a:lstStyle/>
+          <a:p>
+            <a:r>
+              <a:rPr lang="pt-BR" sz="1400" b="1" dirty="0" smtClean="0">
+                <a:solidFill>
+                  <a:srgbClr val="FF0000"/>
+                </a:solidFill>
+              </a:rPr>
+              <a:t>GRID PAI</a:t>
+            </a:r>
+            <a:r>
+              <a:rPr lang="pt-BR" sz="1400" dirty="0" smtClean="0">
+                <a:solidFill>
+                  <a:srgbClr val="FF0000"/>
+                </a:solidFill>
+              </a:rPr>
+              <a:t/>
+            </a:r>
+            <a:br>
+              <a:rPr lang="pt-BR" sz="1400" dirty="0" smtClean="0">
+                <a:solidFill>
+                  <a:srgbClr val="FF0000"/>
+                </a:solidFill>
+              </a:rPr>
+            </a:br>
+            <a:r>
+              <a:rPr lang="pt-BR" sz="1400" dirty="0">
+                <a:solidFill>
+                  <a:srgbClr val="FF0000"/>
+                </a:solidFill>
+              </a:rPr>
+              <a:t>4</a:t>
+            </a:r>
+            <a:r>
+              <a:rPr lang="pt-BR" sz="1400" dirty="0" smtClean="0">
+                <a:solidFill>
+                  <a:srgbClr val="FF0000"/>
+                </a:solidFill>
+              </a:rPr>
+              <a:t> </a:t>
+            </a:r>
+            <a:r>
+              <a:rPr lang="pt-BR" sz="1400" dirty="0" smtClean="0">
+                <a:solidFill>
+                  <a:srgbClr val="FF0000"/>
+                </a:solidFill>
+              </a:rPr>
+              <a:t>LINHAS</a:t>
+            </a:r>
+            <a:br>
+              <a:rPr lang="pt-BR" sz="1400" dirty="0" smtClean="0">
+                <a:solidFill>
+                  <a:srgbClr val="FF0000"/>
+                </a:solidFill>
+              </a:rPr>
+            </a:br>
+            <a:r>
+              <a:rPr lang="pt-BR" sz="1400" dirty="0" smtClean="0">
+                <a:solidFill>
+                  <a:srgbClr val="FF0000"/>
+                </a:solidFill>
+              </a:rPr>
+              <a:t>0 COLUNAS </a:t>
+            </a:r>
+            <a:endParaRPr lang="pt-BR" sz="1400" dirty="0">
+              <a:solidFill>
+                <a:srgbClr val="FF0000"/>
+              </a:solidFill>
+            </a:endParaRPr>
+          </a:p>
+        </p:txBody>
+      </p:sp>
+      <p:sp>
+        <p:nvSpPr>
+          <p:cNvPr id="11" name="CaixaDeTexto 10"/>
+          <p:cNvSpPr txBox="1"/>
+          <p:nvPr/>
+        </p:nvSpPr>
+        <p:spPr>
+          <a:xfrm>
+            <a:off x="32979" y="5059794"/>
+            <a:ext cx="1229530" cy="738664"/>
+          </a:xfrm>
+          <a:prstGeom prst="rect">
+            <a:avLst/>
+          </a:prstGeom>
+          <a:noFill/>
+        </p:spPr>
+        <p:txBody>
+          <a:bodyPr wrap="square" rtlCol="0">
+            <a:spAutoFit/>
+          </a:bodyPr>
+          <a:lstStyle/>
+          <a:p>
+            <a:r>
+              <a:rPr lang="pt-BR" sz="1400" b="1" dirty="0" smtClean="0">
+                <a:solidFill>
+                  <a:schemeClr val="accent1"/>
+                </a:solidFill>
+              </a:rPr>
+              <a:t>GRID</a:t>
+            </a:r>
+            <a:r>
+              <a:rPr lang="pt-BR" sz="1400" dirty="0" smtClean="0">
+                <a:solidFill>
+                  <a:schemeClr val="accent1"/>
+                </a:solidFill>
+              </a:rPr>
+              <a:t/>
+            </a:r>
+            <a:br>
+              <a:rPr lang="pt-BR" sz="1400" dirty="0" smtClean="0">
+                <a:solidFill>
+                  <a:schemeClr val="accent1"/>
+                </a:solidFill>
+              </a:rPr>
+            </a:br>
+            <a:r>
+              <a:rPr lang="pt-BR" sz="1400" dirty="0">
+                <a:solidFill>
+                  <a:schemeClr val="accent1"/>
+                </a:solidFill>
+              </a:rPr>
+              <a:t>1</a:t>
+            </a:r>
+            <a:r>
+              <a:rPr lang="pt-BR" sz="1400" dirty="0" smtClean="0">
+                <a:solidFill>
+                  <a:schemeClr val="accent1"/>
+                </a:solidFill>
+              </a:rPr>
+              <a:t>LINHAS</a:t>
+            </a:r>
+            <a:r>
+              <a:rPr lang="pt-BR" sz="1400" dirty="0" smtClean="0">
+                <a:solidFill>
+                  <a:schemeClr val="accent1"/>
+                </a:solidFill>
+              </a:rPr>
+              <a:t/>
+            </a:r>
+            <a:br>
+              <a:rPr lang="pt-BR" sz="1400" dirty="0" smtClean="0">
+                <a:solidFill>
+                  <a:schemeClr val="accent1"/>
+                </a:solidFill>
+              </a:rPr>
+            </a:br>
+            <a:r>
+              <a:rPr lang="pt-BR" sz="1400" dirty="0">
+                <a:solidFill>
+                  <a:schemeClr val="accent1"/>
+                </a:solidFill>
+              </a:rPr>
+              <a:t>2</a:t>
+            </a:r>
+            <a:r>
+              <a:rPr lang="pt-BR" sz="1400" dirty="0" smtClean="0">
+                <a:solidFill>
+                  <a:schemeClr val="accent1"/>
+                </a:solidFill>
+              </a:rPr>
+              <a:t> </a:t>
+            </a:r>
+            <a:r>
+              <a:rPr lang="pt-BR" sz="1400" dirty="0" smtClean="0">
+                <a:solidFill>
+                  <a:schemeClr val="accent1"/>
+                </a:solidFill>
+              </a:rPr>
+              <a:t>COLUNAS </a:t>
+            </a:r>
+            <a:endParaRPr lang="pt-BR" sz="1400" dirty="0">
+              <a:solidFill>
+                <a:schemeClr val="accent1"/>
+              </a:solidFill>
+            </a:endParaRPr>
+          </a:p>
+        </p:txBody>
+      </p:sp>
+      <p:sp>
+        <p:nvSpPr>
+          <p:cNvPr id="14" name="CaixaDeTexto 13"/>
+          <p:cNvSpPr txBox="1"/>
+          <p:nvPr/>
+        </p:nvSpPr>
+        <p:spPr>
+          <a:xfrm>
+            <a:off x="2695843" y="10921041"/>
+            <a:ext cx="2823157" cy="1015663"/>
+          </a:xfrm>
+          <a:prstGeom prst="rect">
+            <a:avLst/>
+          </a:prstGeom>
+          <a:noFill/>
+        </p:spPr>
+        <p:txBody>
+          <a:bodyPr wrap="square" rtlCol="0">
+            <a:spAutoFit/>
+          </a:bodyPr>
+          <a:lstStyle/>
+          <a:p>
+            <a:r>
+              <a:rPr lang="pt-BR" sz="6000" dirty="0" smtClean="0"/>
+              <a:t>RODAPE</a:t>
+            </a:r>
+            <a:endParaRPr lang="pt-BR" sz="6000" dirty="0"/>
+          </a:p>
+        </p:txBody>
+      </p:sp>
+      <p:cxnSp>
+        <p:nvCxnSpPr>
+          <p:cNvPr id="3" name="Conector reto 2"/>
+          <p:cNvCxnSpPr/>
+          <p:nvPr/>
+        </p:nvCxnSpPr>
+        <p:spPr>
+          <a:xfrm flipH="1">
+            <a:off x="870857" y="1886857"/>
+            <a:ext cx="464224" cy="261257"/>
+          </a:xfrm>
+          <a:prstGeom prst="line">
+            <a:avLst/>
+          </a:prstGeom>
+        </p:spPr>
+        <p:style>
+          <a:lnRef idx="1">
+            <a:schemeClr val="accent2"/>
+          </a:lnRef>
+          <a:fillRef idx="0">
+            <a:schemeClr val="accent2"/>
+          </a:fillRef>
+          <a:effectRef idx="0">
+            <a:schemeClr val="accent2"/>
+          </a:effectRef>
+          <a:fontRef idx="minor">
+            <a:schemeClr val="tx1"/>
+          </a:fontRef>
+        </p:style>
+      </p:cxnSp>
+      <p:cxnSp>
+        <p:nvCxnSpPr>
+          <p:cNvPr id="8" name="Conector reto 7"/>
+          <p:cNvCxnSpPr/>
+          <p:nvPr/>
+        </p:nvCxnSpPr>
+        <p:spPr>
+          <a:xfrm flipH="1">
+            <a:off x="537029" y="5167086"/>
+            <a:ext cx="1081195" cy="43543"/>
+          </a:xfrm>
+          <a:prstGeom prst="line">
+            <a:avLst/>
+          </a:prstGeom>
+        </p:spPr>
+        <p:style>
+          <a:lnRef idx="1">
+            <a:schemeClr val="accent1"/>
+          </a:lnRef>
+          <a:fillRef idx="0">
+            <a:schemeClr val="accent1"/>
+          </a:fillRef>
+          <a:effectRef idx="0">
+            <a:schemeClr val="accent1"/>
+          </a:effectRef>
+          <a:fontRef idx="minor">
+            <a:schemeClr val="tx1"/>
+          </a:fontRef>
+        </p:style>
+      </p:cxnSp>
+      <p:sp>
+        <p:nvSpPr>
+          <p:cNvPr id="17" name="CaixaDeTexto 16"/>
+          <p:cNvSpPr txBox="1"/>
+          <p:nvPr/>
+        </p:nvSpPr>
+        <p:spPr>
+          <a:xfrm>
+            <a:off x="56552" y="8525200"/>
+            <a:ext cx="1229530" cy="738664"/>
+          </a:xfrm>
+          <a:prstGeom prst="rect">
+            <a:avLst/>
+          </a:prstGeom>
+          <a:noFill/>
+        </p:spPr>
+        <p:txBody>
+          <a:bodyPr wrap="square" rtlCol="0">
+            <a:spAutoFit/>
+          </a:bodyPr>
+          <a:lstStyle/>
+          <a:p>
+            <a:r>
+              <a:rPr lang="pt-BR" sz="1400" b="1" dirty="0" smtClean="0">
+                <a:solidFill>
+                  <a:schemeClr val="accent6"/>
+                </a:solidFill>
+              </a:rPr>
+              <a:t>GRID</a:t>
+            </a:r>
+            <a:r>
+              <a:rPr lang="pt-BR" sz="1400" dirty="0" smtClean="0">
+                <a:solidFill>
+                  <a:schemeClr val="accent6"/>
+                </a:solidFill>
+              </a:rPr>
+              <a:t/>
+            </a:r>
+            <a:br>
+              <a:rPr lang="pt-BR" sz="1400" dirty="0" smtClean="0">
+                <a:solidFill>
+                  <a:schemeClr val="accent6"/>
+                </a:solidFill>
+              </a:rPr>
+            </a:br>
+            <a:r>
+              <a:rPr lang="pt-BR" sz="1400" dirty="0" smtClean="0">
+                <a:solidFill>
+                  <a:schemeClr val="accent6"/>
+                </a:solidFill>
+              </a:rPr>
+              <a:t>1LINHAS</a:t>
+            </a:r>
+            <a:r>
+              <a:rPr lang="pt-BR" sz="1400" dirty="0" smtClean="0">
+                <a:solidFill>
+                  <a:schemeClr val="accent6"/>
+                </a:solidFill>
+              </a:rPr>
+              <a:t/>
+            </a:r>
+            <a:br>
+              <a:rPr lang="pt-BR" sz="1400" dirty="0" smtClean="0">
+                <a:solidFill>
+                  <a:schemeClr val="accent6"/>
+                </a:solidFill>
+              </a:rPr>
+            </a:br>
+            <a:r>
+              <a:rPr lang="pt-BR" sz="1400" dirty="0" smtClean="0">
+                <a:solidFill>
+                  <a:schemeClr val="accent6"/>
+                </a:solidFill>
+              </a:rPr>
+              <a:t>2 </a:t>
+            </a:r>
+            <a:r>
+              <a:rPr lang="pt-BR" sz="1400" dirty="0" smtClean="0">
+                <a:solidFill>
+                  <a:schemeClr val="accent6"/>
+                </a:solidFill>
+              </a:rPr>
+              <a:t>COLUNAS </a:t>
+            </a:r>
+            <a:endParaRPr lang="pt-BR" sz="1400" dirty="0">
+              <a:solidFill>
+                <a:schemeClr val="accent6"/>
+              </a:solidFill>
+            </a:endParaRPr>
+          </a:p>
+        </p:txBody>
+      </p:sp>
+      <p:cxnSp>
+        <p:nvCxnSpPr>
+          <p:cNvPr id="18" name="Conector reto 17"/>
+          <p:cNvCxnSpPr/>
+          <p:nvPr/>
+        </p:nvCxnSpPr>
+        <p:spPr>
+          <a:xfrm flipH="1">
+            <a:off x="560602" y="8632492"/>
+            <a:ext cx="1081195" cy="43543"/>
+          </a:xfrm>
+          <a:prstGeom prst="line">
+            <a:avLst/>
+          </a:prstGeom>
+        </p:spPr>
+        <p:style>
+          <a:lnRef idx="3">
+            <a:schemeClr val="accent6"/>
+          </a:lnRef>
+          <a:fillRef idx="0">
+            <a:schemeClr val="accent6"/>
+          </a:fillRef>
+          <a:effectRef idx="2">
+            <a:schemeClr val="accent6"/>
+          </a:effectRef>
+          <a:fontRef idx="minor">
+            <a:schemeClr val="tx1"/>
+          </a:fontRef>
+        </p:style>
+      </p:cxnSp>
+      <p:graphicFrame>
+        <p:nvGraphicFramePr>
+          <p:cNvPr id="15" name="Tabela 14"/>
+          <p:cNvGraphicFramePr>
+            <a:graphicFrameLocks noGrp="1"/>
+          </p:cNvGraphicFramePr>
+          <p:nvPr>
+            <p:extLst>
+              <p:ext uri="{D42A27DB-BD31-4B8C-83A1-F6EECF244321}">
+                <p14:modId xmlns:p14="http://schemas.microsoft.com/office/powerpoint/2010/main" val="2934774723"/>
+              </p:ext>
+            </p:extLst>
+          </p:nvPr>
+        </p:nvGraphicFramePr>
+        <p:xfrm>
+          <a:off x="1641797" y="6976963"/>
+          <a:ext cx="4978398" cy="3096474"/>
+        </p:xfrm>
+        <a:graphic>
+          <a:graphicData uri="http://schemas.openxmlformats.org/drawingml/2006/table">
+            <a:tbl>
+              <a:tblPr>
+                <a:tableStyleId>{775DCB02-9BB8-47FD-8907-85C794F793BA}</a:tableStyleId>
+              </a:tblPr>
+              <a:tblGrid>
+                <a:gridCol w="2489199">
+                  <a:extLst>
+                    <a:ext uri="{9D8B030D-6E8A-4147-A177-3AD203B41FA5}">
+                      <a16:colId xmlns:a16="http://schemas.microsoft.com/office/drawing/2014/main" val="638915778"/>
+                    </a:ext>
+                  </a:extLst>
+                </a:gridCol>
+                <a:gridCol w="2489199">
+                  <a:extLst>
+                    <a:ext uri="{9D8B030D-6E8A-4147-A177-3AD203B41FA5}">
+                      <a16:colId xmlns:a16="http://schemas.microsoft.com/office/drawing/2014/main" val="3068389032"/>
+                    </a:ext>
+                  </a:extLst>
+                </a:gridCol>
+              </a:tblGrid>
+              <a:tr h="3096474">
+                <a:tc>
+                  <a:txBody>
+                    <a:bodyPr/>
+                    <a:lstStyle/>
+                    <a:p>
+                      <a:pPr algn="ctr"/>
+                      <a:r>
+                        <a:rPr lang="pt-BR" b="1" dirty="0" smtClean="0"/>
+                        <a:t>&lt;h3&gt;</a:t>
+                      </a:r>
+                    </a:p>
+                    <a:p>
+                      <a:pPr algn="ctr"/>
+                      <a:r>
+                        <a:rPr lang="pt-BR" dirty="0" err="1" smtClean="0"/>
+                        <a:t>Ul</a:t>
+                      </a:r>
+                      <a:r>
+                        <a:rPr lang="pt-BR" dirty="0" smtClean="0"/>
+                        <a:t> de links</a:t>
+                      </a:r>
+                      <a:endParaRPr lang="pt-BR" dirty="0"/>
+                    </a:p>
+                  </a:txBody>
+                  <a:tcPr anchor="ctr">
+                    <a:lnL w="12700" cap="flat" cmpd="sng" algn="ctr">
+                      <a:solidFill>
+                        <a:schemeClr val="accent6"/>
+                      </a:solidFill>
+                      <a:prstDash val="solid"/>
+                      <a:round/>
+                      <a:headEnd type="none" w="med" len="med"/>
+                      <a:tailEnd type="none" w="med" len="med"/>
+                    </a:lnL>
+                    <a:lnR w="12700" cap="flat" cmpd="sng" algn="ctr">
+                      <a:solidFill>
+                        <a:schemeClr val="accent6"/>
+                      </a:solidFill>
+                      <a:prstDash val="solid"/>
+                      <a:round/>
+                      <a:headEnd type="none" w="med" len="med"/>
+                      <a:tailEnd type="none" w="med" len="med"/>
+                    </a:lnR>
+                    <a:lnT w="12700" cap="flat" cmpd="sng" algn="ctr">
+                      <a:solidFill>
+                        <a:schemeClr val="accent6"/>
+                      </a:solidFill>
+                      <a:prstDash val="solid"/>
+                      <a:round/>
+                      <a:headEnd type="none" w="med" len="med"/>
+                      <a:tailEnd type="none" w="med" len="med"/>
+                    </a:lnT>
+                    <a:lnB w="12700" cap="flat" cmpd="sng" algn="ctr">
+                      <a:solidFill>
+                        <a:schemeClr val="accent6"/>
+                      </a:solidFill>
+                      <a:prstDash val="solid"/>
+                      <a:round/>
+                      <a:headEnd type="none" w="med" len="med"/>
+                      <a:tailEnd type="none" w="med" len="med"/>
+                    </a:lnB>
+                  </a:tcPr>
+                </a:tc>
+                <a:tc>
+                  <a:txBody>
+                    <a:bodyPr/>
+                    <a:lstStyle/>
+                    <a:p>
+                      <a:pPr algn="ctr"/>
+                      <a:r>
+                        <a:rPr lang="pt-BR" dirty="0" smtClean="0"/>
+                        <a:t>&lt;IMG&gt;</a:t>
+                      </a:r>
+                      <a:endParaRPr lang="pt-BR" dirty="0"/>
+                    </a:p>
+                  </a:txBody>
+                  <a:tcPr anchor="ctr">
+                    <a:lnL w="12700" cap="flat" cmpd="sng" algn="ctr">
+                      <a:solidFill>
+                        <a:schemeClr val="accent6"/>
+                      </a:solidFill>
+                      <a:prstDash val="solid"/>
+                      <a:round/>
+                      <a:headEnd type="none" w="med" len="med"/>
+                      <a:tailEnd type="none" w="med" len="med"/>
+                    </a:lnL>
+                    <a:lnR w="12700" cap="flat" cmpd="sng" algn="ctr">
+                      <a:solidFill>
+                        <a:schemeClr val="accent6"/>
+                      </a:solidFill>
+                      <a:prstDash val="solid"/>
+                      <a:round/>
+                      <a:headEnd type="none" w="med" len="med"/>
+                      <a:tailEnd type="none" w="med" len="med"/>
+                    </a:lnR>
+                    <a:lnT w="12700" cap="flat" cmpd="sng" algn="ctr">
+                      <a:solidFill>
+                        <a:schemeClr val="accent6"/>
+                      </a:solidFill>
+                      <a:prstDash val="solid"/>
+                      <a:round/>
+                      <a:headEnd type="none" w="med" len="med"/>
+                      <a:tailEnd type="none" w="med" len="med"/>
+                    </a:lnT>
+                    <a:lnB w="12700" cap="flat" cmpd="sng" algn="ctr">
+                      <a:solidFill>
+                        <a:schemeClr val="accent6"/>
+                      </a:solidFill>
+                      <a:prstDash val="solid"/>
+                      <a:round/>
+                      <a:headEnd type="none" w="med" len="med"/>
+                      <a:tailEnd type="none" w="med" len="med"/>
+                    </a:lnB>
+                  </a:tcPr>
+                </a:tc>
+                <a:extLst>
+                  <a:ext uri="{0D108BD9-81ED-4DB2-BD59-A6C34878D82A}">
+                    <a16:rowId xmlns:a16="http://schemas.microsoft.com/office/drawing/2014/main" val="102631529"/>
+                  </a:ext>
+                </a:extLst>
+              </a:tr>
+            </a:tbl>
+          </a:graphicData>
+        </a:graphic>
+      </p:graphicFrame>
+    </p:spTree>
+    <p:extLst>
+      <p:ext uri="{BB962C8B-B14F-4D97-AF65-F5344CB8AC3E}">
+        <p14:creationId xmlns:p14="http://schemas.microsoft.com/office/powerpoint/2010/main" val="4256399712"/>
+      </p:ext>
+    </p:extLst>
+  </p:cSld>
+  <p:clrMapOvr>
+    <a:masterClrMapping/>
+  </p:clrMapOvr>
+</p:sld>
+</file>
+
+<file path=ppt/slides/slide6.xml><?xml version="1.0" encoding="utf-8"?>
+<p:sld xmlns:a="http://schemas.openxmlformats.org/drawingml/2006/main" xmlns:r="http://schemas.openxmlformats.org/officeDocument/2006/relationships" xmlns:p="http://schemas.openxmlformats.org/presentationml/2006/main">
+  <p:cSld>
+    <p:spTree>
+      <p:nvGrpSpPr>
+        <p:cNvPr id="1" name=""/>
+        <p:cNvGrpSpPr/>
+        <p:nvPr/>
+      </p:nvGrpSpPr>
+      <p:grpSpPr>
+        <a:xfrm>
+          <a:off x="0" y="0"/>
+          <a:ext cx="0" cy="0"/>
+          <a:chOff x="0" y="0"/>
+          <a:chExt cx="0" cy="0"/>
+        </a:xfrm>
+      </p:grpSpPr>
+      <p:graphicFrame>
+        <p:nvGraphicFramePr>
+          <p:cNvPr id="4" name="Tabela 3"/>
+          <p:cNvGraphicFramePr>
+            <a:graphicFrameLocks noGrp="1"/>
+          </p:cNvGraphicFramePr>
+          <p:nvPr>
+            <p:extLst>
+              <p:ext uri="{D42A27DB-BD31-4B8C-83A1-F6EECF244321}">
+                <p14:modId xmlns:p14="http://schemas.microsoft.com/office/powerpoint/2010/main" val="3863123884"/>
+              </p:ext>
+            </p:extLst>
+          </p:nvPr>
+        </p:nvGraphicFramePr>
+        <p:xfrm>
+          <a:off x="1335081" y="888997"/>
+          <a:ext cx="5501148" cy="11303003"/>
+        </p:xfrm>
+        <a:graphic>
+          <a:graphicData uri="http://schemas.openxmlformats.org/drawingml/2006/table">
+            <a:tbl>
+              <a:tblPr>
+                <a:tableStyleId>{5C22544A-7EE6-4342-B048-85BDC9FD1C3A}</a:tableStyleId>
+              </a:tblPr>
+              <a:tblGrid>
+                <a:gridCol w="5501148">
+                  <a:extLst>
+                    <a:ext uri="{9D8B030D-6E8A-4147-A177-3AD203B41FA5}">
+                      <a16:colId xmlns:a16="http://schemas.microsoft.com/office/drawing/2014/main" val="1185017373"/>
+                    </a:ext>
+                  </a:extLst>
+                </a:gridCol>
+              </a:tblGrid>
+              <a:tr h="1344241">
+                <a:tc>
+                  <a:txBody>
+                    <a:bodyPr/>
+                    <a:lstStyle/>
+                    <a:p>
+                      <a:pPr algn="ctr"/>
+                      <a:endParaRPr lang="pt-BR" sz="1800" b="1" dirty="0">
+                        <a:solidFill>
+                          <a:schemeClr val="tx1"/>
+                        </a:solidFill>
+                      </a:endParaRPr>
+                    </a:p>
+                  </a:txBody>
+                  <a:tcPr anchor="ctr">
+                    <a:lnL w="12700" cap="flat" cmpd="sng" algn="ctr">
+                      <a:solidFill>
+                        <a:srgbClr val="FF0000"/>
+                      </a:solidFill>
+                      <a:prstDash val="solid"/>
+                      <a:round/>
+                      <a:headEnd type="none" w="med" len="med"/>
+                      <a:tailEnd type="none" w="med" len="med"/>
+                    </a:lnL>
+                    <a:lnR w="12700" cap="flat" cmpd="sng" algn="ctr">
+                      <a:solidFill>
+                        <a:srgbClr val="FF0000"/>
+                      </a:solidFill>
+                      <a:prstDash val="solid"/>
+                      <a:round/>
+                      <a:headEnd type="none" w="med" len="med"/>
+                      <a:tailEnd type="none" w="med" len="med"/>
+                    </a:lnR>
+                    <a:lnT w="12700" cap="flat" cmpd="sng" algn="ctr">
+                      <a:solidFill>
+                        <a:srgbClr val="FF0000"/>
+                      </a:solidFill>
+                      <a:prstDash val="solid"/>
+                      <a:round/>
+                      <a:headEnd type="none" w="med" len="med"/>
+                      <a:tailEnd type="none" w="med" len="med"/>
+                    </a:lnT>
+                    <a:lnB w="12700" cap="flat" cmpd="sng" algn="ctr">
+                      <a:solidFill>
+                        <a:srgbClr val="FF0000"/>
+                      </a:solidFill>
+                      <a:prstDash val="solid"/>
+                      <a:round/>
+                      <a:headEnd type="none" w="med" len="med"/>
+                      <a:tailEnd type="none" w="med" len="med"/>
+                    </a:lnB>
+                  </a:tcPr>
+                </a:tc>
+                <a:extLst>
+                  <a:ext uri="{0D108BD9-81ED-4DB2-BD59-A6C34878D82A}">
+                    <a16:rowId xmlns:a16="http://schemas.microsoft.com/office/drawing/2014/main" val="3738730398"/>
+                  </a:ext>
+                </a:extLst>
+              </a:tr>
+              <a:tr h="2412091">
+                <a:tc>
+                  <a:txBody>
+                    <a:bodyPr/>
+                    <a:lstStyle/>
+                    <a:p>
+                      <a:pPr algn="ctr"/>
+                      <a:endParaRPr lang="pt-BR" sz="1800" b="0" dirty="0">
+                        <a:solidFill>
+                          <a:schemeClr val="tx1"/>
+                        </a:solidFill>
+                      </a:endParaRPr>
+                    </a:p>
+                  </a:txBody>
+                  <a:tcPr anchor="ctr">
+                    <a:lnL w="12700" cap="flat" cmpd="sng" algn="ctr">
+                      <a:solidFill>
+                        <a:srgbClr val="FF0000"/>
+                      </a:solidFill>
+                      <a:prstDash val="solid"/>
+                      <a:round/>
+                      <a:headEnd type="none" w="med" len="med"/>
+                      <a:tailEnd type="none" w="med" len="med"/>
+                    </a:lnL>
+                    <a:lnR w="12700" cap="flat" cmpd="sng" algn="ctr">
+                      <a:solidFill>
+                        <a:srgbClr val="FF0000"/>
+                      </a:solidFill>
+                      <a:prstDash val="solid"/>
+                      <a:round/>
+                      <a:headEnd type="none" w="med" len="med"/>
+                      <a:tailEnd type="none" w="med" len="med"/>
+                    </a:lnR>
+                    <a:lnT w="12700" cap="flat" cmpd="sng" algn="ctr">
+                      <a:solidFill>
+                        <a:srgbClr val="FF0000"/>
+                      </a:solidFill>
+                      <a:prstDash val="solid"/>
+                      <a:round/>
+                      <a:headEnd type="none" w="med" len="med"/>
+                      <a:tailEnd type="none" w="med" len="med"/>
+                    </a:lnT>
+                    <a:lnB w="12700" cap="flat" cmpd="sng" algn="ctr">
+                      <a:solidFill>
+                        <a:srgbClr val="FF0000"/>
+                      </a:solidFill>
+                      <a:prstDash val="solid"/>
+                      <a:round/>
+                      <a:headEnd type="none" w="med" len="med"/>
+                      <a:tailEnd type="none" w="med" len="med"/>
+                    </a:lnB>
+                  </a:tcPr>
+                </a:tc>
+                <a:extLst>
+                  <a:ext uri="{0D108BD9-81ED-4DB2-BD59-A6C34878D82A}">
+                    <a16:rowId xmlns:a16="http://schemas.microsoft.com/office/drawing/2014/main" val="3139792909"/>
+                  </a:ext>
+                </a:extLst>
+              </a:tr>
+              <a:tr h="1929234">
+                <a:tc>
+                  <a:txBody>
+                    <a:bodyPr/>
+                    <a:lstStyle/>
+                    <a:p>
+                      <a:pPr algn="ctr"/>
+                      <a:endParaRPr lang="pt-BR" sz="1800" b="0" dirty="0">
+                        <a:solidFill>
+                          <a:schemeClr val="tx1"/>
+                        </a:solidFill>
+                      </a:endParaRPr>
+                    </a:p>
+                  </a:txBody>
+                  <a:tcPr anchor="ctr">
+                    <a:lnL w="12700" cap="flat" cmpd="sng" algn="ctr">
+                      <a:solidFill>
+                        <a:srgbClr val="FF0000"/>
+                      </a:solidFill>
+                      <a:prstDash val="solid"/>
+                      <a:round/>
+                      <a:headEnd type="none" w="med" len="med"/>
+                      <a:tailEnd type="none" w="med" len="med"/>
+                    </a:lnL>
+                    <a:lnR w="12700" cap="flat" cmpd="sng" algn="ctr">
+                      <a:solidFill>
+                        <a:srgbClr val="FF0000"/>
+                      </a:solidFill>
+                      <a:prstDash val="solid"/>
+                      <a:round/>
+                      <a:headEnd type="none" w="med" len="med"/>
+                      <a:tailEnd type="none" w="med" len="med"/>
+                    </a:lnR>
+                    <a:lnT w="12700" cap="flat" cmpd="sng" algn="ctr">
+                      <a:solidFill>
+                        <a:srgbClr val="FF0000"/>
+                      </a:solidFill>
+                      <a:prstDash val="solid"/>
+                      <a:round/>
+                      <a:headEnd type="none" w="med" len="med"/>
+                      <a:tailEnd type="none" w="med" len="med"/>
+                    </a:lnT>
+                    <a:lnB w="12700" cap="flat" cmpd="sng" algn="ctr">
+                      <a:solidFill>
+                        <a:srgbClr val="FF0000"/>
+                      </a:solidFill>
+                      <a:prstDash val="solid"/>
+                      <a:round/>
+                      <a:headEnd type="none" w="med" len="med"/>
+                      <a:tailEnd type="none" w="med" len="med"/>
+                    </a:lnB>
+                  </a:tcPr>
+                </a:tc>
+                <a:extLst>
+                  <a:ext uri="{0D108BD9-81ED-4DB2-BD59-A6C34878D82A}">
+                    <a16:rowId xmlns:a16="http://schemas.microsoft.com/office/drawing/2014/main" val="3518920325"/>
+                  </a:ext>
+                </a:extLst>
+              </a:tr>
+              <a:tr h="4151215">
+                <a:tc>
+                  <a:txBody>
+                    <a:bodyPr/>
+                    <a:lstStyle/>
+                    <a:p>
+                      <a:pPr algn="ctr"/>
+                      <a:endParaRPr lang="pt-BR" sz="1800" b="1" dirty="0">
+                        <a:solidFill>
+                          <a:schemeClr val="tx1"/>
+                        </a:solidFill>
+                      </a:endParaRPr>
+                    </a:p>
+                  </a:txBody>
+                  <a:tcPr anchor="ctr">
+                    <a:lnL w="12700" cap="flat" cmpd="sng" algn="ctr">
+                      <a:solidFill>
+                        <a:srgbClr val="FF0000"/>
+                      </a:solidFill>
+                      <a:prstDash val="solid"/>
+                      <a:round/>
+                      <a:headEnd type="none" w="med" len="med"/>
+                      <a:tailEnd type="none" w="med" len="med"/>
+                    </a:lnL>
+                    <a:lnR w="12700" cap="flat" cmpd="sng" algn="ctr">
+                      <a:solidFill>
+                        <a:srgbClr val="FF0000"/>
+                      </a:solidFill>
+                      <a:prstDash val="solid"/>
+                      <a:round/>
+                      <a:headEnd type="none" w="med" len="med"/>
+                      <a:tailEnd type="none" w="med" len="med"/>
+                    </a:lnR>
+                    <a:lnT w="12700" cap="flat" cmpd="sng" algn="ctr">
+                      <a:solidFill>
+                        <a:srgbClr val="FF0000"/>
+                      </a:solidFill>
+                      <a:prstDash val="solid"/>
+                      <a:round/>
+                      <a:headEnd type="none" w="med" len="med"/>
+                      <a:tailEnd type="none" w="med" len="med"/>
+                    </a:lnT>
+                    <a:lnB w="12700" cap="flat" cmpd="sng" algn="ctr">
+                      <a:solidFill>
+                        <a:srgbClr val="FF0000"/>
+                      </a:solidFill>
+                      <a:prstDash val="solid"/>
+                      <a:round/>
+                      <a:headEnd type="none" w="med" len="med"/>
+                      <a:tailEnd type="none" w="med" len="med"/>
+                    </a:lnB>
+                  </a:tcPr>
+                </a:tc>
+                <a:extLst>
+                  <a:ext uri="{0D108BD9-81ED-4DB2-BD59-A6C34878D82A}">
+                    <a16:rowId xmlns:a16="http://schemas.microsoft.com/office/drawing/2014/main" val="902013628"/>
+                  </a:ext>
+                </a:extLst>
+              </a:tr>
+              <a:tr h="1466222">
+                <a:tc>
+                  <a:txBody>
+                    <a:bodyPr/>
+                    <a:lstStyle/>
+                    <a:p>
+                      <a:pPr algn="ctr"/>
+                      <a:endParaRPr lang="pt-BR" sz="1800" b="1" dirty="0">
+                        <a:solidFill>
+                          <a:schemeClr val="tx1"/>
+                        </a:solidFill>
+                      </a:endParaRPr>
+                    </a:p>
+                  </a:txBody>
+                  <a:tcPr anchor="ctr">
+                    <a:lnL w="12700" cap="flat" cmpd="sng" algn="ctr">
+                      <a:solidFill>
+                        <a:srgbClr val="FF0000"/>
+                      </a:solidFill>
+                      <a:prstDash val="solid"/>
+                      <a:round/>
+                      <a:headEnd type="none" w="med" len="med"/>
+                      <a:tailEnd type="none" w="med" len="med"/>
+                    </a:lnL>
+                    <a:lnR w="12700" cap="flat" cmpd="sng" algn="ctr">
+                      <a:solidFill>
+                        <a:srgbClr val="FF0000"/>
+                      </a:solidFill>
+                      <a:prstDash val="solid"/>
+                      <a:round/>
+                      <a:headEnd type="none" w="med" len="med"/>
+                      <a:tailEnd type="none" w="med" len="med"/>
+                    </a:lnR>
+                    <a:lnT w="12700" cap="flat" cmpd="sng" algn="ctr">
+                      <a:solidFill>
+                        <a:srgbClr val="FF0000"/>
+                      </a:solidFill>
+                      <a:prstDash val="solid"/>
+                      <a:round/>
+                      <a:headEnd type="none" w="med" len="med"/>
+                      <a:tailEnd type="none" w="med" len="med"/>
+                    </a:lnT>
+                    <a:lnB w="12700" cap="flat" cmpd="sng" algn="ctr">
+                      <a:solidFill>
+                        <a:srgbClr val="FF0000"/>
+                      </a:solidFill>
+                      <a:prstDash val="solid"/>
+                      <a:round/>
+                      <a:headEnd type="none" w="med" len="med"/>
+                      <a:tailEnd type="none" w="med" len="med"/>
+                    </a:lnB>
+                  </a:tcPr>
+                </a:tc>
+                <a:extLst>
+                  <a:ext uri="{0D108BD9-81ED-4DB2-BD59-A6C34878D82A}">
+                    <a16:rowId xmlns:a16="http://schemas.microsoft.com/office/drawing/2014/main" val="1345892478"/>
+                  </a:ext>
+                </a:extLst>
+              </a:tr>
+            </a:tbl>
+          </a:graphicData>
+        </a:graphic>
+      </p:graphicFrame>
+      <p:sp>
+        <p:nvSpPr>
+          <p:cNvPr id="13" name="CaixaDeTexto 12"/>
+          <p:cNvSpPr txBox="1"/>
+          <p:nvPr/>
+        </p:nvSpPr>
+        <p:spPr>
+          <a:xfrm>
+            <a:off x="1335081" y="1394499"/>
+            <a:ext cx="5433267" cy="769441"/>
+          </a:xfrm>
+          <a:prstGeom prst="rect">
+            <a:avLst/>
+          </a:prstGeom>
+          <a:noFill/>
+        </p:spPr>
+        <p:txBody>
+          <a:bodyPr wrap="square" rtlCol="0">
+            <a:spAutoFit/>
+          </a:bodyPr>
+          <a:lstStyle/>
+          <a:p>
+            <a:pPr algn="ctr"/>
+            <a:r>
+              <a:rPr lang="pt-BR" sz="4400" dirty="0" smtClean="0"/>
+              <a:t>&lt;</a:t>
+            </a:r>
+            <a:r>
+              <a:rPr lang="pt-BR" sz="4400" dirty="0" smtClean="0"/>
+              <a:t>header&gt;</a:t>
+            </a:r>
+            <a:endParaRPr lang="pt-BR" sz="4400" dirty="0"/>
+          </a:p>
+        </p:txBody>
+      </p:sp>
+      <p:graphicFrame>
+        <p:nvGraphicFramePr>
+          <p:cNvPr id="6" name="Tabela 5"/>
+          <p:cNvGraphicFramePr>
+            <a:graphicFrameLocks noGrp="1"/>
+          </p:cNvGraphicFramePr>
+          <p:nvPr>
+            <p:extLst>
+              <p:ext uri="{D42A27DB-BD31-4B8C-83A1-F6EECF244321}">
+                <p14:modId xmlns:p14="http://schemas.microsoft.com/office/powerpoint/2010/main" val="419680329"/>
+              </p:ext>
+            </p:extLst>
+          </p:nvPr>
+        </p:nvGraphicFramePr>
+        <p:xfrm>
+          <a:off x="1618224" y="2460540"/>
+          <a:ext cx="4978398" cy="1944538"/>
+        </p:xfrm>
+        <a:graphic>
+          <a:graphicData uri="http://schemas.openxmlformats.org/drawingml/2006/table">
+            <a:tbl>
+              <a:tblPr>
+                <a:tableStyleId>{775DCB02-9BB8-47FD-8907-85C794F793BA}</a:tableStyleId>
+              </a:tblPr>
+              <a:tblGrid>
+                <a:gridCol w="2489199">
+                  <a:extLst>
+                    <a:ext uri="{9D8B030D-6E8A-4147-A177-3AD203B41FA5}">
+                      <a16:colId xmlns:a16="http://schemas.microsoft.com/office/drawing/2014/main" val="638915778"/>
+                    </a:ext>
+                  </a:extLst>
+                </a:gridCol>
+                <a:gridCol w="2489199">
+                  <a:extLst>
+                    <a:ext uri="{9D8B030D-6E8A-4147-A177-3AD203B41FA5}">
+                      <a16:colId xmlns:a16="http://schemas.microsoft.com/office/drawing/2014/main" val="3068389032"/>
+                    </a:ext>
+                  </a:extLst>
+                </a:gridCol>
+              </a:tblGrid>
+              <a:tr h="306949">
+                <a:tc gridSpan="2">
+                  <a:txBody>
+                    <a:bodyPr/>
+                    <a:lstStyle/>
+                    <a:p>
+                      <a:pPr algn="ctr"/>
+                      <a:r>
+                        <a:rPr lang="pt-BR" dirty="0" smtClean="0"/>
+                        <a:t>&lt;h2&gt;</a:t>
+                      </a:r>
+                      <a:endParaRPr lang="pt-BR" dirty="0"/>
+                    </a:p>
+                  </a:txBody>
+                  <a:tcPr anchor="ctr">
+                    <a:lnL w="12700" cap="flat" cmpd="sng" algn="ctr">
+                      <a:solidFill>
+                        <a:schemeClr val="accent1"/>
+                      </a:solidFill>
+                      <a:prstDash val="solid"/>
+                      <a:round/>
+                      <a:headEnd type="none" w="med" len="med"/>
+                      <a:tailEnd type="none" w="med" len="med"/>
+                    </a:lnL>
+                    <a:lnR w="12700" cap="flat" cmpd="sng" algn="ctr">
+                      <a:solidFill>
+                        <a:schemeClr val="accent1"/>
+                      </a:solidFill>
+                      <a:prstDash val="solid"/>
+                      <a:round/>
+                      <a:headEnd type="none" w="med" len="med"/>
+                      <a:tailEnd type="none" w="med" len="med"/>
+                    </a:lnR>
+                    <a:lnT w="12700" cap="flat" cmpd="sng" algn="ctr">
+                      <a:solidFill>
+                        <a:schemeClr val="accent1"/>
+                      </a:solidFill>
+                      <a:prstDash val="solid"/>
+                      <a:round/>
+                      <a:headEnd type="none" w="med" len="med"/>
+                      <a:tailEnd type="none" w="med" len="med"/>
+                    </a:lnT>
+                    <a:lnB w="12700" cap="flat" cmpd="sng" algn="ctr">
+                      <a:solidFill>
+                        <a:schemeClr val="accent1"/>
+                      </a:solidFill>
+                      <a:prstDash val="solid"/>
+                      <a:round/>
+                      <a:headEnd type="none" w="med" len="med"/>
+                      <a:tailEnd type="none" w="med" len="med"/>
+                    </a:lnB>
+                  </a:tcPr>
+                </a:tc>
+                <a:tc hMerge="1">
+                  <a:txBody>
+                    <a:bodyPr/>
+                    <a:lstStyle/>
+                    <a:p>
+                      <a:pPr algn="ctr"/>
+                      <a:endParaRPr lang="pt-BR" dirty="0"/>
+                    </a:p>
+                  </a:txBody>
+                  <a:tcPr anchor="ctr">
+                    <a:lnL w="12700" cap="flat" cmpd="sng" algn="ctr">
+                      <a:solidFill>
+                        <a:schemeClr val="accent1"/>
+                      </a:solidFill>
+                      <a:prstDash val="solid"/>
+                      <a:round/>
+                      <a:headEnd type="none" w="med" len="med"/>
+                      <a:tailEnd type="none" w="med" len="med"/>
+                    </a:lnL>
+                    <a:lnR w="12700" cap="flat" cmpd="sng" algn="ctr">
+                      <a:solidFill>
+                        <a:schemeClr val="accent1"/>
+                      </a:solidFill>
+                      <a:prstDash val="solid"/>
+                      <a:round/>
+                      <a:headEnd type="none" w="med" len="med"/>
+                      <a:tailEnd type="none" w="med" len="med"/>
+                    </a:lnR>
+                    <a:lnT w="12700" cap="flat" cmpd="sng" algn="ctr">
+                      <a:solidFill>
+                        <a:schemeClr val="accent1"/>
+                      </a:solidFill>
+                      <a:prstDash val="solid"/>
+                      <a:round/>
+                      <a:headEnd type="none" w="med" len="med"/>
+                      <a:tailEnd type="none" w="med" len="med"/>
+                    </a:lnT>
+                    <a:lnB w="12700" cap="flat" cmpd="sng" algn="ctr">
+                      <a:solidFill>
+                        <a:schemeClr val="accent1"/>
+                      </a:solidFill>
+                      <a:prstDash val="solid"/>
+                      <a:round/>
+                      <a:headEnd type="none" w="med" len="med"/>
+                      <a:tailEnd type="none" w="med" len="med"/>
+                    </a:lnB>
+                  </a:tcPr>
+                </a:tc>
+                <a:extLst>
+                  <a:ext uri="{0D108BD9-81ED-4DB2-BD59-A6C34878D82A}">
+                    <a16:rowId xmlns:a16="http://schemas.microsoft.com/office/drawing/2014/main" val="1463797561"/>
+                  </a:ext>
+                </a:extLst>
+              </a:tr>
+              <a:tr h="1637589">
+                <a:tc>
+                  <a:txBody>
+                    <a:bodyPr/>
+                    <a:lstStyle/>
+                    <a:p>
+                      <a:pPr algn="ctr"/>
+                      <a:r>
+                        <a:rPr lang="pt-BR" b="1" dirty="0" smtClean="0"/>
+                        <a:t>&lt;p&gt;</a:t>
+                      </a:r>
+                      <a:endParaRPr lang="pt-BR" dirty="0"/>
+                    </a:p>
+                  </a:txBody>
+                  <a:tcPr anchor="ctr">
+                    <a:lnL w="12700" cap="flat" cmpd="sng" algn="ctr">
+                      <a:solidFill>
+                        <a:schemeClr val="accent1"/>
+                      </a:solidFill>
+                      <a:prstDash val="solid"/>
+                      <a:round/>
+                      <a:headEnd type="none" w="med" len="med"/>
+                      <a:tailEnd type="none" w="med" len="med"/>
+                    </a:lnL>
+                    <a:lnR w="12700" cap="flat" cmpd="sng" algn="ctr">
+                      <a:solidFill>
+                        <a:schemeClr val="accent1"/>
+                      </a:solidFill>
+                      <a:prstDash val="solid"/>
+                      <a:round/>
+                      <a:headEnd type="none" w="med" len="med"/>
+                      <a:tailEnd type="none" w="med" len="med"/>
+                    </a:lnR>
+                    <a:lnT w="12700" cap="flat" cmpd="sng" algn="ctr">
+                      <a:solidFill>
+                        <a:schemeClr val="accent1"/>
+                      </a:solidFill>
+                      <a:prstDash val="solid"/>
+                      <a:round/>
+                      <a:headEnd type="none" w="med" len="med"/>
+                      <a:tailEnd type="none" w="med" len="med"/>
+                    </a:lnT>
+                    <a:lnB w="12700" cap="flat" cmpd="sng" algn="ctr">
+                      <a:solidFill>
+                        <a:schemeClr val="accent1"/>
+                      </a:solidFill>
+                      <a:prstDash val="solid"/>
+                      <a:round/>
+                      <a:headEnd type="none" w="med" len="med"/>
+                      <a:tailEnd type="none" w="med" len="med"/>
+                    </a:lnB>
+                  </a:tcPr>
+                </a:tc>
+                <a:tc>
+                  <a:txBody>
+                    <a:bodyPr/>
+                    <a:lstStyle/>
+                    <a:p>
+                      <a:pPr algn="ctr"/>
+                      <a:r>
+                        <a:rPr lang="pt-BR" dirty="0" smtClean="0"/>
+                        <a:t>&lt;p&gt;</a:t>
+                      </a:r>
+                      <a:endParaRPr lang="pt-BR" dirty="0"/>
+                    </a:p>
+                  </a:txBody>
+                  <a:tcPr anchor="ctr">
+                    <a:lnL w="12700" cap="flat" cmpd="sng" algn="ctr">
+                      <a:solidFill>
+                        <a:schemeClr val="accent1"/>
+                      </a:solidFill>
+                      <a:prstDash val="solid"/>
+                      <a:round/>
+                      <a:headEnd type="none" w="med" len="med"/>
+                      <a:tailEnd type="none" w="med" len="med"/>
+                    </a:lnL>
+                    <a:lnR w="12700" cap="flat" cmpd="sng" algn="ctr">
+                      <a:solidFill>
+                        <a:schemeClr val="accent1"/>
+                      </a:solidFill>
+                      <a:prstDash val="solid"/>
+                      <a:round/>
+                      <a:headEnd type="none" w="med" len="med"/>
+                      <a:tailEnd type="none" w="med" len="med"/>
+                    </a:lnR>
+                    <a:lnT w="12700" cap="flat" cmpd="sng" algn="ctr">
+                      <a:solidFill>
+                        <a:schemeClr val="accent1"/>
+                      </a:solidFill>
+                      <a:prstDash val="solid"/>
+                      <a:round/>
+                      <a:headEnd type="none" w="med" len="med"/>
+                      <a:tailEnd type="none" w="med" len="med"/>
+                    </a:lnT>
+                    <a:lnB w="12700" cap="flat" cmpd="sng" algn="ctr">
+                      <a:solidFill>
+                        <a:schemeClr val="accent1"/>
+                      </a:solidFill>
+                      <a:prstDash val="solid"/>
+                      <a:round/>
+                      <a:headEnd type="none" w="med" len="med"/>
+                      <a:tailEnd type="none" w="med" len="med"/>
+                    </a:lnB>
+                  </a:tcPr>
+                </a:tc>
+                <a:extLst>
+                  <a:ext uri="{0D108BD9-81ED-4DB2-BD59-A6C34878D82A}">
+                    <a16:rowId xmlns:a16="http://schemas.microsoft.com/office/drawing/2014/main" val="102631529"/>
+                  </a:ext>
+                </a:extLst>
+              </a:tr>
+            </a:tbl>
+          </a:graphicData>
+        </a:graphic>
+      </p:graphicFrame>
+      <p:sp>
+        <p:nvSpPr>
+          <p:cNvPr id="7" name="CaixaDeTexto 6"/>
+          <p:cNvSpPr txBox="1"/>
+          <p:nvPr/>
+        </p:nvSpPr>
+        <p:spPr>
+          <a:xfrm>
+            <a:off x="2640135" y="79920"/>
+            <a:ext cx="2823157" cy="707886"/>
+          </a:xfrm>
+          <a:prstGeom prst="rect">
+            <a:avLst/>
+          </a:prstGeom>
+          <a:noFill/>
+        </p:spPr>
+        <p:txBody>
+          <a:bodyPr wrap="square" rtlCol="0">
+            <a:spAutoFit/>
+          </a:bodyPr>
+          <a:lstStyle/>
+          <a:p>
+            <a:pPr algn="ctr"/>
+            <a:r>
+              <a:rPr lang="pt-BR" sz="4000" b="1" dirty="0" smtClean="0"/>
+              <a:t>SOBRE</a:t>
+            </a:r>
+            <a:endParaRPr lang="pt-BR" sz="4000" b="1" dirty="0"/>
+          </a:p>
+        </p:txBody>
+      </p:sp>
+      <p:sp>
+        <p:nvSpPr>
+          <p:cNvPr id="9" name="CaixaDeTexto 8"/>
+          <p:cNvSpPr txBox="1"/>
+          <p:nvPr/>
+        </p:nvSpPr>
+        <p:spPr>
+          <a:xfrm>
+            <a:off x="0" y="1425276"/>
+            <a:ext cx="1229530" cy="738664"/>
+          </a:xfrm>
+          <a:prstGeom prst="rect">
+            <a:avLst/>
+          </a:prstGeom>
+          <a:noFill/>
+        </p:spPr>
+        <p:txBody>
+          <a:bodyPr wrap="square" rtlCol="0">
+            <a:spAutoFit/>
+          </a:bodyPr>
+          <a:lstStyle/>
+          <a:p>
+            <a:r>
+              <a:rPr lang="pt-BR" sz="1400" b="1" dirty="0" smtClean="0">
+                <a:solidFill>
+                  <a:srgbClr val="FF0000"/>
+                </a:solidFill>
+              </a:rPr>
+              <a:t>GRID PAI</a:t>
+            </a:r>
+            <a:r>
+              <a:rPr lang="pt-BR" sz="1400" dirty="0" smtClean="0">
+                <a:solidFill>
+                  <a:srgbClr val="FF0000"/>
+                </a:solidFill>
+              </a:rPr>
+              <a:t/>
+            </a:r>
+            <a:br>
+              <a:rPr lang="pt-BR" sz="1400" dirty="0" smtClean="0">
+                <a:solidFill>
+                  <a:srgbClr val="FF0000"/>
+                </a:solidFill>
+              </a:rPr>
+            </a:br>
+            <a:r>
+              <a:rPr lang="pt-BR" sz="1400" dirty="0" smtClean="0">
+                <a:solidFill>
+                  <a:srgbClr val="FF0000"/>
+                </a:solidFill>
+              </a:rPr>
+              <a:t>5 </a:t>
+            </a:r>
+            <a:r>
+              <a:rPr lang="pt-BR" sz="1400" dirty="0" smtClean="0">
+                <a:solidFill>
+                  <a:srgbClr val="FF0000"/>
+                </a:solidFill>
+              </a:rPr>
+              <a:t>LINHAS</a:t>
+            </a:r>
+            <a:br>
+              <a:rPr lang="pt-BR" sz="1400" dirty="0" smtClean="0">
+                <a:solidFill>
+                  <a:srgbClr val="FF0000"/>
+                </a:solidFill>
+              </a:rPr>
+            </a:br>
+            <a:r>
+              <a:rPr lang="pt-BR" sz="1400" dirty="0" smtClean="0">
+                <a:solidFill>
+                  <a:srgbClr val="FF0000"/>
+                </a:solidFill>
+              </a:rPr>
+              <a:t>0 COLUNAS </a:t>
+            </a:r>
+            <a:endParaRPr lang="pt-BR" sz="1400" dirty="0">
+              <a:solidFill>
+                <a:srgbClr val="FF0000"/>
+              </a:solidFill>
+            </a:endParaRPr>
+          </a:p>
+        </p:txBody>
+      </p:sp>
+      <p:sp>
+        <p:nvSpPr>
+          <p:cNvPr id="11" name="CaixaDeTexto 10"/>
+          <p:cNvSpPr txBox="1"/>
+          <p:nvPr/>
+        </p:nvSpPr>
+        <p:spPr>
+          <a:xfrm>
+            <a:off x="41396" y="3267405"/>
+            <a:ext cx="1229530" cy="738664"/>
+          </a:xfrm>
+          <a:prstGeom prst="rect">
+            <a:avLst/>
+          </a:prstGeom>
+          <a:noFill/>
+        </p:spPr>
+        <p:txBody>
+          <a:bodyPr wrap="square" rtlCol="0">
+            <a:spAutoFit/>
+          </a:bodyPr>
+          <a:lstStyle/>
+          <a:p>
+            <a:r>
+              <a:rPr lang="pt-BR" sz="1400" b="1" dirty="0" smtClean="0">
+                <a:solidFill>
+                  <a:schemeClr val="accent1"/>
+                </a:solidFill>
+              </a:rPr>
+              <a:t>GRID</a:t>
+            </a:r>
+            <a:r>
+              <a:rPr lang="pt-BR" sz="1400" dirty="0" smtClean="0">
+                <a:solidFill>
+                  <a:schemeClr val="accent1"/>
+                </a:solidFill>
+              </a:rPr>
+              <a:t/>
+            </a:r>
+            <a:br>
+              <a:rPr lang="pt-BR" sz="1400" dirty="0" smtClean="0">
+                <a:solidFill>
+                  <a:schemeClr val="accent1"/>
+                </a:solidFill>
+              </a:rPr>
+            </a:br>
+            <a:r>
+              <a:rPr lang="pt-BR" sz="1400" dirty="0" smtClean="0">
+                <a:solidFill>
+                  <a:schemeClr val="accent1"/>
+                </a:solidFill>
+              </a:rPr>
+              <a:t>2LINHAS</a:t>
+            </a:r>
+            <a:r>
+              <a:rPr lang="pt-BR" sz="1400" dirty="0" smtClean="0">
+                <a:solidFill>
+                  <a:schemeClr val="accent1"/>
+                </a:solidFill>
+              </a:rPr>
+              <a:t/>
+            </a:r>
+            <a:br>
+              <a:rPr lang="pt-BR" sz="1400" dirty="0" smtClean="0">
+                <a:solidFill>
+                  <a:schemeClr val="accent1"/>
+                </a:solidFill>
+              </a:rPr>
+            </a:br>
+            <a:r>
+              <a:rPr lang="pt-BR" sz="1400" dirty="0">
+                <a:solidFill>
+                  <a:schemeClr val="accent1"/>
+                </a:solidFill>
+              </a:rPr>
+              <a:t>2</a:t>
+            </a:r>
+            <a:r>
+              <a:rPr lang="pt-BR" sz="1400" dirty="0" smtClean="0">
+                <a:solidFill>
+                  <a:schemeClr val="accent1"/>
+                </a:solidFill>
+              </a:rPr>
+              <a:t> </a:t>
+            </a:r>
+            <a:r>
+              <a:rPr lang="pt-BR" sz="1400" dirty="0" smtClean="0">
+                <a:solidFill>
+                  <a:schemeClr val="accent1"/>
+                </a:solidFill>
+              </a:rPr>
+              <a:t>COLUNAS </a:t>
+            </a:r>
+            <a:endParaRPr lang="pt-BR" sz="1400" dirty="0">
+              <a:solidFill>
+                <a:schemeClr val="accent1"/>
+              </a:solidFill>
+            </a:endParaRPr>
+          </a:p>
+        </p:txBody>
+      </p:sp>
+      <p:sp>
+        <p:nvSpPr>
+          <p:cNvPr id="14" name="CaixaDeTexto 13"/>
+          <p:cNvSpPr txBox="1"/>
+          <p:nvPr/>
+        </p:nvSpPr>
+        <p:spPr>
+          <a:xfrm>
+            <a:off x="2695843" y="10921041"/>
+            <a:ext cx="2823157" cy="1015663"/>
+          </a:xfrm>
+          <a:prstGeom prst="rect">
+            <a:avLst/>
+          </a:prstGeom>
+          <a:noFill/>
+        </p:spPr>
+        <p:txBody>
+          <a:bodyPr wrap="square" rtlCol="0">
+            <a:spAutoFit/>
+          </a:bodyPr>
+          <a:lstStyle/>
+          <a:p>
+            <a:r>
+              <a:rPr lang="pt-BR" sz="6000" dirty="0" smtClean="0"/>
+              <a:t>RODAPE</a:t>
+            </a:r>
+            <a:endParaRPr lang="pt-BR" sz="6000" dirty="0"/>
+          </a:p>
+        </p:txBody>
+      </p:sp>
+      <p:cxnSp>
+        <p:nvCxnSpPr>
+          <p:cNvPr id="3" name="Conector reto 2"/>
+          <p:cNvCxnSpPr/>
+          <p:nvPr/>
+        </p:nvCxnSpPr>
+        <p:spPr>
+          <a:xfrm flipH="1" flipV="1">
+            <a:off x="876301" y="1637931"/>
+            <a:ext cx="458780" cy="13190"/>
+          </a:xfrm>
+          <a:prstGeom prst="line">
+            <a:avLst/>
+          </a:prstGeom>
+        </p:spPr>
+        <p:style>
+          <a:lnRef idx="1">
+            <a:schemeClr val="accent2"/>
+          </a:lnRef>
+          <a:fillRef idx="0">
+            <a:schemeClr val="accent2"/>
+          </a:fillRef>
+          <a:effectRef idx="0">
+            <a:schemeClr val="accent2"/>
+          </a:effectRef>
+          <a:fontRef idx="minor">
+            <a:schemeClr val="tx1"/>
+          </a:fontRef>
+        </p:style>
+      </p:cxnSp>
+      <p:cxnSp>
+        <p:nvCxnSpPr>
+          <p:cNvPr id="8" name="Conector reto 7"/>
+          <p:cNvCxnSpPr/>
+          <p:nvPr/>
+        </p:nvCxnSpPr>
+        <p:spPr>
+          <a:xfrm flipH="1">
+            <a:off x="545446" y="3374697"/>
+            <a:ext cx="1081195" cy="43543"/>
+          </a:xfrm>
+          <a:prstGeom prst="line">
+            <a:avLst/>
+          </a:prstGeom>
+        </p:spPr>
+        <p:style>
+          <a:lnRef idx="1">
+            <a:schemeClr val="accent1"/>
+          </a:lnRef>
+          <a:fillRef idx="0">
+            <a:schemeClr val="accent1"/>
+          </a:fillRef>
+          <a:effectRef idx="0">
+            <a:schemeClr val="accent1"/>
+          </a:effectRef>
+          <a:fontRef idx="minor">
+            <a:schemeClr val="tx1"/>
+          </a:fontRef>
+        </p:style>
+      </p:cxnSp>
+      <p:sp>
+        <p:nvSpPr>
+          <p:cNvPr id="17" name="CaixaDeTexto 16"/>
+          <p:cNvSpPr txBox="1"/>
+          <p:nvPr/>
+        </p:nvSpPr>
+        <p:spPr>
+          <a:xfrm>
+            <a:off x="56552" y="8525200"/>
+            <a:ext cx="1229530" cy="738664"/>
+          </a:xfrm>
+          <a:prstGeom prst="rect">
+            <a:avLst/>
+          </a:prstGeom>
+          <a:noFill/>
+        </p:spPr>
+        <p:txBody>
+          <a:bodyPr wrap="square" rtlCol="0">
+            <a:spAutoFit/>
+          </a:bodyPr>
+          <a:lstStyle/>
+          <a:p>
+            <a:r>
+              <a:rPr lang="pt-BR" sz="1400" b="1" dirty="0" smtClean="0">
+                <a:solidFill>
+                  <a:schemeClr val="accent6"/>
+                </a:solidFill>
+              </a:rPr>
+              <a:t>GRID</a:t>
+            </a:r>
+            <a:r>
+              <a:rPr lang="pt-BR" sz="1400" dirty="0" smtClean="0">
+                <a:solidFill>
+                  <a:schemeClr val="accent6"/>
+                </a:solidFill>
+              </a:rPr>
+              <a:t/>
+            </a:r>
+            <a:br>
+              <a:rPr lang="pt-BR" sz="1400" dirty="0" smtClean="0">
+                <a:solidFill>
+                  <a:schemeClr val="accent6"/>
+                </a:solidFill>
+              </a:rPr>
+            </a:br>
+            <a:r>
+              <a:rPr lang="pt-BR" sz="1400" dirty="0" smtClean="0">
+                <a:solidFill>
+                  <a:schemeClr val="accent6"/>
+                </a:solidFill>
+              </a:rPr>
+              <a:t>2 </a:t>
+            </a:r>
+            <a:r>
+              <a:rPr lang="pt-BR" sz="1400" dirty="0" smtClean="0">
+                <a:solidFill>
+                  <a:schemeClr val="accent6"/>
+                </a:solidFill>
+              </a:rPr>
+              <a:t>LINHAS</a:t>
+            </a:r>
+            <a:r>
+              <a:rPr lang="pt-BR" sz="1400" dirty="0" smtClean="0">
+                <a:solidFill>
+                  <a:schemeClr val="accent6"/>
+                </a:solidFill>
+              </a:rPr>
+              <a:t/>
+            </a:r>
+            <a:br>
+              <a:rPr lang="pt-BR" sz="1400" dirty="0" smtClean="0">
+                <a:solidFill>
+                  <a:schemeClr val="accent6"/>
+                </a:solidFill>
+              </a:rPr>
+            </a:br>
+            <a:r>
+              <a:rPr lang="pt-BR" sz="1400" dirty="0" smtClean="0">
+                <a:solidFill>
+                  <a:schemeClr val="accent6"/>
+                </a:solidFill>
+              </a:rPr>
+              <a:t>3 </a:t>
+            </a:r>
+            <a:r>
+              <a:rPr lang="pt-BR" sz="1400" dirty="0" smtClean="0">
+                <a:solidFill>
+                  <a:schemeClr val="accent6"/>
+                </a:solidFill>
+              </a:rPr>
+              <a:t>COLUNAS </a:t>
+            </a:r>
+            <a:endParaRPr lang="pt-BR" sz="1400" dirty="0">
+              <a:solidFill>
+                <a:schemeClr val="accent6"/>
+              </a:solidFill>
+            </a:endParaRPr>
+          </a:p>
+        </p:txBody>
+      </p:sp>
+      <p:cxnSp>
+        <p:nvCxnSpPr>
+          <p:cNvPr id="18" name="Conector reto 17"/>
+          <p:cNvCxnSpPr/>
+          <p:nvPr/>
+        </p:nvCxnSpPr>
+        <p:spPr>
+          <a:xfrm flipH="1">
+            <a:off x="560602" y="8632492"/>
+            <a:ext cx="1081195" cy="43543"/>
+          </a:xfrm>
+          <a:prstGeom prst="line">
+            <a:avLst/>
+          </a:prstGeom>
+        </p:spPr>
+        <p:style>
+          <a:lnRef idx="3">
+            <a:schemeClr val="accent6"/>
+          </a:lnRef>
+          <a:fillRef idx="0">
+            <a:schemeClr val="accent6"/>
+          </a:fillRef>
+          <a:effectRef idx="2">
+            <a:schemeClr val="accent6"/>
+          </a:effectRef>
+          <a:fontRef idx="minor">
+            <a:schemeClr val="tx1"/>
+          </a:fontRef>
+        </p:style>
+      </p:cxnSp>
+      <p:graphicFrame>
+        <p:nvGraphicFramePr>
+          <p:cNvPr id="15" name="Tabela 14"/>
+          <p:cNvGraphicFramePr>
+            <a:graphicFrameLocks noGrp="1"/>
+          </p:cNvGraphicFramePr>
+          <p:nvPr>
+            <p:extLst>
+              <p:ext uri="{D42A27DB-BD31-4B8C-83A1-F6EECF244321}">
+                <p14:modId xmlns:p14="http://schemas.microsoft.com/office/powerpoint/2010/main" val="2613725853"/>
+              </p:ext>
+            </p:extLst>
+          </p:nvPr>
+        </p:nvGraphicFramePr>
+        <p:xfrm>
+          <a:off x="1690796" y="5023629"/>
+          <a:ext cx="4978398" cy="1397402"/>
+        </p:xfrm>
+        <a:graphic>
+          <a:graphicData uri="http://schemas.openxmlformats.org/drawingml/2006/table">
+            <a:tbl>
+              <a:tblPr>
+                <a:tableStyleId>{775DCB02-9BB8-47FD-8907-85C794F793BA}</a:tableStyleId>
+              </a:tblPr>
+              <a:tblGrid>
+                <a:gridCol w="4978398">
+                  <a:extLst>
+                    <a:ext uri="{9D8B030D-6E8A-4147-A177-3AD203B41FA5}">
+                      <a16:colId xmlns:a16="http://schemas.microsoft.com/office/drawing/2014/main" val="638915778"/>
+                    </a:ext>
+                  </a:extLst>
+                </a:gridCol>
+              </a:tblGrid>
+              <a:tr h="1397402">
+                <a:tc>
+                  <a:txBody>
+                    <a:bodyPr/>
+                    <a:lstStyle/>
+                    <a:p>
+                      <a:pPr algn="ctr"/>
+                      <a:r>
+                        <a:rPr lang="pt-BR" dirty="0" err="1" smtClean="0"/>
+                        <a:t>Div</a:t>
+                      </a:r>
+                      <a:r>
+                        <a:rPr lang="pt-BR" baseline="0" dirty="0" smtClean="0"/>
+                        <a:t> { </a:t>
+                      </a:r>
+                      <a:r>
+                        <a:rPr lang="pt-BR" baseline="0" dirty="0" err="1" smtClean="0"/>
+                        <a:t>img</a:t>
+                      </a:r>
+                      <a:r>
+                        <a:rPr lang="pt-BR" baseline="0" dirty="0" smtClean="0"/>
+                        <a:t> }</a:t>
+                      </a:r>
+                      <a:endParaRPr lang="pt-BR" dirty="0"/>
+                    </a:p>
+                  </a:txBody>
+                  <a:tcPr anchor="ctr">
+                    <a:lnL w="12700" cap="flat" cmpd="sng" algn="ctr">
+                      <a:solidFill>
+                        <a:schemeClr val="accent6"/>
+                      </a:solidFill>
+                      <a:prstDash val="solid"/>
+                      <a:round/>
+                      <a:headEnd type="none" w="med" len="med"/>
+                      <a:tailEnd type="none" w="med" len="med"/>
+                    </a:lnL>
+                    <a:lnR w="12700" cap="flat" cmpd="sng" algn="ctr">
+                      <a:solidFill>
+                        <a:schemeClr val="accent6"/>
+                      </a:solidFill>
+                      <a:prstDash val="solid"/>
+                      <a:round/>
+                      <a:headEnd type="none" w="med" len="med"/>
+                      <a:tailEnd type="none" w="med" len="med"/>
+                    </a:lnR>
+                    <a:lnT w="12700" cap="flat" cmpd="sng" algn="ctr">
+                      <a:solidFill>
+                        <a:schemeClr val="accent6"/>
+                      </a:solidFill>
+                      <a:prstDash val="solid"/>
+                      <a:round/>
+                      <a:headEnd type="none" w="med" len="med"/>
+                      <a:tailEnd type="none" w="med" len="med"/>
+                    </a:lnT>
+                    <a:lnB w="12700" cap="flat" cmpd="sng" algn="ctr">
+                      <a:solidFill>
+                        <a:schemeClr val="accent6"/>
+                      </a:solidFill>
+                      <a:prstDash val="solid"/>
+                      <a:round/>
+                      <a:headEnd type="none" w="med" len="med"/>
+                      <a:tailEnd type="none" w="med" len="med"/>
+                    </a:lnB>
+                  </a:tcPr>
+                </a:tc>
+                <a:extLst>
+                  <a:ext uri="{0D108BD9-81ED-4DB2-BD59-A6C34878D82A}">
+                    <a16:rowId xmlns:a16="http://schemas.microsoft.com/office/drawing/2014/main" val="102631529"/>
+                  </a:ext>
+                </a:extLst>
+              </a:tr>
+            </a:tbl>
+          </a:graphicData>
+        </a:graphic>
+      </p:graphicFrame>
+      <p:graphicFrame>
+        <p:nvGraphicFramePr>
+          <p:cNvPr id="16" name="Tabela 15"/>
+          <p:cNvGraphicFramePr>
+            <a:graphicFrameLocks noGrp="1"/>
+          </p:cNvGraphicFramePr>
+          <p:nvPr>
+            <p:extLst>
+              <p:ext uri="{D42A27DB-BD31-4B8C-83A1-F6EECF244321}">
+                <p14:modId xmlns:p14="http://schemas.microsoft.com/office/powerpoint/2010/main" val="2979179597"/>
+              </p:ext>
+            </p:extLst>
+          </p:nvPr>
+        </p:nvGraphicFramePr>
+        <p:xfrm>
+          <a:off x="1749814" y="7333831"/>
+          <a:ext cx="4978398" cy="2463800"/>
+        </p:xfrm>
+        <a:graphic>
+          <a:graphicData uri="http://schemas.openxmlformats.org/drawingml/2006/table">
+            <a:tbl>
+              <a:tblPr>
+                <a:tableStyleId>{775DCB02-9BB8-47FD-8907-85C794F793BA}</a:tableStyleId>
+              </a:tblPr>
+              <a:tblGrid>
+                <a:gridCol w="1659466">
+                  <a:extLst>
+                    <a:ext uri="{9D8B030D-6E8A-4147-A177-3AD203B41FA5}">
+                      <a16:colId xmlns:a16="http://schemas.microsoft.com/office/drawing/2014/main" val="638915778"/>
+                    </a:ext>
+                  </a:extLst>
+                </a:gridCol>
+                <a:gridCol w="1659466">
+                  <a:extLst>
+                    <a:ext uri="{9D8B030D-6E8A-4147-A177-3AD203B41FA5}">
+                      <a16:colId xmlns:a16="http://schemas.microsoft.com/office/drawing/2014/main" val="2924065356"/>
+                    </a:ext>
+                  </a:extLst>
+                </a:gridCol>
+                <a:gridCol w="1659466">
+                  <a:extLst>
+                    <a:ext uri="{9D8B030D-6E8A-4147-A177-3AD203B41FA5}">
+                      <a16:colId xmlns:a16="http://schemas.microsoft.com/office/drawing/2014/main" val="186487111"/>
+                    </a:ext>
+                  </a:extLst>
+                </a:gridCol>
+              </a:tblGrid>
+              <a:tr h="1231900">
+                <a:tc gridSpan="3">
+                  <a:txBody>
+                    <a:bodyPr/>
+                    <a:lstStyle/>
+                    <a:p>
+                      <a:pPr algn="ctr"/>
+                      <a:r>
+                        <a:rPr lang="pt-BR" dirty="0" smtClean="0"/>
+                        <a:t>h2</a:t>
+                      </a:r>
+                      <a:endParaRPr lang="pt-BR" dirty="0"/>
+                    </a:p>
+                  </a:txBody>
+                  <a:tcPr anchor="ctr">
+                    <a:lnL w="12700" cap="flat" cmpd="sng" algn="ctr">
+                      <a:solidFill>
+                        <a:schemeClr val="accent6"/>
+                      </a:solidFill>
+                      <a:prstDash val="solid"/>
+                      <a:round/>
+                      <a:headEnd type="none" w="med" len="med"/>
+                      <a:tailEnd type="none" w="med" len="med"/>
+                    </a:lnL>
+                    <a:lnR w="12700" cap="flat" cmpd="sng" algn="ctr">
+                      <a:solidFill>
+                        <a:schemeClr val="accent6"/>
+                      </a:solidFill>
+                      <a:prstDash val="solid"/>
+                      <a:round/>
+                      <a:headEnd type="none" w="med" len="med"/>
+                      <a:tailEnd type="none" w="med" len="med"/>
+                    </a:lnR>
+                    <a:lnT w="12700" cap="flat" cmpd="sng" algn="ctr">
+                      <a:solidFill>
+                        <a:schemeClr val="accent6"/>
+                      </a:solidFill>
+                      <a:prstDash val="solid"/>
+                      <a:round/>
+                      <a:headEnd type="none" w="med" len="med"/>
+                      <a:tailEnd type="none" w="med" len="med"/>
+                    </a:lnT>
+                    <a:lnB w="12700" cap="flat" cmpd="sng" algn="ctr">
+                      <a:solidFill>
+                        <a:schemeClr val="accent6"/>
+                      </a:solidFill>
+                      <a:prstDash val="solid"/>
+                      <a:round/>
+                      <a:headEnd type="none" w="med" len="med"/>
+                      <a:tailEnd type="none" w="med" len="med"/>
+                    </a:lnB>
+                  </a:tcPr>
+                </a:tc>
+                <a:tc hMerge="1">
+                  <a:txBody>
+                    <a:bodyPr/>
+                    <a:lstStyle/>
+                    <a:p>
+                      <a:endParaRPr lang="pt-BR"/>
+                    </a:p>
+                  </a:txBody>
+                  <a:tcPr/>
+                </a:tc>
+                <a:tc hMerge="1">
+                  <a:txBody>
+                    <a:bodyPr/>
+                    <a:lstStyle/>
+                    <a:p>
+                      <a:endParaRPr lang="pt-BR"/>
+                    </a:p>
+                  </a:txBody>
+                  <a:tcPr/>
+                </a:tc>
+                <a:extLst>
+                  <a:ext uri="{0D108BD9-81ED-4DB2-BD59-A6C34878D82A}">
+                    <a16:rowId xmlns:a16="http://schemas.microsoft.com/office/drawing/2014/main" val="3799385154"/>
+                  </a:ext>
+                </a:extLst>
+              </a:tr>
+              <a:tr h="1231900">
+                <a:tc>
+                  <a:txBody>
+                    <a:bodyPr/>
+                    <a:lstStyle/>
+                    <a:p>
+                      <a:pPr algn="ctr"/>
+                      <a:r>
+                        <a:rPr lang="pt-BR" dirty="0" err="1" smtClean="0"/>
+                        <a:t>Div</a:t>
+                      </a:r>
+                      <a:r>
+                        <a:rPr lang="pt-BR" baseline="0" dirty="0" smtClean="0"/>
+                        <a:t> { </a:t>
+                      </a:r>
+                      <a:r>
+                        <a:rPr lang="pt-BR" baseline="0" dirty="0" err="1" smtClean="0"/>
+                        <a:t>img</a:t>
+                      </a:r>
+                      <a:r>
+                        <a:rPr lang="pt-BR" baseline="0" dirty="0" smtClean="0"/>
+                        <a:t> + h3 + p }</a:t>
+                      </a:r>
+                      <a:endParaRPr lang="pt-BR" dirty="0"/>
+                    </a:p>
+                  </a:txBody>
+                  <a:tcPr anchor="ctr">
+                    <a:lnL w="12700" cap="flat" cmpd="sng" algn="ctr">
+                      <a:solidFill>
+                        <a:schemeClr val="accent6"/>
+                      </a:solidFill>
+                      <a:prstDash val="solid"/>
+                      <a:round/>
+                      <a:headEnd type="none" w="med" len="med"/>
+                      <a:tailEnd type="none" w="med" len="med"/>
+                    </a:lnL>
+                    <a:lnR w="12700" cap="flat" cmpd="sng" algn="ctr">
+                      <a:solidFill>
+                        <a:schemeClr val="accent6"/>
+                      </a:solidFill>
+                      <a:prstDash val="solid"/>
+                      <a:round/>
+                      <a:headEnd type="none" w="med" len="med"/>
+                      <a:tailEnd type="none" w="med" len="med"/>
+                    </a:lnR>
+                    <a:lnT w="12700" cap="flat" cmpd="sng" algn="ctr">
+                      <a:solidFill>
+                        <a:schemeClr val="accent6"/>
+                      </a:solidFill>
+                      <a:prstDash val="solid"/>
+                      <a:round/>
+                      <a:headEnd type="none" w="med" len="med"/>
+                      <a:tailEnd type="none" w="med" len="med"/>
+                    </a:lnT>
+                    <a:lnB w="12700" cap="flat" cmpd="sng" algn="ctr">
+                      <a:solidFill>
+                        <a:schemeClr val="accent6"/>
+                      </a:solidFill>
+                      <a:prstDash val="solid"/>
+                      <a:round/>
+                      <a:headEnd type="none" w="med" len="med"/>
+                      <a:tailEnd type="none" w="med" len="med"/>
+                    </a:lnB>
+                  </a:tcPr>
+                </a:tc>
+                <a:tc>
+                  <a:txBody>
+                    <a:bodyPr/>
+                    <a:lstStyle/>
+                    <a:p>
+                      <a:pPr marL="0" marR="0" indent="0" algn="ctr" defTabSz="685800" rtl="0" eaLnBrk="1" fontAlgn="auto" latinLnBrk="0" hangingPunct="1">
+                        <a:lnSpc>
+                          <a:spcPct val="100000"/>
+                        </a:lnSpc>
+                        <a:spcBef>
+                          <a:spcPts val="0"/>
+                        </a:spcBef>
+                        <a:spcAft>
+                          <a:spcPts val="0"/>
+                        </a:spcAft>
+                        <a:buClrTx/>
+                        <a:buSzTx/>
+                        <a:buFontTx/>
+                        <a:buNone/>
+                        <a:tabLst/>
+                        <a:defRPr/>
+                      </a:pPr>
+                      <a:r>
+                        <a:rPr lang="pt-BR" dirty="0" err="1" smtClean="0"/>
+                        <a:t>Div</a:t>
+                      </a:r>
+                      <a:r>
+                        <a:rPr lang="pt-BR" baseline="0" dirty="0" smtClean="0"/>
+                        <a:t> { </a:t>
+                      </a:r>
+                      <a:r>
+                        <a:rPr lang="pt-BR" baseline="0" dirty="0" err="1" smtClean="0"/>
+                        <a:t>img</a:t>
+                      </a:r>
+                      <a:r>
+                        <a:rPr lang="pt-BR" baseline="0" dirty="0" smtClean="0"/>
+                        <a:t> + h3 + p }</a:t>
+                      </a:r>
+                      <a:endParaRPr lang="pt-BR" dirty="0" smtClean="0"/>
+                    </a:p>
+                  </a:txBody>
+                  <a:tcPr anchor="ctr">
+                    <a:lnL w="12700" cap="flat" cmpd="sng" algn="ctr">
+                      <a:solidFill>
+                        <a:schemeClr val="accent6"/>
+                      </a:solidFill>
+                      <a:prstDash val="solid"/>
+                      <a:round/>
+                      <a:headEnd type="none" w="med" len="med"/>
+                      <a:tailEnd type="none" w="med" len="med"/>
+                    </a:lnL>
+                    <a:lnR w="12700" cap="flat" cmpd="sng" algn="ctr">
+                      <a:solidFill>
+                        <a:schemeClr val="accent6"/>
+                      </a:solidFill>
+                      <a:prstDash val="solid"/>
+                      <a:round/>
+                      <a:headEnd type="none" w="med" len="med"/>
+                      <a:tailEnd type="none" w="med" len="med"/>
+                    </a:lnR>
+                    <a:lnT w="12700" cap="flat" cmpd="sng" algn="ctr">
+                      <a:solidFill>
+                        <a:schemeClr val="accent6"/>
+                      </a:solidFill>
+                      <a:prstDash val="solid"/>
+                      <a:round/>
+                      <a:headEnd type="none" w="med" len="med"/>
+                      <a:tailEnd type="none" w="med" len="med"/>
+                    </a:lnT>
+                    <a:lnB w="12700" cap="flat" cmpd="sng" algn="ctr">
+                      <a:solidFill>
+                        <a:schemeClr val="accent6"/>
+                      </a:solidFill>
+                      <a:prstDash val="solid"/>
+                      <a:round/>
+                      <a:headEnd type="none" w="med" len="med"/>
+                      <a:tailEnd type="none" w="med" len="med"/>
+                    </a:lnB>
+                  </a:tcPr>
+                </a:tc>
+                <a:tc>
+                  <a:txBody>
+                    <a:bodyPr/>
+                    <a:lstStyle/>
+                    <a:p>
+                      <a:pPr marL="0" marR="0" indent="0" algn="ctr" defTabSz="685800" rtl="0" eaLnBrk="1" fontAlgn="auto" latinLnBrk="0" hangingPunct="1">
+                        <a:lnSpc>
+                          <a:spcPct val="100000"/>
+                        </a:lnSpc>
+                        <a:spcBef>
+                          <a:spcPts val="0"/>
+                        </a:spcBef>
+                        <a:spcAft>
+                          <a:spcPts val="0"/>
+                        </a:spcAft>
+                        <a:buClrTx/>
+                        <a:buSzTx/>
+                        <a:buFontTx/>
+                        <a:buNone/>
+                        <a:tabLst/>
+                        <a:defRPr/>
+                      </a:pPr>
+                      <a:r>
+                        <a:rPr lang="pt-BR" dirty="0" err="1" smtClean="0"/>
+                        <a:t>Div</a:t>
+                      </a:r>
+                      <a:r>
+                        <a:rPr lang="pt-BR" baseline="0" dirty="0" smtClean="0"/>
+                        <a:t> { </a:t>
+                      </a:r>
+                      <a:r>
+                        <a:rPr lang="pt-BR" baseline="0" dirty="0" err="1" smtClean="0"/>
+                        <a:t>img</a:t>
+                      </a:r>
+                      <a:r>
+                        <a:rPr lang="pt-BR" baseline="0" dirty="0" smtClean="0"/>
+                        <a:t> + h3 + p }</a:t>
+                      </a:r>
+                      <a:endParaRPr lang="pt-BR" dirty="0" smtClean="0"/>
+                    </a:p>
+                  </a:txBody>
+                  <a:tcPr anchor="ctr">
+                    <a:lnL w="12700" cap="flat" cmpd="sng" algn="ctr">
+                      <a:solidFill>
+                        <a:schemeClr val="accent6"/>
+                      </a:solidFill>
+                      <a:prstDash val="solid"/>
+                      <a:round/>
+                      <a:headEnd type="none" w="med" len="med"/>
+                      <a:tailEnd type="none" w="med" len="med"/>
+                    </a:lnL>
+                    <a:lnR w="12700" cap="flat" cmpd="sng" algn="ctr">
+                      <a:solidFill>
+                        <a:schemeClr val="accent6"/>
+                      </a:solidFill>
+                      <a:prstDash val="solid"/>
+                      <a:round/>
+                      <a:headEnd type="none" w="med" len="med"/>
+                      <a:tailEnd type="none" w="med" len="med"/>
+                    </a:lnR>
+                    <a:lnT w="12700" cap="flat" cmpd="sng" algn="ctr">
+                      <a:solidFill>
+                        <a:schemeClr val="accent6"/>
+                      </a:solidFill>
+                      <a:prstDash val="solid"/>
+                      <a:round/>
+                      <a:headEnd type="none" w="med" len="med"/>
+                      <a:tailEnd type="none" w="med" len="med"/>
+                    </a:lnT>
+                    <a:lnB w="12700" cap="flat" cmpd="sng" algn="ctr">
+                      <a:solidFill>
+                        <a:schemeClr val="accent6"/>
+                      </a:solidFill>
+                      <a:prstDash val="solid"/>
+                      <a:round/>
+                      <a:headEnd type="none" w="med" len="med"/>
+                      <a:tailEnd type="none" w="med" len="med"/>
+                    </a:lnB>
+                  </a:tcPr>
+                </a:tc>
+                <a:extLst>
+                  <a:ext uri="{0D108BD9-81ED-4DB2-BD59-A6C34878D82A}">
+                    <a16:rowId xmlns:a16="http://schemas.microsoft.com/office/drawing/2014/main" val="102631529"/>
+                  </a:ext>
+                </a:extLst>
+              </a:tr>
+            </a:tbl>
+          </a:graphicData>
+        </a:graphic>
+      </p:graphicFrame>
+    </p:spTree>
+    <p:extLst>
+      <p:ext uri="{BB962C8B-B14F-4D97-AF65-F5344CB8AC3E}">
+        <p14:creationId xmlns:p14="http://schemas.microsoft.com/office/powerpoint/2010/main" val="892751842"/>
+      </p:ext>
+    </p:extLst>
+  </p:cSld>
+  <p:clrMapOvr>
+    <a:masterClrMapping/>
+  </p:clrMapOvr>
+</p:sld>
+</file>
+
+<file path=ppt/slides/slide7.xml><?xml version="1.0" encoding="utf-8"?>
+<p:sld xmlns:a="http://schemas.openxmlformats.org/drawingml/2006/main" xmlns:r="http://schemas.openxmlformats.org/officeDocument/2006/relationships" xmlns:p="http://schemas.openxmlformats.org/presentationml/2006/main">
+  <p:cSld>
+    <p:spTree>
+      <p:nvGrpSpPr>
+        <p:cNvPr id="1" name=""/>
+        <p:cNvGrpSpPr/>
+        <p:nvPr/>
+      </p:nvGrpSpPr>
+      <p:grpSpPr>
+        <a:xfrm>
+          <a:off x="0" y="0"/>
+          <a:ext cx="0" cy="0"/>
+          <a:chOff x="0" y="0"/>
+          <a:chExt cx="0" cy="0"/>
+        </a:xfrm>
+      </p:grpSpPr>
+      <p:graphicFrame>
+        <p:nvGraphicFramePr>
+          <p:cNvPr id="4" name="Tabela 3"/>
+          <p:cNvGraphicFramePr>
+            <a:graphicFrameLocks noGrp="1"/>
+          </p:cNvGraphicFramePr>
+          <p:nvPr>
+            <p:extLst>
+              <p:ext uri="{D42A27DB-BD31-4B8C-83A1-F6EECF244321}">
+                <p14:modId xmlns:p14="http://schemas.microsoft.com/office/powerpoint/2010/main" val="3908856481"/>
+              </p:ext>
+            </p:extLst>
+          </p:nvPr>
+        </p:nvGraphicFramePr>
+        <p:xfrm>
+          <a:off x="1335081" y="888997"/>
+          <a:ext cx="5501148" cy="11303003"/>
+        </p:xfrm>
+        <a:graphic>
+          <a:graphicData uri="http://schemas.openxmlformats.org/drawingml/2006/table">
+            <a:tbl>
+              <a:tblPr>
+                <a:tableStyleId>{5C22544A-7EE6-4342-B048-85BDC9FD1C3A}</a:tableStyleId>
+              </a:tblPr>
+              <a:tblGrid>
+                <a:gridCol w="5501148">
+                  <a:extLst>
+                    <a:ext uri="{9D8B030D-6E8A-4147-A177-3AD203B41FA5}">
+                      <a16:colId xmlns:a16="http://schemas.microsoft.com/office/drawing/2014/main" val="1185017373"/>
+                    </a:ext>
+                  </a:extLst>
+                </a:gridCol>
+              </a:tblGrid>
+              <a:tr h="1344241">
+                <a:tc>
+                  <a:txBody>
+                    <a:bodyPr/>
+                    <a:lstStyle/>
+                    <a:p>
+                      <a:pPr algn="ctr"/>
+                      <a:endParaRPr lang="pt-BR" sz="1800" b="1" dirty="0">
+                        <a:solidFill>
+                          <a:schemeClr val="tx1"/>
+                        </a:solidFill>
+                      </a:endParaRPr>
+                    </a:p>
+                  </a:txBody>
+                  <a:tcPr anchor="ctr">
+                    <a:lnL w="12700" cap="flat" cmpd="sng" algn="ctr">
+                      <a:solidFill>
+                        <a:srgbClr val="FF0000"/>
+                      </a:solidFill>
+                      <a:prstDash val="solid"/>
+                      <a:round/>
+                      <a:headEnd type="none" w="med" len="med"/>
+                      <a:tailEnd type="none" w="med" len="med"/>
+                    </a:lnL>
+                    <a:lnR w="12700" cap="flat" cmpd="sng" algn="ctr">
+                      <a:solidFill>
+                        <a:srgbClr val="FF0000"/>
+                      </a:solidFill>
+                      <a:prstDash val="solid"/>
+                      <a:round/>
+                      <a:headEnd type="none" w="med" len="med"/>
+                      <a:tailEnd type="none" w="med" len="med"/>
+                    </a:lnR>
+                    <a:lnT w="12700" cap="flat" cmpd="sng" algn="ctr">
+                      <a:solidFill>
+                        <a:srgbClr val="FF0000"/>
+                      </a:solidFill>
+                      <a:prstDash val="solid"/>
+                      <a:round/>
+                      <a:headEnd type="none" w="med" len="med"/>
+                      <a:tailEnd type="none" w="med" len="med"/>
+                    </a:lnT>
+                    <a:lnB w="12700" cap="flat" cmpd="sng" algn="ctr">
+                      <a:solidFill>
+                        <a:srgbClr val="FF0000"/>
+                      </a:solidFill>
+                      <a:prstDash val="solid"/>
+                      <a:round/>
+                      <a:headEnd type="none" w="med" len="med"/>
+                      <a:tailEnd type="none" w="med" len="med"/>
+                    </a:lnB>
+                  </a:tcPr>
+                </a:tc>
+                <a:extLst>
+                  <a:ext uri="{0D108BD9-81ED-4DB2-BD59-A6C34878D82A}">
+                    <a16:rowId xmlns:a16="http://schemas.microsoft.com/office/drawing/2014/main" val="3738730398"/>
+                  </a:ext>
+                </a:extLst>
+              </a:tr>
+              <a:tr h="8492540">
+                <a:tc>
+                  <a:txBody>
+                    <a:bodyPr/>
+                    <a:lstStyle/>
+                    <a:p>
+                      <a:pPr algn="ctr"/>
+                      <a:endParaRPr lang="pt-BR" sz="1800" b="0" dirty="0">
+                        <a:solidFill>
+                          <a:schemeClr val="tx1"/>
+                        </a:solidFill>
+                      </a:endParaRPr>
+                    </a:p>
+                  </a:txBody>
+                  <a:tcPr anchor="ctr">
+                    <a:lnL w="12700" cap="flat" cmpd="sng" algn="ctr">
+                      <a:solidFill>
+                        <a:srgbClr val="FF0000"/>
+                      </a:solidFill>
+                      <a:prstDash val="solid"/>
+                      <a:round/>
+                      <a:headEnd type="none" w="med" len="med"/>
+                      <a:tailEnd type="none" w="med" len="med"/>
+                    </a:lnL>
+                    <a:lnR w="12700" cap="flat" cmpd="sng" algn="ctr">
+                      <a:solidFill>
+                        <a:srgbClr val="FF0000"/>
+                      </a:solidFill>
+                      <a:prstDash val="solid"/>
+                      <a:round/>
+                      <a:headEnd type="none" w="med" len="med"/>
+                      <a:tailEnd type="none" w="med" len="med"/>
+                    </a:lnR>
+                    <a:lnT w="12700" cap="flat" cmpd="sng" algn="ctr">
+                      <a:solidFill>
+                        <a:srgbClr val="FF0000"/>
+                      </a:solidFill>
+                      <a:prstDash val="solid"/>
+                      <a:round/>
+                      <a:headEnd type="none" w="med" len="med"/>
+                      <a:tailEnd type="none" w="med" len="med"/>
+                    </a:lnT>
+                    <a:lnB w="12700" cap="flat" cmpd="sng" algn="ctr">
+                      <a:solidFill>
+                        <a:srgbClr val="FF0000"/>
+                      </a:solidFill>
+                      <a:prstDash val="solid"/>
+                      <a:round/>
+                      <a:headEnd type="none" w="med" len="med"/>
+                      <a:tailEnd type="none" w="med" len="med"/>
+                    </a:lnB>
+                  </a:tcPr>
+                </a:tc>
+                <a:extLst>
+                  <a:ext uri="{0D108BD9-81ED-4DB2-BD59-A6C34878D82A}">
+                    <a16:rowId xmlns:a16="http://schemas.microsoft.com/office/drawing/2014/main" val="3139792909"/>
+                  </a:ext>
+                </a:extLst>
+              </a:tr>
+              <a:tr h="1466222">
+                <a:tc>
+                  <a:txBody>
+                    <a:bodyPr/>
+                    <a:lstStyle/>
+                    <a:p>
+                      <a:pPr algn="ctr"/>
+                      <a:endParaRPr lang="pt-BR" sz="1800" b="1" dirty="0">
+                        <a:solidFill>
+                          <a:schemeClr val="tx1"/>
+                        </a:solidFill>
+                      </a:endParaRPr>
+                    </a:p>
+                  </a:txBody>
+                  <a:tcPr anchor="ctr">
+                    <a:lnL w="12700" cap="flat" cmpd="sng" algn="ctr">
+                      <a:solidFill>
+                        <a:srgbClr val="FF0000"/>
+                      </a:solidFill>
+                      <a:prstDash val="solid"/>
+                      <a:round/>
+                      <a:headEnd type="none" w="med" len="med"/>
+                      <a:tailEnd type="none" w="med" len="med"/>
+                    </a:lnL>
+                    <a:lnR w="12700" cap="flat" cmpd="sng" algn="ctr">
+                      <a:solidFill>
+                        <a:srgbClr val="FF0000"/>
+                      </a:solidFill>
+                      <a:prstDash val="solid"/>
+                      <a:round/>
+                      <a:headEnd type="none" w="med" len="med"/>
+                      <a:tailEnd type="none" w="med" len="med"/>
+                    </a:lnR>
+                    <a:lnT w="12700" cap="flat" cmpd="sng" algn="ctr">
+                      <a:solidFill>
+                        <a:srgbClr val="FF0000"/>
+                      </a:solidFill>
+                      <a:prstDash val="solid"/>
+                      <a:round/>
+                      <a:headEnd type="none" w="med" len="med"/>
+                      <a:tailEnd type="none" w="med" len="med"/>
+                    </a:lnT>
+                    <a:lnB w="12700" cap="flat" cmpd="sng" algn="ctr">
+                      <a:solidFill>
+                        <a:srgbClr val="FF0000"/>
+                      </a:solidFill>
+                      <a:prstDash val="solid"/>
+                      <a:round/>
+                      <a:headEnd type="none" w="med" len="med"/>
+                      <a:tailEnd type="none" w="med" len="med"/>
+                    </a:lnB>
+                  </a:tcPr>
+                </a:tc>
+                <a:extLst>
+                  <a:ext uri="{0D108BD9-81ED-4DB2-BD59-A6C34878D82A}">
+                    <a16:rowId xmlns:a16="http://schemas.microsoft.com/office/drawing/2014/main" val="1345892478"/>
+                  </a:ext>
+                </a:extLst>
+              </a:tr>
+            </a:tbl>
+          </a:graphicData>
+        </a:graphic>
+      </p:graphicFrame>
+      <p:sp>
+        <p:nvSpPr>
+          <p:cNvPr id="13" name="CaixaDeTexto 12"/>
+          <p:cNvSpPr txBox="1"/>
+          <p:nvPr/>
+        </p:nvSpPr>
+        <p:spPr>
+          <a:xfrm>
+            <a:off x="1335081" y="1394499"/>
+            <a:ext cx="5433267" cy="769441"/>
+          </a:xfrm>
+          <a:prstGeom prst="rect">
+            <a:avLst/>
+          </a:prstGeom>
+          <a:noFill/>
+        </p:spPr>
+        <p:txBody>
+          <a:bodyPr wrap="square" rtlCol="0">
+            <a:spAutoFit/>
+          </a:bodyPr>
+          <a:lstStyle/>
+          <a:p>
+            <a:pPr algn="ctr"/>
+            <a:r>
+              <a:rPr lang="pt-BR" sz="4400" dirty="0" smtClean="0"/>
+              <a:t>&lt;</a:t>
+            </a:r>
+            <a:r>
+              <a:rPr lang="pt-BR" sz="4400" dirty="0" smtClean="0"/>
+              <a:t>header&gt;</a:t>
+            </a:r>
+            <a:endParaRPr lang="pt-BR" sz="4400" dirty="0"/>
+          </a:p>
+        </p:txBody>
+      </p:sp>
+      <p:graphicFrame>
+        <p:nvGraphicFramePr>
+          <p:cNvPr id="6" name="Tabela 5"/>
+          <p:cNvGraphicFramePr>
+            <a:graphicFrameLocks noGrp="1"/>
+          </p:cNvGraphicFramePr>
+          <p:nvPr>
+            <p:extLst>
+              <p:ext uri="{D42A27DB-BD31-4B8C-83A1-F6EECF244321}">
+                <p14:modId xmlns:p14="http://schemas.microsoft.com/office/powerpoint/2010/main" val="333072576"/>
+              </p:ext>
+            </p:extLst>
+          </p:nvPr>
+        </p:nvGraphicFramePr>
+        <p:xfrm>
+          <a:off x="1618224" y="2460540"/>
+          <a:ext cx="4978398" cy="7315616"/>
+        </p:xfrm>
+        <a:graphic>
+          <a:graphicData uri="http://schemas.openxmlformats.org/drawingml/2006/table">
+            <a:tbl>
+              <a:tblPr>
+                <a:tableStyleId>{775DCB02-9BB8-47FD-8907-85C794F793BA}</a:tableStyleId>
+              </a:tblPr>
+              <a:tblGrid>
+                <a:gridCol w="2489199">
+                  <a:extLst>
+                    <a:ext uri="{9D8B030D-6E8A-4147-A177-3AD203B41FA5}">
+                      <a16:colId xmlns:a16="http://schemas.microsoft.com/office/drawing/2014/main" val="638915778"/>
+                    </a:ext>
+                  </a:extLst>
+                </a:gridCol>
+                <a:gridCol w="2489199">
+                  <a:extLst>
+                    <a:ext uri="{9D8B030D-6E8A-4147-A177-3AD203B41FA5}">
+                      <a16:colId xmlns:a16="http://schemas.microsoft.com/office/drawing/2014/main" val="3068389032"/>
+                    </a:ext>
+                  </a:extLst>
+                </a:gridCol>
+              </a:tblGrid>
+              <a:tr h="765260">
+                <a:tc gridSpan="2">
+                  <a:txBody>
+                    <a:bodyPr/>
+                    <a:lstStyle/>
+                    <a:p>
+                      <a:pPr algn="ctr"/>
+                      <a:r>
+                        <a:rPr lang="pt-BR" dirty="0" smtClean="0"/>
+                        <a:t>&lt;h1&gt;</a:t>
+                      </a:r>
+                      <a:endParaRPr lang="pt-BR" dirty="0"/>
+                    </a:p>
+                  </a:txBody>
+                  <a:tcPr anchor="ctr">
+                    <a:lnL w="12700" cap="flat" cmpd="sng" algn="ctr">
+                      <a:solidFill>
+                        <a:schemeClr val="accent1"/>
+                      </a:solidFill>
+                      <a:prstDash val="solid"/>
+                      <a:round/>
+                      <a:headEnd type="none" w="med" len="med"/>
+                      <a:tailEnd type="none" w="med" len="med"/>
+                    </a:lnL>
+                    <a:lnR w="12700" cap="flat" cmpd="sng" algn="ctr">
+                      <a:solidFill>
+                        <a:schemeClr val="accent1"/>
+                      </a:solidFill>
+                      <a:prstDash val="solid"/>
+                      <a:round/>
+                      <a:headEnd type="none" w="med" len="med"/>
+                      <a:tailEnd type="none" w="med" len="med"/>
+                    </a:lnR>
+                    <a:lnT w="12700" cap="flat" cmpd="sng" algn="ctr">
+                      <a:solidFill>
+                        <a:schemeClr val="accent1"/>
+                      </a:solidFill>
+                      <a:prstDash val="solid"/>
+                      <a:round/>
+                      <a:headEnd type="none" w="med" len="med"/>
+                      <a:tailEnd type="none" w="med" len="med"/>
+                    </a:lnT>
+                    <a:lnB w="12700" cap="flat" cmpd="sng" algn="ctr">
+                      <a:solidFill>
+                        <a:schemeClr val="accent1"/>
+                      </a:solidFill>
+                      <a:prstDash val="solid"/>
+                      <a:round/>
+                      <a:headEnd type="none" w="med" len="med"/>
+                      <a:tailEnd type="none" w="med" len="med"/>
+                    </a:lnB>
+                  </a:tcPr>
+                </a:tc>
+                <a:tc hMerge="1">
+                  <a:txBody>
+                    <a:bodyPr/>
+                    <a:lstStyle/>
+                    <a:p>
+                      <a:pPr algn="ctr"/>
+                      <a:endParaRPr lang="pt-BR" dirty="0"/>
+                    </a:p>
+                  </a:txBody>
+                  <a:tcPr anchor="ctr">
+                    <a:lnL w="12700" cap="flat" cmpd="sng" algn="ctr">
+                      <a:solidFill>
+                        <a:schemeClr val="accent1"/>
+                      </a:solidFill>
+                      <a:prstDash val="solid"/>
+                      <a:round/>
+                      <a:headEnd type="none" w="med" len="med"/>
+                      <a:tailEnd type="none" w="med" len="med"/>
+                    </a:lnL>
+                    <a:lnR w="12700" cap="flat" cmpd="sng" algn="ctr">
+                      <a:solidFill>
+                        <a:schemeClr val="accent1"/>
+                      </a:solidFill>
+                      <a:prstDash val="solid"/>
+                      <a:round/>
+                      <a:headEnd type="none" w="med" len="med"/>
+                      <a:tailEnd type="none" w="med" len="med"/>
+                    </a:lnR>
+                    <a:lnT w="12700" cap="flat" cmpd="sng" algn="ctr">
+                      <a:solidFill>
+                        <a:schemeClr val="accent1"/>
+                      </a:solidFill>
+                      <a:prstDash val="solid"/>
+                      <a:round/>
+                      <a:headEnd type="none" w="med" len="med"/>
+                      <a:tailEnd type="none" w="med" len="med"/>
+                    </a:lnT>
+                    <a:lnB w="12700" cap="flat" cmpd="sng" algn="ctr">
+                      <a:solidFill>
+                        <a:schemeClr val="accent1"/>
+                      </a:solidFill>
+                      <a:prstDash val="solid"/>
+                      <a:round/>
+                      <a:headEnd type="none" w="med" len="med"/>
+                      <a:tailEnd type="none" w="med" len="med"/>
+                    </a:lnB>
+                  </a:tcPr>
+                </a:tc>
+                <a:extLst>
+                  <a:ext uri="{0D108BD9-81ED-4DB2-BD59-A6C34878D82A}">
+                    <a16:rowId xmlns:a16="http://schemas.microsoft.com/office/drawing/2014/main" val="1463797561"/>
+                  </a:ext>
+                </a:extLst>
+              </a:tr>
+              <a:tr h="1637589">
+                <a:tc>
+                  <a:txBody>
+                    <a:bodyPr/>
+                    <a:lstStyle/>
+                    <a:p>
+                      <a:pPr algn="ctr"/>
+                      <a:r>
+                        <a:rPr lang="pt-BR" b="1" dirty="0" smtClean="0"/>
+                        <a:t>INPUT</a:t>
+                      </a:r>
+                      <a:endParaRPr lang="pt-BR" dirty="0"/>
+                    </a:p>
+                  </a:txBody>
+                  <a:tcPr anchor="ctr">
+                    <a:lnL w="12700" cap="flat" cmpd="sng" algn="ctr">
+                      <a:solidFill>
+                        <a:schemeClr val="accent1"/>
+                      </a:solidFill>
+                      <a:prstDash val="solid"/>
+                      <a:round/>
+                      <a:headEnd type="none" w="med" len="med"/>
+                      <a:tailEnd type="none" w="med" len="med"/>
+                    </a:lnL>
+                    <a:lnR w="12700" cap="flat" cmpd="sng" algn="ctr">
+                      <a:solidFill>
+                        <a:schemeClr val="accent1"/>
+                      </a:solidFill>
+                      <a:prstDash val="solid"/>
+                      <a:round/>
+                      <a:headEnd type="none" w="med" len="med"/>
+                      <a:tailEnd type="none" w="med" len="med"/>
+                    </a:lnR>
+                    <a:lnT w="12700" cap="flat" cmpd="sng" algn="ctr">
+                      <a:solidFill>
+                        <a:schemeClr val="accent1"/>
+                      </a:solidFill>
+                      <a:prstDash val="solid"/>
+                      <a:round/>
+                      <a:headEnd type="none" w="med" len="med"/>
+                      <a:tailEnd type="none" w="med" len="med"/>
+                    </a:lnT>
+                    <a:lnB w="12700" cap="flat" cmpd="sng" algn="ctr">
+                      <a:solidFill>
+                        <a:schemeClr val="accent1"/>
+                      </a:solidFill>
+                      <a:prstDash val="solid"/>
+                      <a:round/>
+                      <a:headEnd type="none" w="med" len="med"/>
+                      <a:tailEnd type="none" w="med" len="med"/>
+                    </a:lnB>
+                  </a:tcPr>
+                </a:tc>
+                <a:tc>
+                  <a:txBody>
+                    <a:bodyPr/>
+                    <a:lstStyle/>
+                    <a:p>
+                      <a:pPr algn="ctr"/>
+                      <a:r>
+                        <a:rPr lang="pt-BR" b="1" dirty="0" smtClean="0"/>
+                        <a:t>INPUT</a:t>
+                      </a:r>
+                      <a:endParaRPr lang="pt-BR" dirty="0"/>
+                    </a:p>
+                  </a:txBody>
+                  <a:tcPr anchor="ctr">
+                    <a:lnL w="12700" cap="flat" cmpd="sng" algn="ctr">
+                      <a:solidFill>
+                        <a:schemeClr val="accent1"/>
+                      </a:solidFill>
+                      <a:prstDash val="solid"/>
+                      <a:round/>
+                      <a:headEnd type="none" w="med" len="med"/>
+                      <a:tailEnd type="none" w="med" len="med"/>
+                    </a:lnL>
+                    <a:lnR w="12700" cap="flat" cmpd="sng" algn="ctr">
+                      <a:solidFill>
+                        <a:schemeClr val="accent1"/>
+                      </a:solidFill>
+                      <a:prstDash val="solid"/>
+                      <a:round/>
+                      <a:headEnd type="none" w="med" len="med"/>
+                      <a:tailEnd type="none" w="med" len="med"/>
+                    </a:lnR>
+                    <a:lnT w="12700" cap="flat" cmpd="sng" algn="ctr">
+                      <a:solidFill>
+                        <a:schemeClr val="accent1"/>
+                      </a:solidFill>
+                      <a:prstDash val="solid"/>
+                      <a:round/>
+                      <a:headEnd type="none" w="med" len="med"/>
+                      <a:tailEnd type="none" w="med" len="med"/>
+                    </a:lnT>
+                    <a:lnB w="12700" cap="flat" cmpd="sng" algn="ctr">
+                      <a:solidFill>
+                        <a:schemeClr val="accent1"/>
+                      </a:solidFill>
+                      <a:prstDash val="solid"/>
+                      <a:round/>
+                      <a:headEnd type="none" w="med" len="med"/>
+                      <a:tailEnd type="none" w="med" len="med"/>
+                    </a:lnB>
+                  </a:tcPr>
+                </a:tc>
+                <a:extLst>
+                  <a:ext uri="{0D108BD9-81ED-4DB2-BD59-A6C34878D82A}">
+                    <a16:rowId xmlns:a16="http://schemas.microsoft.com/office/drawing/2014/main" val="102631529"/>
+                  </a:ext>
+                </a:extLst>
+              </a:tr>
+              <a:tr h="1637589">
+                <a:tc gridSpan="2">
+                  <a:txBody>
+                    <a:bodyPr/>
+                    <a:lstStyle/>
+                    <a:p>
+                      <a:pPr algn="ctr"/>
+                      <a:r>
+                        <a:rPr lang="pt-BR" dirty="0" smtClean="0"/>
+                        <a:t>INPUT</a:t>
+                      </a:r>
+                      <a:endParaRPr lang="pt-BR" dirty="0"/>
+                    </a:p>
+                  </a:txBody>
+                  <a:tcPr anchor="ctr">
+                    <a:lnL w="12700" cap="flat" cmpd="sng" algn="ctr">
+                      <a:solidFill>
+                        <a:schemeClr val="accent1"/>
+                      </a:solidFill>
+                      <a:prstDash val="solid"/>
+                      <a:round/>
+                      <a:headEnd type="none" w="med" len="med"/>
+                      <a:tailEnd type="none" w="med" len="med"/>
+                    </a:lnL>
+                    <a:lnR w="12700" cap="flat" cmpd="sng" algn="ctr">
+                      <a:solidFill>
+                        <a:schemeClr val="accent1"/>
+                      </a:solidFill>
+                      <a:prstDash val="solid"/>
+                      <a:round/>
+                      <a:headEnd type="none" w="med" len="med"/>
+                      <a:tailEnd type="none" w="med" len="med"/>
+                    </a:lnR>
+                    <a:lnT w="12700" cap="flat" cmpd="sng" algn="ctr">
+                      <a:solidFill>
+                        <a:schemeClr val="accent1"/>
+                      </a:solidFill>
+                      <a:prstDash val="solid"/>
+                      <a:round/>
+                      <a:headEnd type="none" w="med" len="med"/>
+                      <a:tailEnd type="none" w="med" len="med"/>
+                    </a:lnT>
+                    <a:lnB w="12700" cap="flat" cmpd="sng" algn="ctr">
+                      <a:solidFill>
+                        <a:schemeClr val="accent1"/>
+                      </a:solidFill>
+                      <a:prstDash val="solid"/>
+                      <a:round/>
+                      <a:headEnd type="none" w="med" len="med"/>
+                      <a:tailEnd type="none" w="med" len="med"/>
+                    </a:lnB>
+                  </a:tcPr>
+                </a:tc>
+                <a:tc hMerge="1">
+                  <a:txBody>
+                    <a:bodyPr/>
+                    <a:lstStyle/>
+                    <a:p>
+                      <a:pPr algn="ctr"/>
+                      <a:endParaRPr lang="pt-BR" dirty="0"/>
+                    </a:p>
+                  </a:txBody>
+                  <a:tcPr anchor="ctr">
+                    <a:lnL w="12700" cap="flat" cmpd="sng" algn="ctr">
+                      <a:solidFill>
+                        <a:schemeClr val="accent1"/>
+                      </a:solidFill>
+                      <a:prstDash val="solid"/>
+                      <a:round/>
+                      <a:headEnd type="none" w="med" len="med"/>
+                      <a:tailEnd type="none" w="med" len="med"/>
+                    </a:lnL>
+                    <a:lnR w="12700" cap="flat" cmpd="sng" algn="ctr">
+                      <a:solidFill>
+                        <a:schemeClr val="accent1"/>
+                      </a:solidFill>
+                      <a:prstDash val="solid"/>
+                      <a:round/>
+                      <a:headEnd type="none" w="med" len="med"/>
+                      <a:tailEnd type="none" w="med" len="med"/>
+                    </a:lnR>
+                    <a:lnT w="12700" cap="flat" cmpd="sng" algn="ctr">
+                      <a:solidFill>
+                        <a:schemeClr val="accent1"/>
+                      </a:solidFill>
+                      <a:prstDash val="solid"/>
+                      <a:round/>
+                      <a:headEnd type="none" w="med" len="med"/>
+                      <a:tailEnd type="none" w="med" len="med"/>
+                    </a:lnT>
+                    <a:lnB w="12700" cap="flat" cmpd="sng" algn="ctr">
+                      <a:solidFill>
+                        <a:schemeClr val="accent1"/>
+                      </a:solidFill>
+                      <a:prstDash val="solid"/>
+                      <a:round/>
+                      <a:headEnd type="none" w="med" len="med"/>
+                      <a:tailEnd type="none" w="med" len="med"/>
+                    </a:lnB>
+                  </a:tcPr>
+                </a:tc>
+                <a:extLst>
+                  <a:ext uri="{0D108BD9-81ED-4DB2-BD59-A6C34878D82A}">
+                    <a16:rowId xmlns:a16="http://schemas.microsoft.com/office/drawing/2014/main" val="3273963024"/>
+                  </a:ext>
+                </a:extLst>
+              </a:tr>
+              <a:tr h="1637589">
+                <a:tc>
+                  <a:txBody>
+                    <a:bodyPr/>
+                    <a:lstStyle/>
+                    <a:p>
+                      <a:pPr algn="ctr"/>
+                      <a:endParaRPr lang="pt-BR" dirty="0"/>
+                    </a:p>
+                  </a:txBody>
+                  <a:tcPr anchor="ctr">
+                    <a:lnL w="12700" cap="flat" cmpd="sng" algn="ctr">
+                      <a:solidFill>
+                        <a:schemeClr val="accent1"/>
+                      </a:solidFill>
+                      <a:prstDash val="solid"/>
+                      <a:round/>
+                      <a:headEnd type="none" w="med" len="med"/>
+                      <a:tailEnd type="none" w="med" len="med"/>
+                    </a:lnL>
+                    <a:lnR w="12700" cap="flat" cmpd="sng" algn="ctr">
+                      <a:solidFill>
+                        <a:schemeClr val="accent1"/>
+                      </a:solidFill>
+                      <a:prstDash val="solid"/>
+                      <a:round/>
+                      <a:headEnd type="none" w="med" len="med"/>
+                      <a:tailEnd type="none" w="med" len="med"/>
+                    </a:lnR>
+                    <a:lnT w="12700" cap="flat" cmpd="sng" algn="ctr">
+                      <a:solidFill>
+                        <a:schemeClr val="accent1"/>
+                      </a:solidFill>
+                      <a:prstDash val="solid"/>
+                      <a:round/>
+                      <a:headEnd type="none" w="med" len="med"/>
+                      <a:tailEnd type="none" w="med" len="med"/>
+                    </a:lnT>
+                    <a:lnB w="12700" cap="flat" cmpd="sng" algn="ctr">
+                      <a:solidFill>
+                        <a:schemeClr val="accent1"/>
+                      </a:solidFill>
+                      <a:prstDash val="solid"/>
+                      <a:round/>
+                      <a:headEnd type="none" w="med" len="med"/>
+                      <a:tailEnd type="none" w="med" len="med"/>
+                    </a:lnB>
+                  </a:tcPr>
+                </a:tc>
+                <a:tc>
+                  <a:txBody>
+                    <a:bodyPr/>
+                    <a:lstStyle/>
+                    <a:p>
+                      <a:pPr algn="ctr"/>
+                      <a:r>
+                        <a:rPr lang="pt-BR" dirty="0" smtClean="0"/>
+                        <a:t>BUTTON</a:t>
+                      </a:r>
+                      <a:endParaRPr lang="pt-BR" dirty="0"/>
+                    </a:p>
+                  </a:txBody>
+                  <a:tcPr anchor="ctr">
+                    <a:lnL w="12700" cap="flat" cmpd="sng" algn="ctr">
+                      <a:solidFill>
+                        <a:schemeClr val="accent1"/>
+                      </a:solidFill>
+                      <a:prstDash val="solid"/>
+                      <a:round/>
+                      <a:headEnd type="none" w="med" len="med"/>
+                      <a:tailEnd type="none" w="med" len="med"/>
+                    </a:lnL>
+                    <a:lnR w="12700" cap="flat" cmpd="sng" algn="ctr">
+                      <a:solidFill>
+                        <a:schemeClr val="accent1"/>
+                      </a:solidFill>
+                      <a:prstDash val="solid"/>
+                      <a:round/>
+                      <a:headEnd type="none" w="med" len="med"/>
+                      <a:tailEnd type="none" w="med" len="med"/>
+                    </a:lnR>
+                    <a:lnT w="12700" cap="flat" cmpd="sng" algn="ctr">
+                      <a:solidFill>
+                        <a:schemeClr val="accent1"/>
+                      </a:solidFill>
+                      <a:prstDash val="solid"/>
+                      <a:round/>
+                      <a:headEnd type="none" w="med" len="med"/>
+                      <a:tailEnd type="none" w="med" len="med"/>
+                    </a:lnT>
+                    <a:lnB w="12700" cap="flat" cmpd="sng" algn="ctr">
+                      <a:solidFill>
+                        <a:schemeClr val="accent1"/>
+                      </a:solidFill>
+                      <a:prstDash val="solid"/>
+                      <a:round/>
+                      <a:headEnd type="none" w="med" len="med"/>
+                      <a:tailEnd type="none" w="med" len="med"/>
+                    </a:lnB>
+                  </a:tcPr>
+                </a:tc>
+                <a:extLst>
+                  <a:ext uri="{0D108BD9-81ED-4DB2-BD59-A6C34878D82A}">
+                    <a16:rowId xmlns:a16="http://schemas.microsoft.com/office/drawing/2014/main" val="3035577053"/>
+                  </a:ext>
+                </a:extLst>
+              </a:tr>
+              <a:tr h="1637589">
+                <a:tc gridSpan="2">
+                  <a:txBody>
+                    <a:bodyPr/>
+                    <a:lstStyle/>
+                    <a:p>
+                      <a:pPr algn="ctr"/>
+                      <a:r>
+                        <a:rPr lang="pt-BR" dirty="0" smtClean="0"/>
+                        <a:t>DIV {H4</a:t>
+                      </a:r>
+                      <a:r>
+                        <a:rPr lang="pt-BR" baseline="0" dirty="0" smtClean="0"/>
+                        <a:t> + UL de paragrafo}</a:t>
+                      </a:r>
+                      <a:endParaRPr lang="pt-BR" dirty="0"/>
+                    </a:p>
+                  </a:txBody>
+                  <a:tcPr anchor="ctr">
+                    <a:lnL w="12700" cap="flat" cmpd="sng" algn="ctr">
+                      <a:solidFill>
+                        <a:schemeClr val="accent1"/>
+                      </a:solidFill>
+                      <a:prstDash val="solid"/>
+                      <a:round/>
+                      <a:headEnd type="none" w="med" len="med"/>
+                      <a:tailEnd type="none" w="med" len="med"/>
+                    </a:lnL>
+                    <a:lnR w="12700" cap="flat" cmpd="sng" algn="ctr">
+                      <a:solidFill>
+                        <a:schemeClr val="accent1"/>
+                      </a:solidFill>
+                      <a:prstDash val="solid"/>
+                      <a:round/>
+                      <a:headEnd type="none" w="med" len="med"/>
+                      <a:tailEnd type="none" w="med" len="med"/>
+                    </a:lnR>
+                    <a:lnT w="12700" cap="flat" cmpd="sng" algn="ctr">
+                      <a:solidFill>
+                        <a:schemeClr val="accent1"/>
+                      </a:solidFill>
+                      <a:prstDash val="solid"/>
+                      <a:round/>
+                      <a:headEnd type="none" w="med" len="med"/>
+                      <a:tailEnd type="none" w="med" len="med"/>
+                    </a:lnT>
+                    <a:lnB w="12700" cap="flat" cmpd="sng" algn="ctr">
+                      <a:solidFill>
+                        <a:schemeClr val="accent1"/>
+                      </a:solidFill>
+                      <a:prstDash val="solid"/>
+                      <a:round/>
+                      <a:headEnd type="none" w="med" len="med"/>
+                      <a:tailEnd type="none" w="med" len="med"/>
+                    </a:lnB>
+                  </a:tcPr>
+                </a:tc>
+                <a:tc hMerge="1">
+                  <a:txBody>
+                    <a:bodyPr/>
+                    <a:lstStyle/>
+                    <a:p>
+                      <a:pPr algn="ctr"/>
+                      <a:endParaRPr lang="pt-BR" dirty="0"/>
+                    </a:p>
+                  </a:txBody>
+                  <a:tcPr anchor="ctr">
+                    <a:lnL w="12700" cap="flat" cmpd="sng" algn="ctr">
+                      <a:solidFill>
+                        <a:schemeClr val="accent1"/>
+                      </a:solidFill>
+                      <a:prstDash val="solid"/>
+                      <a:round/>
+                      <a:headEnd type="none" w="med" len="med"/>
+                      <a:tailEnd type="none" w="med" len="med"/>
+                    </a:lnL>
+                    <a:lnR w="12700" cap="flat" cmpd="sng" algn="ctr">
+                      <a:solidFill>
+                        <a:schemeClr val="accent1"/>
+                      </a:solidFill>
+                      <a:prstDash val="solid"/>
+                      <a:round/>
+                      <a:headEnd type="none" w="med" len="med"/>
+                      <a:tailEnd type="none" w="med" len="med"/>
+                    </a:lnR>
+                    <a:lnT w="12700" cap="flat" cmpd="sng" algn="ctr">
+                      <a:solidFill>
+                        <a:schemeClr val="accent1"/>
+                      </a:solidFill>
+                      <a:prstDash val="solid"/>
+                      <a:round/>
+                      <a:headEnd type="none" w="med" len="med"/>
+                      <a:tailEnd type="none" w="med" len="med"/>
+                    </a:lnT>
+                    <a:lnB w="12700" cap="flat" cmpd="sng" algn="ctr">
+                      <a:solidFill>
+                        <a:schemeClr val="accent1"/>
+                      </a:solidFill>
+                      <a:prstDash val="solid"/>
+                      <a:round/>
+                      <a:headEnd type="none" w="med" len="med"/>
+                      <a:tailEnd type="none" w="med" len="med"/>
+                    </a:lnB>
+                  </a:tcPr>
+                </a:tc>
+                <a:extLst>
+                  <a:ext uri="{0D108BD9-81ED-4DB2-BD59-A6C34878D82A}">
+                    <a16:rowId xmlns:a16="http://schemas.microsoft.com/office/drawing/2014/main" val="1805653470"/>
+                  </a:ext>
+                </a:extLst>
+              </a:tr>
+            </a:tbl>
+          </a:graphicData>
+        </a:graphic>
+      </p:graphicFrame>
+      <p:sp>
+        <p:nvSpPr>
+          <p:cNvPr id="7" name="CaixaDeTexto 6"/>
+          <p:cNvSpPr txBox="1"/>
+          <p:nvPr/>
+        </p:nvSpPr>
+        <p:spPr>
+          <a:xfrm>
+            <a:off x="2640135" y="79920"/>
+            <a:ext cx="2823157" cy="707886"/>
+          </a:xfrm>
+          <a:prstGeom prst="rect">
+            <a:avLst/>
+          </a:prstGeom>
+          <a:noFill/>
+        </p:spPr>
+        <p:txBody>
+          <a:bodyPr wrap="square" rtlCol="0">
+            <a:spAutoFit/>
+          </a:bodyPr>
+          <a:lstStyle/>
+          <a:p>
+            <a:pPr algn="ctr"/>
+            <a:r>
+              <a:rPr lang="pt-BR" sz="4000" b="1" dirty="0" smtClean="0"/>
+              <a:t>CONTATO</a:t>
+            </a:r>
+            <a:endParaRPr lang="pt-BR" sz="4000" b="1" dirty="0"/>
+          </a:p>
+        </p:txBody>
+      </p:sp>
+      <p:sp>
+        <p:nvSpPr>
+          <p:cNvPr id="9" name="CaixaDeTexto 8"/>
+          <p:cNvSpPr txBox="1"/>
+          <p:nvPr/>
+        </p:nvSpPr>
+        <p:spPr>
+          <a:xfrm>
+            <a:off x="0" y="1425276"/>
+            <a:ext cx="1229530" cy="738664"/>
+          </a:xfrm>
+          <a:prstGeom prst="rect">
+            <a:avLst/>
+          </a:prstGeom>
+          <a:noFill/>
+        </p:spPr>
+        <p:txBody>
+          <a:bodyPr wrap="square" rtlCol="0">
+            <a:spAutoFit/>
+          </a:bodyPr>
+          <a:lstStyle/>
+          <a:p>
+            <a:r>
+              <a:rPr lang="pt-BR" sz="1400" b="1" dirty="0" smtClean="0">
+                <a:solidFill>
+                  <a:srgbClr val="FF0000"/>
+                </a:solidFill>
+              </a:rPr>
+              <a:t>GRID PAI</a:t>
+            </a:r>
+            <a:r>
+              <a:rPr lang="pt-BR" sz="1400" dirty="0" smtClean="0">
+                <a:solidFill>
+                  <a:srgbClr val="FF0000"/>
+                </a:solidFill>
+              </a:rPr>
+              <a:t/>
+            </a:r>
+            <a:br>
+              <a:rPr lang="pt-BR" sz="1400" dirty="0" smtClean="0">
+                <a:solidFill>
+                  <a:srgbClr val="FF0000"/>
+                </a:solidFill>
+              </a:rPr>
+            </a:br>
+            <a:r>
+              <a:rPr lang="pt-BR" sz="1400" dirty="0">
+                <a:solidFill>
+                  <a:srgbClr val="FF0000"/>
+                </a:solidFill>
+              </a:rPr>
+              <a:t>3</a:t>
+            </a:r>
+            <a:r>
+              <a:rPr lang="pt-BR" sz="1400" dirty="0" smtClean="0">
+                <a:solidFill>
+                  <a:srgbClr val="FF0000"/>
+                </a:solidFill>
+              </a:rPr>
+              <a:t> </a:t>
+            </a:r>
+            <a:r>
+              <a:rPr lang="pt-BR" sz="1400" dirty="0" smtClean="0">
+                <a:solidFill>
+                  <a:srgbClr val="FF0000"/>
+                </a:solidFill>
+              </a:rPr>
+              <a:t>LINHAS</a:t>
+            </a:r>
+            <a:br>
+              <a:rPr lang="pt-BR" sz="1400" dirty="0" smtClean="0">
+                <a:solidFill>
+                  <a:srgbClr val="FF0000"/>
+                </a:solidFill>
+              </a:rPr>
+            </a:br>
+            <a:r>
+              <a:rPr lang="pt-BR" sz="1400" dirty="0" smtClean="0">
+                <a:solidFill>
+                  <a:srgbClr val="FF0000"/>
+                </a:solidFill>
+              </a:rPr>
+              <a:t>0 COLUNAS </a:t>
+            </a:r>
+            <a:endParaRPr lang="pt-BR" sz="1400" dirty="0">
+              <a:solidFill>
+                <a:srgbClr val="FF0000"/>
+              </a:solidFill>
+            </a:endParaRPr>
+          </a:p>
+        </p:txBody>
+      </p:sp>
+      <p:sp>
+        <p:nvSpPr>
+          <p:cNvPr id="11" name="CaixaDeTexto 10"/>
+          <p:cNvSpPr txBox="1"/>
+          <p:nvPr/>
+        </p:nvSpPr>
+        <p:spPr>
+          <a:xfrm>
+            <a:off x="41396" y="3267405"/>
+            <a:ext cx="1229530" cy="738664"/>
+          </a:xfrm>
+          <a:prstGeom prst="rect">
+            <a:avLst/>
+          </a:prstGeom>
+          <a:noFill/>
+        </p:spPr>
+        <p:txBody>
+          <a:bodyPr wrap="square" rtlCol="0">
+            <a:spAutoFit/>
+          </a:bodyPr>
+          <a:lstStyle/>
+          <a:p>
+            <a:r>
+              <a:rPr lang="pt-BR" sz="1400" b="1" dirty="0" smtClean="0">
+                <a:solidFill>
+                  <a:schemeClr val="accent1"/>
+                </a:solidFill>
+              </a:rPr>
+              <a:t>GRID</a:t>
+            </a:r>
+            <a:r>
+              <a:rPr lang="pt-BR" sz="1400" dirty="0" smtClean="0">
+                <a:solidFill>
+                  <a:schemeClr val="accent1"/>
+                </a:solidFill>
+              </a:rPr>
+              <a:t/>
+            </a:r>
+            <a:br>
+              <a:rPr lang="pt-BR" sz="1400" dirty="0" smtClean="0">
+                <a:solidFill>
+                  <a:schemeClr val="accent1"/>
+                </a:solidFill>
+              </a:rPr>
+            </a:br>
+            <a:r>
+              <a:rPr lang="pt-BR" sz="1400" dirty="0" smtClean="0">
+                <a:solidFill>
+                  <a:schemeClr val="accent1"/>
+                </a:solidFill>
+              </a:rPr>
+              <a:t>2LINHAS</a:t>
+            </a:r>
+            <a:r>
+              <a:rPr lang="pt-BR" sz="1400" dirty="0" smtClean="0">
+                <a:solidFill>
+                  <a:schemeClr val="accent1"/>
+                </a:solidFill>
+              </a:rPr>
+              <a:t/>
+            </a:r>
+            <a:br>
+              <a:rPr lang="pt-BR" sz="1400" dirty="0" smtClean="0">
+                <a:solidFill>
+                  <a:schemeClr val="accent1"/>
+                </a:solidFill>
+              </a:rPr>
+            </a:br>
+            <a:r>
+              <a:rPr lang="pt-BR" sz="1400" dirty="0">
+                <a:solidFill>
+                  <a:schemeClr val="accent1"/>
+                </a:solidFill>
+              </a:rPr>
+              <a:t>2</a:t>
+            </a:r>
+            <a:r>
+              <a:rPr lang="pt-BR" sz="1400" dirty="0" smtClean="0">
+                <a:solidFill>
+                  <a:schemeClr val="accent1"/>
+                </a:solidFill>
+              </a:rPr>
+              <a:t> </a:t>
+            </a:r>
+            <a:r>
+              <a:rPr lang="pt-BR" sz="1400" dirty="0" smtClean="0">
+                <a:solidFill>
+                  <a:schemeClr val="accent1"/>
+                </a:solidFill>
+              </a:rPr>
+              <a:t>COLUNAS </a:t>
+            </a:r>
+            <a:endParaRPr lang="pt-BR" sz="1400" dirty="0">
+              <a:solidFill>
+                <a:schemeClr val="accent1"/>
+              </a:solidFill>
+            </a:endParaRPr>
+          </a:p>
+        </p:txBody>
+      </p:sp>
+      <p:sp>
+        <p:nvSpPr>
+          <p:cNvPr id="14" name="CaixaDeTexto 13"/>
+          <p:cNvSpPr txBox="1"/>
+          <p:nvPr/>
+        </p:nvSpPr>
+        <p:spPr>
+          <a:xfrm>
+            <a:off x="2695843" y="10921041"/>
+            <a:ext cx="2823157" cy="1015663"/>
+          </a:xfrm>
+          <a:prstGeom prst="rect">
+            <a:avLst/>
+          </a:prstGeom>
+          <a:noFill/>
+        </p:spPr>
+        <p:txBody>
+          <a:bodyPr wrap="square" rtlCol="0">
+            <a:spAutoFit/>
+          </a:bodyPr>
+          <a:lstStyle/>
+          <a:p>
+            <a:r>
+              <a:rPr lang="pt-BR" sz="6000" dirty="0" smtClean="0"/>
+              <a:t>RODAPE</a:t>
+            </a:r>
+            <a:endParaRPr lang="pt-BR" sz="6000" dirty="0"/>
+          </a:p>
+        </p:txBody>
+      </p:sp>
+      <p:cxnSp>
+        <p:nvCxnSpPr>
+          <p:cNvPr id="3" name="Conector reto 2"/>
+          <p:cNvCxnSpPr/>
+          <p:nvPr/>
+        </p:nvCxnSpPr>
+        <p:spPr>
+          <a:xfrm flipH="1" flipV="1">
+            <a:off x="876301" y="1637931"/>
+            <a:ext cx="458780" cy="13190"/>
+          </a:xfrm>
+          <a:prstGeom prst="line">
+            <a:avLst/>
+          </a:prstGeom>
+        </p:spPr>
+        <p:style>
+          <a:lnRef idx="1">
+            <a:schemeClr val="accent2"/>
+          </a:lnRef>
+          <a:fillRef idx="0">
+            <a:schemeClr val="accent2"/>
+          </a:fillRef>
+          <a:effectRef idx="0">
+            <a:schemeClr val="accent2"/>
+          </a:effectRef>
+          <a:fontRef idx="minor">
+            <a:schemeClr val="tx1"/>
+          </a:fontRef>
+        </p:style>
+      </p:cxnSp>
+      <p:cxnSp>
+        <p:nvCxnSpPr>
+          <p:cNvPr id="8" name="Conector reto 7"/>
+          <p:cNvCxnSpPr/>
+          <p:nvPr/>
+        </p:nvCxnSpPr>
+        <p:spPr>
+          <a:xfrm flipH="1">
+            <a:off x="545446" y="3374697"/>
+            <a:ext cx="1081195" cy="43543"/>
+          </a:xfrm>
+          <a:prstGeom prst="line">
+            <a:avLst/>
+          </a:prstGeom>
+        </p:spPr>
+        <p:style>
+          <a:lnRef idx="1">
+            <a:schemeClr val="accent1"/>
+          </a:lnRef>
+          <a:fillRef idx="0">
+            <a:schemeClr val="accent1"/>
+          </a:fillRef>
+          <a:effectRef idx="0">
+            <a:schemeClr val="accent1"/>
+          </a:effectRef>
+          <a:fontRef idx="minor">
+            <a:schemeClr val="tx1"/>
+          </a:fontRef>
+        </p:style>
+      </p:cxnSp>
+    </p:spTree>
+    <p:extLst>
+      <p:ext uri="{BB962C8B-B14F-4D97-AF65-F5344CB8AC3E}">
+        <p14:creationId xmlns:p14="http://schemas.microsoft.com/office/powerpoint/2010/main" val="1834131636"/>
       </p:ext>
     </p:extLst>
   </p:cSld>
